--- a/approximation_presentation.pptx
+++ b/approximation_presentation.pptx
@@ -8,6 +8,8 @@
     <p:sldId id="260" r:id="rId2"/>
     <p:sldId id="265" r:id="rId3"/>
     <p:sldId id="266" r:id="rId4"/>
+    <p:sldId id="267" r:id="rId5"/>
+    <p:sldId id="268" r:id="rId6"/>
   </p:sldIdLst>
   <p:sldSz cx="12192000" cy="6858000"/>
   <p:notesSz cx="6858000" cy="9144000"/>
@@ -1459,7 +1461,7 @@
           <a:p>
             <a:fld id="{7E5A36A6-AF8C-4D74-B4ED-EE1D5753B021}" type="datetimeFigureOut">
               <a:rPr lang="hu-HU" smtClean="0"/>
-              <a:t>2022. 04. 29.</a:t>
+              <a:t>2022. 05. 01.</a:t>
             </a:fld>
             <a:endParaRPr lang="hu-HU"/>
           </a:p>
@@ -1659,7 +1661,7 @@
           <a:p>
             <a:fld id="{7E5A36A6-AF8C-4D74-B4ED-EE1D5753B021}" type="datetimeFigureOut">
               <a:rPr lang="hu-HU" smtClean="0"/>
-              <a:t>2022. 04. 29.</a:t>
+              <a:t>2022. 05. 01.</a:t>
             </a:fld>
             <a:endParaRPr lang="hu-HU"/>
           </a:p>
@@ -1869,7 +1871,7 @@
           <a:p>
             <a:fld id="{7E5A36A6-AF8C-4D74-B4ED-EE1D5753B021}" type="datetimeFigureOut">
               <a:rPr lang="hu-HU" smtClean="0"/>
-              <a:t>2022. 04. 29.</a:t>
+              <a:t>2022. 05. 01.</a:t>
             </a:fld>
             <a:endParaRPr lang="hu-HU"/>
           </a:p>
@@ -2069,7 +2071,7 @@
           <a:p>
             <a:fld id="{7E5A36A6-AF8C-4D74-B4ED-EE1D5753B021}" type="datetimeFigureOut">
               <a:rPr lang="hu-HU" smtClean="0"/>
-              <a:t>2022. 04. 29.</a:t>
+              <a:t>2022. 05. 01.</a:t>
             </a:fld>
             <a:endParaRPr lang="hu-HU"/>
           </a:p>
@@ -2345,7 +2347,7 @@
           <a:p>
             <a:fld id="{7E5A36A6-AF8C-4D74-B4ED-EE1D5753B021}" type="datetimeFigureOut">
               <a:rPr lang="hu-HU" smtClean="0"/>
-              <a:t>2022. 04. 29.</a:t>
+              <a:t>2022. 05. 01.</a:t>
             </a:fld>
             <a:endParaRPr lang="hu-HU"/>
           </a:p>
@@ -2613,7 +2615,7 @@
           <a:p>
             <a:fld id="{7E5A36A6-AF8C-4D74-B4ED-EE1D5753B021}" type="datetimeFigureOut">
               <a:rPr lang="hu-HU" smtClean="0"/>
-              <a:t>2022. 04. 29.</a:t>
+              <a:t>2022. 05. 01.</a:t>
             </a:fld>
             <a:endParaRPr lang="hu-HU"/>
           </a:p>
@@ -3028,7 +3030,7 @@
           <a:p>
             <a:fld id="{7E5A36A6-AF8C-4D74-B4ED-EE1D5753B021}" type="datetimeFigureOut">
               <a:rPr lang="hu-HU" smtClean="0"/>
-              <a:t>2022. 04. 29.</a:t>
+              <a:t>2022. 05. 01.</a:t>
             </a:fld>
             <a:endParaRPr lang="hu-HU"/>
           </a:p>
@@ -3170,7 +3172,7 @@
           <a:p>
             <a:fld id="{7E5A36A6-AF8C-4D74-B4ED-EE1D5753B021}" type="datetimeFigureOut">
               <a:rPr lang="hu-HU" smtClean="0"/>
-              <a:t>2022. 04. 29.</a:t>
+              <a:t>2022. 05. 01.</a:t>
             </a:fld>
             <a:endParaRPr lang="hu-HU"/>
           </a:p>
@@ -3283,7 +3285,7 @@
           <a:p>
             <a:fld id="{7E5A36A6-AF8C-4D74-B4ED-EE1D5753B021}" type="datetimeFigureOut">
               <a:rPr lang="hu-HU" smtClean="0"/>
-              <a:t>2022. 04. 29.</a:t>
+              <a:t>2022. 05. 01.</a:t>
             </a:fld>
             <a:endParaRPr lang="hu-HU"/>
           </a:p>
@@ -3596,7 +3598,7 @@
           <a:p>
             <a:fld id="{7E5A36A6-AF8C-4D74-B4ED-EE1D5753B021}" type="datetimeFigureOut">
               <a:rPr lang="hu-HU" smtClean="0"/>
-              <a:t>2022. 04. 29.</a:t>
+              <a:t>2022. 05. 01.</a:t>
             </a:fld>
             <a:endParaRPr lang="hu-HU"/>
           </a:p>
@@ -3885,7 +3887,7 @@
           <a:p>
             <a:fld id="{7E5A36A6-AF8C-4D74-B4ED-EE1D5753B021}" type="datetimeFigureOut">
               <a:rPr lang="hu-HU" smtClean="0"/>
-              <a:t>2022. 04. 29.</a:t>
+              <a:t>2022. 05. 01.</a:t>
             </a:fld>
             <a:endParaRPr lang="hu-HU"/>
           </a:p>
@@ -4128,7 +4130,7 @@
           <a:p>
             <a:fld id="{7E5A36A6-AF8C-4D74-B4ED-EE1D5753B021}" type="datetimeFigureOut">
               <a:rPr lang="hu-HU" smtClean="0"/>
-              <a:t>2022. 04. 29.</a:t>
+              <a:t>2022. 05. 01.</a:t>
             </a:fld>
             <a:endParaRPr lang="hu-HU"/>
           </a:p>
@@ -8346,6 +8348,189 @@
 </p:sld>
 </file>
 
+<file path=ppt/slides/slide4.xml><?xml version="1.0" encoding="utf-8"?>
+<p:sld xmlns:a="http://schemas.openxmlformats.org/drawingml/2006/main" xmlns:r="http://schemas.openxmlformats.org/officeDocument/2006/relationships" xmlns:p="http://schemas.openxmlformats.org/presentationml/2006/main">
+  <p:cSld>
+    <p:spTree>
+      <p:nvGrpSpPr>
+        <p:cNvPr id="1" name=""/>
+        <p:cNvGrpSpPr/>
+        <p:nvPr/>
+      </p:nvGrpSpPr>
+      <p:grpSpPr>
+        <a:xfrm>
+          <a:off x="0" y="0"/>
+          <a:ext cx="0" cy="0"/>
+          <a:chOff x="0" y="0"/>
+          <a:chExt cx="0" cy="0"/>
+        </a:xfrm>
+      </p:grpSpPr>
+      <p:sp>
+        <p:nvSpPr>
+          <p:cNvPr id="2" name="Title 1">
+            <a:extLst>
+              <a:ext uri="{FF2B5EF4-FFF2-40B4-BE49-F238E27FC236}">
+                <a16:creationId xmlns:a16="http://schemas.microsoft.com/office/drawing/2014/main" id="{4EB68C10-F2B4-00BD-7539-ED88604DDC5B}"/>
+              </a:ext>
+            </a:extLst>
+          </p:cNvPr>
+          <p:cNvSpPr>
+            <a:spLocks noGrp="1"/>
+          </p:cNvSpPr>
+          <p:nvPr>
+            <p:ph type="title"/>
+          </p:nvPr>
+        </p:nvSpPr>
+        <p:spPr/>
+        <p:txBody>
+          <a:bodyPr/>
+          <a:lstStyle/>
+          <a:p>
+            <a:endParaRPr lang="en-US"/>
+          </a:p>
+        </p:txBody>
+      </p:sp>
+      <p:pic>
+        <p:nvPicPr>
+          <p:cNvPr id="5" name="Content Placeholder 4" descr="Chart, line chart&#10;&#10;Description automatically generated">
+            <a:extLst>
+              <a:ext uri="{FF2B5EF4-FFF2-40B4-BE49-F238E27FC236}">
+                <a16:creationId xmlns:a16="http://schemas.microsoft.com/office/drawing/2014/main" id="{142985E6-C0E1-D4F2-0B2B-ABBA1DE8A774}"/>
+              </a:ext>
+            </a:extLst>
+          </p:cNvPr>
+          <p:cNvPicPr>
+            <a:picLocks noGrp="1" noChangeAspect="1"/>
+          </p:cNvPicPr>
+          <p:nvPr>
+            <p:ph idx="1"/>
+          </p:nvPr>
+        </p:nvPicPr>
+        <p:blipFill>
+          <a:blip r:embed="rId2">
+            <a:extLst>
+              <a:ext uri="{28A0092B-C50C-407E-A947-70E740481C1C}">
+                <a14:useLocalDpi xmlns:a14="http://schemas.microsoft.com/office/drawing/2010/main" val="0"/>
+              </a:ext>
+            </a:extLst>
+          </a:blip>
+          <a:stretch>
+            <a:fillRect/>
+          </a:stretch>
+        </p:blipFill>
+        <p:spPr>
+          <a:xfrm>
+            <a:off x="612933" y="1825625"/>
+            <a:ext cx="6267523" cy="4351338"/>
+          </a:xfrm>
+        </p:spPr>
+      </p:pic>
+    </p:spTree>
+    <p:extLst>
+      <p:ext uri="{BB962C8B-B14F-4D97-AF65-F5344CB8AC3E}">
+        <p14:creationId xmlns:p14="http://schemas.microsoft.com/office/powerpoint/2010/main" val="3138273804"/>
+      </p:ext>
+    </p:extLst>
+  </p:cSld>
+  <p:clrMapOvr>
+    <a:masterClrMapping/>
+  </p:clrMapOvr>
+</p:sld>
+</file>
+
+<file path=ppt/slides/slide5.xml><?xml version="1.0" encoding="utf-8"?>
+<p:sld xmlns:a="http://schemas.openxmlformats.org/drawingml/2006/main" xmlns:r="http://schemas.openxmlformats.org/officeDocument/2006/relationships" xmlns:p="http://schemas.openxmlformats.org/presentationml/2006/main">
+  <p:cSld>
+    <p:spTree>
+      <p:nvGrpSpPr>
+        <p:cNvPr id="1" name=""/>
+        <p:cNvGrpSpPr/>
+        <p:nvPr/>
+      </p:nvGrpSpPr>
+      <p:grpSpPr>
+        <a:xfrm>
+          <a:off x="0" y="0"/>
+          <a:ext cx="0" cy="0"/>
+          <a:chOff x="0" y="0"/>
+          <a:chExt cx="0" cy="0"/>
+        </a:xfrm>
+      </p:grpSpPr>
+      <p:sp>
+        <p:nvSpPr>
+          <p:cNvPr id="2" name="Title 1">
+            <a:extLst>
+              <a:ext uri="{FF2B5EF4-FFF2-40B4-BE49-F238E27FC236}">
+                <a16:creationId xmlns:a16="http://schemas.microsoft.com/office/drawing/2014/main" id="{D755265E-6F8B-3AEB-3ABA-5DE996D49472}"/>
+              </a:ext>
+            </a:extLst>
+          </p:cNvPr>
+          <p:cNvSpPr>
+            <a:spLocks noGrp="1"/>
+          </p:cNvSpPr>
+          <p:nvPr>
+            <p:ph type="title"/>
+          </p:nvPr>
+        </p:nvSpPr>
+        <p:spPr/>
+        <p:txBody>
+          <a:bodyPr/>
+          <a:lstStyle/>
+          <a:p>
+            <a:endParaRPr lang="en-US"/>
+          </a:p>
+        </p:txBody>
+      </p:sp>
+      <p:pic>
+        <p:nvPicPr>
+          <p:cNvPr id="4" name="Content Placeholder 3" descr="Chart, line chart&#10;&#10;Description automatically generated">
+            <a:extLst>
+              <a:ext uri="{FF2B5EF4-FFF2-40B4-BE49-F238E27FC236}">
+                <a16:creationId xmlns:a16="http://schemas.microsoft.com/office/drawing/2014/main" id="{44DE6154-4BB5-9C87-479A-48541D42D349}"/>
+              </a:ext>
+            </a:extLst>
+          </p:cNvPr>
+          <p:cNvPicPr>
+            <a:picLocks noGrp="1" noChangeAspect="1"/>
+          </p:cNvPicPr>
+          <p:nvPr>
+            <p:ph idx="1"/>
+          </p:nvPr>
+        </p:nvPicPr>
+        <p:blipFill>
+          <a:blip r:embed="rId2">
+            <a:extLst>
+              <a:ext uri="{28A0092B-C50C-407E-A947-70E740481C1C}">
+                <a14:useLocalDpi xmlns:a14="http://schemas.microsoft.com/office/drawing/2010/main" val="0"/>
+              </a:ext>
+            </a:extLst>
+          </a:blip>
+          <a:stretch>
+            <a:fillRect/>
+          </a:stretch>
+        </p:blipFill>
+        <p:spPr>
+          <a:xfrm>
+            <a:off x="2754253" y="1825625"/>
+            <a:ext cx="6683493" cy="4351338"/>
+          </a:xfrm>
+          <a:prstGeom prst="rect">
+            <a:avLst/>
+          </a:prstGeom>
+        </p:spPr>
+      </p:pic>
+    </p:spTree>
+    <p:extLst>
+      <p:ext uri="{BB962C8B-B14F-4D97-AF65-F5344CB8AC3E}">
+        <p14:creationId xmlns:p14="http://schemas.microsoft.com/office/powerpoint/2010/main" val="2511058419"/>
+      </p:ext>
+    </p:extLst>
+  </p:cSld>
+  <p:clrMapOvr>
+    <a:masterClrMapping/>
+  </p:clrMapOvr>
+</p:sld>
+</file>
+
 <file path=ppt/theme/theme1.xml><?xml version="1.0" encoding="utf-8"?>
 <a:theme xmlns:a="http://schemas.openxmlformats.org/drawingml/2006/main" name="Office Theme">
   <a:themeElements>

--- a/approximation_presentation.pptx
+++ b/approximation_presentation.pptx
@@ -5,11 +5,13 @@
     <p:sldMasterId id="2147483648" r:id="rId1"/>
   </p:sldMasterIdLst>
   <p:sldIdLst>
-    <p:sldId id="260" r:id="rId2"/>
-    <p:sldId id="265" r:id="rId3"/>
-    <p:sldId id="266" r:id="rId4"/>
-    <p:sldId id="267" r:id="rId5"/>
-    <p:sldId id="268" r:id="rId6"/>
+    <p:sldId id="270" r:id="rId2"/>
+    <p:sldId id="260" r:id="rId3"/>
+    <p:sldId id="265" r:id="rId4"/>
+    <p:sldId id="266" r:id="rId5"/>
+    <p:sldId id="271" r:id="rId6"/>
+    <p:sldId id="269" r:id="rId7"/>
+    <p:sldId id="268" r:id="rId8"/>
   </p:sldIdLst>
   <p:sldSz cx="12192000" cy="6858000"/>
   <p:notesSz cx="6858000" cy="9144000"/>
@@ -119,7 +121,7 @@
 <file path=ppt/revisionInfo.xml><?xml version="1.0" encoding="utf-8"?>
 <p1510:revInfo xmlns:a="http://schemas.openxmlformats.org/drawingml/2006/main" xmlns:r="http://schemas.openxmlformats.org/officeDocument/2006/relationships" xmlns:p1510="http://schemas.microsoft.com/office/powerpoint/2015/10/main">
   <p1510:revLst>
-    <p1510:client id="{0E8F59C3-302A-4CB7-8171-0ED76CEC5410}" v="28" dt="2022-04-30T01:24:50.392"/>
+    <p1510:client id="{0E8F59C3-302A-4CB7-8171-0ED76CEC5410}" v="39" dt="2022-05-01T21:48:12.722"/>
   </p1510:revLst>
 </p1510:revInfo>
 </file>
@@ -129,7 +131,7 @@
   <pc:docChgLst>
     <pc:chgData name="Eubank, Gavin Scott - eubankgs" userId="85c05699-3879-41d9-9fda-42617f9b4485" providerId="ADAL" clId="{0E8F59C3-302A-4CB7-8171-0ED76CEC5410}"/>
     <pc:docChg chg="undo custSel addSld delSld modSld sldOrd">
-      <pc:chgData name="Eubank, Gavin Scott - eubankgs" userId="85c05699-3879-41d9-9fda-42617f9b4485" providerId="ADAL" clId="{0E8F59C3-302A-4CB7-8171-0ED76CEC5410}" dt="2022-04-30T02:52:28.595" v="679" actId="47"/>
+      <pc:chgData name="Eubank, Gavin Scott - eubankgs" userId="85c05699-3879-41d9-9fda-42617f9b4485" providerId="ADAL" clId="{0E8F59C3-302A-4CB7-8171-0ED76CEC5410}" dt="2022-05-01T22:10:08.450" v="1756" actId="20577"/>
       <pc:docMkLst>
         <pc:docMk/>
       </pc:docMkLst>
@@ -162,7 +164,7 @@
         </pc:sldMkLst>
       </pc:sldChg>
       <pc:sldChg chg="addSp delSp modSp mod">
-        <pc:chgData name="Eubank, Gavin Scott - eubankgs" userId="85c05699-3879-41d9-9fda-42617f9b4485" providerId="ADAL" clId="{0E8F59C3-302A-4CB7-8171-0ED76CEC5410}" dt="2022-04-30T01:20:24.222" v="609" actId="9405"/>
+        <pc:chgData name="Eubank, Gavin Scott - eubankgs" userId="85c05699-3879-41d9-9fda-42617f9b4485" providerId="ADAL" clId="{0E8F59C3-302A-4CB7-8171-0ED76CEC5410}" dt="2022-04-30T22:47:01.557" v="952" actId="20577"/>
         <pc:sldMkLst>
           <pc:docMk/>
           <pc:sldMk cId="3175013801" sldId="260"/>
@@ -192,7 +194,7 @@
           </ac:spMkLst>
         </pc:spChg>
         <pc:spChg chg="add mod">
-          <ac:chgData name="Eubank, Gavin Scott - eubankgs" userId="85c05699-3879-41d9-9fda-42617f9b4485" providerId="ADAL" clId="{0E8F59C3-302A-4CB7-8171-0ED76CEC5410}" dt="2022-04-30T00:50:07.825" v="295" actId="20577"/>
+          <ac:chgData name="Eubank, Gavin Scott - eubankgs" userId="85c05699-3879-41d9-9fda-42617f9b4485" providerId="ADAL" clId="{0E8F59C3-302A-4CB7-8171-0ED76CEC5410}" dt="2022-04-30T22:47:01.557" v="952" actId="20577"/>
           <ac:spMkLst>
             <pc:docMk/>
             <pc:sldMk cId="3175013801" sldId="260"/>
@@ -597,7 +599,7 @@
         </pc:sldMkLst>
       </pc:sldChg>
       <pc:sldChg chg="addSp delSp modSp add mod">
-        <pc:chgData name="Eubank, Gavin Scott - eubankgs" userId="85c05699-3879-41d9-9fda-42617f9b4485" providerId="ADAL" clId="{0E8F59C3-302A-4CB7-8171-0ED76CEC5410}" dt="2022-04-30T01:23:23.780" v="657" actId="1076"/>
+        <pc:chgData name="Eubank, Gavin Scott - eubankgs" userId="85c05699-3879-41d9-9fda-42617f9b4485" providerId="ADAL" clId="{0E8F59C3-302A-4CB7-8171-0ED76CEC5410}" dt="2022-05-01T21:58:46.878" v="1593" actId="20577"/>
         <pc:sldMkLst>
           <pc:docMk/>
           <pc:sldMk cId="718113807" sldId="265"/>
@@ -619,7 +621,7 @@
           </ac:spMkLst>
         </pc:spChg>
         <pc:spChg chg="mod">
-          <ac:chgData name="Eubank, Gavin Scott - eubankgs" userId="85c05699-3879-41d9-9fda-42617f9b4485" providerId="ADAL" clId="{0E8F59C3-302A-4CB7-8171-0ED76CEC5410}" dt="2022-04-30T01:12:20.425" v="465" actId="14100"/>
+          <ac:chgData name="Eubank, Gavin Scott - eubankgs" userId="85c05699-3879-41d9-9fda-42617f9b4485" providerId="ADAL" clId="{0E8F59C3-302A-4CB7-8171-0ED76CEC5410}" dt="2022-05-01T21:58:46.878" v="1593" actId="20577"/>
           <ac:spMkLst>
             <pc:docMk/>
             <pc:sldMk cId="718113807" sldId="265"/>
@@ -772,7 +774,7 @@
         </pc:cxnChg>
       </pc:sldChg>
       <pc:sldChg chg="addSp delSp modSp add mod ord">
-        <pc:chgData name="Eubank, Gavin Scott - eubankgs" userId="85c05699-3879-41d9-9fda-42617f9b4485" providerId="ADAL" clId="{0E8F59C3-302A-4CB7-8171-0ED76CEC5410}" dt="2022-04-30T01:25:02.067" v="678" actId="1076"/>
+        <pc:chgData name="Eubank, Gavin Scott - eubankgs" userId="85c05699-3879-41d9-9fda-42617f9b4485" providerId="ADAL" clId="{0E8F59C3-302A-4CB7-8171-0ED76CEC5410}" dt="2022-04-30T22:52:04.168" v="1064" actId="1076"/>
         <pc:sldMkLst>
           <pc:docMk/>
           <pc:sldMk cId="3438745225" sldId="266"/>
@@ -786,6 +788,22 @@
           </ac:spMkLst>
         </pc:spChg>
         <pc:spChg chg="add mod">
+          <ac:chgData name="Eubank, Gavin Scott - eubankgs" userId="85c05699-3879-41d9-9fda-42617f9b4485" providerId="ADAL" clId="{0E8F59C3-302A-4CB7-8171-0ED76CEC5410}" dt="2022-04-30T22:42:34.047" v="897" actId="1076"/>
+          <ac:spMkLst>
+            <pc:docMk/>
+            <pc:sldMk cId="3438745225" sldId="266"/>
+            <ac:spMk id="23" creationId="{4EBA25F2-88CA-9462-2AFE-C3ABBC832E6A}"/>
+          </ac:spMkLst>
+        </pc:spChg>
+        <pc:spChg chg="add mod">
+          <ac:chgData name="Eubank, Gavin Scott - eubankgs" userId="85c05699-3879-41d9-9fda-42617f9b4485" providerId="ADAL" clId="{0E8F59C3-302A-4CB7-8171-0ED76CEC5410}" dt="2022-04-30T22:42:38.277" v="899" actId="1076"/>
+          <ac:spMkLst>
+            <pc:docMk/>
+            <pc:sldMk cId="3438745225" sldId="266"/>
+            <ac:spMk id="24" creationId="{26146C68-270F-43DC-4258-0AF2F8BE18B9}"/>
+          </ac:spMkLst>
+        </pc:spChg>
+        <pc:spChg chg="add mod">
           <ac:chgData name="Eubank, Gavin Scott - eubankgs" userId="85c05699-3879-41d9-9fda-42617f9b4485" providerId="ADAL" clId="{0E8F59C3-302A-4CB7-8171-0ED76CEC5410}" dt="2022-04-30T01:25:02.067" v="678" actId="1076"/>
           <ac:spMkLst>
             <pc:docMk/>
@@ -802,6 +820,14 @@
           </ac:spMkLst>
         </pc:spChg>
         <pc:spChg chg="add mod">
+          <ac:chgData name="Eubank, Gavin Scott - eubankgs" userId="85c05699-3879-41d9-9fda-42617f9b4485" providerId="ADAL" clId="{0E8F59C3-302A-4CB7-8171-0ED76CEC5410}" dt="2022-04-30T22:42:59.341" v="917" actId="1076"/>
+          <ac:spMkLst>
+            <pc:docMk/>
+            <pc:sldMk cId="3438745225" sldId="266"/>
+            <ac:spMk id="31" creationId="{2EBD0F89-BEFE-E3B6-DA98-FDC234A0C1CA}"/>
+          </ac:spMkLst>
+        </pc:spChg>
+        <pc:spChg chg="add mod">
           <ac:chgData name="Eubank, Gavin Scott - eubankgs" userId="85c05699-3879-41d9-9fda-42617f9b4485" providerId="ADAL" clId="{0E8F59C3-302A-4CB7-8171-0ED76CEC5410}" dt="2022-04-30T01:25:02.067" v="678" actId="1076"/>
           <ac:spMkLst>
             <pc:docMk/>
@@ -825,6 +851,14 @@
             <ac:spMk id="34" creationId="{4457CAC1-F202-46CC-8899-D651232B4A0B}"/>
           </ac:spMkLst>
         </pc:spChg>
+        <pc:spChg chg="add mod">
+          <ac:chgData name="Eubank, Gavin Scott - eubankgs" userId="85c05699-3879-41d9-9fda-42617f9b4485" providerId="ADAL" clId="{0E8F59C3-302A-4CB7-8171-0ED76CEC5410}" dt="2022-04-30T22:52:04.168" v="1064" actId="1076"/>
+          <ac:spMkLst>
+            <pc:docMk/>
+            <pc:sldMk cId="3438745225" sldId="266"/>
+            <ac:spMk id="34" creationId="{F7DA0B12-2F84-6D17-C43C-075B59A1A3AB}"/>
+          </ac:spMkLst>
+        </pc:spChg>
         <pc:spChg chg="mod topLvl">
           <ac:chgData name="Eubank, Gavin Scott - eubankgs" userId="85c05699-3879-41d9-9fda-42617f9b4485" providerId="ADAL" clId="{0E8F59C3-302A-4CB7-8171-0ED76CEC5410}" dt="2022-04-30T01:25:02.067" v="678" actId="1076"/>
           <ac:spMkLst>
@@ -882,7 +916,7 @@
           </ac:spMkLst>
         </pc:spChg>
         <pc:spChg chg="add mod">
-          <ac:chgData name="Eubank, Gavin Scott - eubankgs" userId="85c05699-3879-41d9-9fda-42617f9b4485" providerId="ADAL" clId="{0E8F59C3-302A-4CB7-8171-0ED76CEC5410}" dt="2022-04-30T01:25:02.067" v="678" actId="1076"/>
+          <ac:chgData name="Eubank, Gavin Scott - eubankgs" userId="85c05699-3879-41d9-9fda-42617f9b4485" providerId="ADAL" clId="{0E8F59C3-302A-4CB7-8171-0ED76CEC5410}" dt="2022-04-30T22:42:17.841" v="895" actId="1076"/>
           <ac:spMkLst>
             <pc:docMk/>
             <pc:sldMk cId="3438745225" sldId="266"/>
@@ -914,7 +948,7 @@
           </ac:spMkLst>
         </pc:spChg>
         <pc:spChg chg="add mod">
-          <ac:chgData name="Eubank, Gavin Scott - eubankgs" userId="85c05699-3879-41d9-9fda-42617f9b4485" providerId="ADAL" clId="{0E8F59C3-302A-4CB7-8171-0ED76CEC5410}" dt="2022-04-30T01:24:48.594" v="674" actId="1076"/>
+          <ac:chgData name="Eubank, Gavin Scott - eubankgs" userId="85c05699-3879-41d9-9fda-42617f9b4485" providerId="ADAL" clId="{0E8F59C3-302A-4CB7-8171-0ED76CEC5410}" dt="2022-04-30T22:51:19.630" v="1029" actId="1076"/>
           <ac:spMkLst>
             <pc:docMk/>
             <pc:sldMk cId="3438745225" sldId="266"/>
@@ -953,6 +987,14 @@
             <ac:grpSpMk id="72" creationId="{CD3CCCFC-6290-4C60-ADF6-C0D9740AAB3C}"/>
           </ac:grpSpMkLst>
         </pc:grpChg>
+        <pc:inkChg chg="add">
+          <ac:chgData name="Eubank, Gavin Scott - eubankgs" userId="85c05699-3879-41d9-9fda-42617f9b4485" providerId="ADAL" clId="{0E8F59C3-302A-4CB7-8171-0ED76CEC5410}" dt="2022-04-30T22:40:22.825" v="839" actId="9405"/>
+          <ac:inkMkLst>
+            <pc:docMk/>
+            <pc:sldMk cId="3438745225" sldId="266"/>
+            <ac:inkMk id="2" creationId="{A71EB002-5AB5-45BD-F9D4-7015555A390D}"/>
+          </ac:inkMkLst>
+        </pc:inkChg>
         <pc:inkChg chg="add mod">
           <ac:chgData name="Eubank, Gavin Scott - eubankgs" userId="85c05699-3879-41d9-9fda-42617f9b4485" providerId="ADAL" clId="{0E8F59C3-302A-4CB7-8171-0ED76CEC5410}" dt="2022-04-30T01:25:02.067" v="678" actId="1076"/>
           <ac:inkMkLst>
@@ -1009,6 +1051,14 @@
             <ac:cxnSpMk id="25" creationId="{5F60E8CC-5436-4422-B186-349911A589B6}"/>
           </ac:cxnSpMkLst>
         </pc:cxnChg>
+        <pc:cxnChg chg="add mod">
+          <ac:chgData name="Eubank, Gavin Scott - eubankgs" userId="85c05699-3879-41d9-9fda-42617f9b4485" providerId="ADAL" clId="{0E8F59C3-302A-4CB7-8171-0ED76CEC5410}" dt="2022-04-30T22:42:03.874" v="894" actId="14100"/>
+          <ac:cxnSpMkLst>
+            <pc:docMk/>
+            <pc:sldMk cId="3438745225" sldId="266"/>
+            <ac:cxnSpMk id="25" creationId="{EB1CBA93-7B4E-248D-1735-62651B6EFED0}"/>
+          </ac:cxnSpMkLst>
+        </pc:cxnChg>
         <pc:cxnChg chg="mod">
           <ac:chgData name="Eubank, Gavin Scott - eubankgs" userId="85c05699-3879-41d9-9fda-42617f9b4485" providerId="ADAL" clId="{0E8F59C3-302A-4CB7-8171-0ED76CEC5410}" dt="2022-04-30T01:18:49.409" v="573" actId="478"/>
           <ac:cxnSpMkLst>
@@ -1090,7 +1140,7 @@
           </ac:cxnSpMkLst>
         </pc:cxnChg>
         <pc:cxnChg chg="add mod">
-          <ac:chgData name="Eubank, Gavin Scott - eubankgs" userId="85c05699-3879-41d9-9fda-42617f9b4485" providerId="ADAL" clId="{0E8F59C3-302A-4CB7-8171-0ED76CEC5410}" dt="2022-04-30T01:25:02.067" v="678" actId="1076"/>
+          <ac:chgData name="Eubank, Gavin Scott - eubankgs" userId="85c05699-3879-41d9-9fda-42617f9b4485" providerId="ADAL" clId="{0E8F59C3-302A-4CB7-8171-0ED76CEC5410}" dt="2022-04-30T22:42:17.841" v="895" actId="1076"/>
           <ac:cxnSpMkLst>
             <pc:docMk/>
             <pc:sldMk cId="3438745225" sldId="266"/>
@@ -1098,7 +1148,7 @@
           </ac:cxnSpMkLst>
         </pc:cxnChg>
         <pc:cxnChg chg="add mod">
-          <ac:chgData name="Eubank, Gavin Scott - eubankgs" userId="85c05699-3879-41d9-9fda-42617f9b4485" providerId="ADAL" clId="{0E8F59C3-302A-4CB7-8171-0ED76CEC5410}" dt="2022-04-30T01:25:02.067" v="678" actId="1076"/>
+          <ac:chgData name="Eubank, Gavin Scott - eubankgs" userId="85c05699-3879-41d9-9fda-42617f9b4485" providerId="ADAL" clId="{0E8F59C3-302A-4CB7-8171-0ED76CEC5410}" dt="2022-04-30T22:42:17.841" v="895" actId="1076"/>
           <ac:cxnSpMkLst>
             <pc:docMk/>
             <pc:sldMk cId="3438745225" sldId="266"/>
@@ -1106,11 +1156,406 @@
           </ac:cxnSpMkLst>
         </pc:cxnChg>
         <pc:cxnChg chg="add mod">
-          <ac:chgData name="Eubank, Gavin Scott - eubankgs" userId="85c05699-3879-41d9-9fda-42617f9b4485" providerId="ADAL" clId="{0E8F59C3-302A-4CB7-8171-0ED76CEC5410}" dt="2022-04-30T01:25:02.067" v="678" actId="1076"/>
+          <ac:chgData name="Eubank, Gavin Scott - eubankgs" userId="85c05699-3879-41d9-9fda-42617f9b4485" providerId="ADAL" clId="{0E8F59C3-302A-4CB7-8171-0ED76CEC5410}" dt="2022-04-30T22:42:17.841" v="895" actId="1076"/>
           <ac:cxnSpMkLst>
             <pc:docMk/>
             <pc:sldMk cId="3438745225" sldId="266"/>
             <ac:cxnSpMk id="63" creationId="{3E5CB3DA-49EE-03A2-6460-B213078EF4F6}"/>
+          </ac:cxnSpMkLst>
+        </pc:cxnChg>
+      </pc:sldChg>
+      <pc:sldChg chg="new del ord">
+        <pc:chgData name="Eubank, Gavin Scott - eubankgs" userId="85c05699-3879-41d9-9fda-42617f9b4485" providerId="ADAL" clId="{0E8F59C3-302A-4CB7-8171-0ED76CEC5410}" dt="2022-04-30T22:46:27.468" v="934" actId="47"/>
+        <pc:sldMkLst>
+          <pc:docMk/>
+          <pc:sldMk cId="4278712074" sldId="267"/>
+        </pc:sldMkLst>
+      </pc:sldChg>
+      <pc:sldChg chg="delSp modSp add mod ord">
+        <pc:chgData name="Eubank, Gavin Scott - eubankgs" userId="85c05699-3879-41d9-9fda-42617f9b4485" providerId="ADAL" clId="{0E8F59C3-302A-4CB7-8171-0ED76CEC5410}" dt="2022-05-01T22:10:08.450" v="1756" actId="20577"/>
+        <pc:sldMkLst>
+          <pc:docMk/>
+          <pc:sldMk cId="1429774494" sldId="268"/>
+        </pc:sldMkLst>
+        <pc:spChg chg="mod">
+          <ac:chgData name="Eubank, Gavin Scott - eubankgs" userId="85c05699-3879-41d9-9fda-42617f9b4485" providerId="ADAL" clId="{0E8F59C3-302A-4CB7-8171-0ED76CEC5410}" dt="2022-04-30T22:45:04.875" v="931" actId="20577"/>
+          <ac:spMkLst>
+            <pc:docMk/>
+            <pc:sldMk cId="1429774494" sldId="268"/>
+            <ac:spMk id="2" creationId="{75945223-524E-48B9-BD6D-0AC5864ACD6D}"/>
+          </ac:spMkLst>
+        </pc:spChg>
+        <pc:spChg chg="mod">
+          <ac:chgData name="Eubank, Gavin Scott - eubankgs" userId="85c05699-3879-41d9-9fda-42617f9b4485" providerId="ADAL" clId="{0E8F59C3-302A-4CB7-8171-0ED76CEC5410}" dt="2022-04-30T22:53:35.792" v="1090" actId="14100"/>
+          <ac:spMkLst>
+            <pc:docMk/>
+            <pc:sldMk cId="1429774494" sldId="268"/>
+            <ac:spMk id="4" creationId="{EEB0CD4D-D99B-EBE8-9E04-178085EB948C}"/>
+          </ac:spMkLst>
+        </pc:spChg>
+        <pc:spChg chg="mod">
+          <ac:chgData name="Eubank, Gavin Scott - eubankgs" userId="85c05699-3879-41d9-9fda-42617f9b4485" providerId="ADAL" clId="{0E8F59C3-302A-4CB7-8171-0ED76CEC5410}" dt="2022-05-01T22:10:08.450" v="1756" actId="20577"/>
+          <ac:spMkLst>
+            <pc:docMk/>
+            <pc:sldMk cId="1429774494" sldId="268"/>
+            <ac:spMk id="5" creationId="{AEDDF7BC-7A39-7FFF-38ED-2D883C89BB28}"/>
+          </ac:spMkLst>
+        </pc:spChg>
+        <pc:spChg chg="del">
+          <ac:chgData name="Eubank, Gavin Scott - eubankgs" userId="85c05699-3879-41d9-9fda-42617f9b4485" providerId="ADAL" clId="{0E8F59C3-302A-4CB7-8171-0ED76CEC5410}" dt="2022-04-30T22:44:59.482" v="925" actId="478"/>
+          <ac:spMkLst>
+            <pc:docMk/>
+            <pc:sldMk cId="1429774494" sldId="268"/>
+            <ac:spMk id="20" creationId="{EA185623-0F8D-0856-A859-9C02B3AA76ED}"/>
+          </ac:spMkLst>
+        </pc:spChg>
+        <pc:spChg chg="del">
+          <ac:chgData name="Eubank, Gavin Scott - eubankgs" userId="85c05699-3879-41d9-9fda-42617f9b4485" providerId="ADAL" clId="{0E8F59C3-302A-4CB7-8171-0ED76CEC5410}" dt="2022-04-30T22:44:56.107" v="923" actId="478"/>
+          <ac:spMkLst>
+            <pc:docMk/>
+            <pc:sldMk cId="1429774494" sldId="268"/>
+            <ac:spMk id="48" creationId="{225C0B23-E335-B526-A044-6EC5256F4952}"/>
+          </ac:spMkLst>
+        </pc:spChg>
+        <pc:grpChg chg="del">
+          <ac:chgData name="Eubank, Gavin Scott - eubankgs" userId="85c05699-3879-41d9-9fda-42617f9b4485" providerId="ADAL" clId="{0E8F59C3-302A-4CB7-8171-0ED76CEC5410}" dt="2022-04-30T22:44:56.107" v="923" actId="478"/>
+          <ac:grpSpMkLst>
+            <pc:docMk/>
+            <pc:sldMk cId="1429774494" sldId="268"/>
+            <ac:grpSpMk id="21" creationId="{BC72F11B-ECAB-5A14-CE18-AB30034BB11B}"/>
+          </ac:grpSpMkLst>
+        </pc:grpChg>
+        <pc:grpChg chg="del">
+          <ac:chgData name="Eubank, Gavin Scott - eubankgs" userId="85c05699-3879-41d9-9fda-42617f9b4485" providerId="ADAL" clId="{0E8F59C3-302A-4CB7-8171-0ED76CEC5410}" dt="2022-04-30T22:44:56.107" v="923" actId="478"/>
+          <ac:grpSpMkLst>
+            <pc:docMk/>
+            <pc:sldMk cId="1429774494" sldId="268"/>
+            <ac:grpSpMk id="34" creationId="{CDF38ADA-D9B2-05A7-727C-5E67246A7C50}"/>
+          </ac:grpSpMkLst>
+        </pc:grpChg>
+        <pc:inkChg chg="del">
+          <ac:chgData name="Eubank, Gavin Scott - eubankgs" userId="85c05699-3879-41d9-9fda-42617f9b4485" providerId="ADAL" clId="{0E8F59C3-302A-4CB7-8171-0ED76CEC5410}" dt="2022-04-30T22:44:57.324" v="924" actId="478"/>
+          <ac:inkMkLst>
+            <pc:docMk/>
+            <pc:sldMk cId="1429774494" sldId="268"/>
+            <ac:inkMk id="52" creationId="{57B985A6-E922-796D-FF33-0F3917BB11DC}"/>
+          </ac:inkMkLst>
+        </pc:inkChg>
+        <pc:inkChg chg="del">
+          <ac:chgData name="Eubank, Gavin Scott - eubankgs" userId="85c05699-3879-41d9-9fda-42617f9b4485" providerId="ADAL" clId="{0E8F59C3-302A-4CB7-8171-0ED76CEC5410}" dt="2022-04-30T22:44:56.107" v="923" actId="478"/>
+          <ac:inkMkLst>
+            <pc:docMk/>
+            <pc:sldMk cId="1429774494" sldId="268"/>
+            <ac:inkMk id="53" creationId="{CAE71615-49FB-F101-8ED0-66D466044C97}"/>
+          </ac:inkMkLst>
+        </pc:inkChg>
+        <pc:inkChg chg="del">
+          <ac:chgData name="Eubank, Gavin Scott - eubankgs" userId="85c05699-3879-41d9-9fda-42617f9b4485" providerId="ADAL" clId="{0E8F59C3-302A-4CB7-8171-0ED76CEC5410}" dt="2022-04-30T22:44:56.107" v="923" actId="478"/>
+          <ac:inkMkLst>
+            <pc:docMk/>
+            <pc:sldMk cId="1429774494" sldId="268"/>
+            <ac:inkMk id="54" creationId="{B711F1C2-B9D8-2FEE-A81E-275E676BE348}"/>
+          </ac:inkMkLst>
+        </pc:inkChg>
+        <pc:inkChg chg="del">
+          <ac:chgData name="Eubank, Gavin Scott - eubankgs" userId="85c05699-3879-41d9-9fda-42617f9b4485" providerId="ADAL" clId="{0E8F59C3-302A-4CB7-8171-0ED76CEC5410}" dt="2022-04-30T22:44:56.107" v="923" actId="478"/>
+          <ac:inkMkLst>
+            <pc:docMk/>
+            <pc:sldMk cId="1429774494" sldId="268"/>
+            <ac:inkMk id="55" creationId="{EFE9E88B-66F6-6856-6345-750895E3F573}"/>
+          </ac:inkMkLst>
+        </pc:inkChg>
+        <pc:cxnChg chg="mod">
+          <ac:chgData name="Eubank, Gavin Scott - eubankgs" userId="85c05699-3879-41d9-9fda-42617f9b4485" providerId="ADAL" clId="{0E8F59C3-302A-4CB7-8171-0ED76CEC5410}" dt="2022-04-30T22:44:56.107" v="923" actId="478"/>
+          <ac:cxnSpMkLst>
+            <pc:docMk/>
+            <pc:sldMk cId="1429774494" sldId="268"/>
+            <ac:cxnSpMk id="23" creationId="{A62DCCB5-1536-0D30-42CC-2DF8A707E4FB}"/>
+          </ac:cxnSpMkLst>
+        </pc:cxnChg>
+        <pc:cxnChg chg="mod">
+          <ac:chgData name="Eubank, Gavin Scott - eubankgs" userId="85c05699-3879-41d9-9fda-42617f9b4485" providerId="ADAL" clId="{0E8F59C3-302A-4CB7-8171-0ED76CEC5410}" dt="2022-04-30T22:44:56.107" v="923" actId="478"/>
+          <ac:cxnSpMkLst>
+            <pc:docMk/>
+            <pc:sldMk cId="1429774494" sldId="268"/>
+            <ac:cxnSpMk id="24" creationId="{D4003D1F-A709-1411-3E83-344DA396AF11}"/>
+          </ac:cxnSpMkLst>
+        </pc:cxnChg>
+        <pc:cxnChg chg="mod">
+          <ac:chgData name="Eubank, Gavin Scott - eubankgs" userId="85c05699-3879-41d9-9fda-42617f9b4485" providerId="ADAL" clId="{0E8F59C3-302A-4CB7-8171-0ED76CEC5410}" dt="2022-04-30T22:44:56.107" v="923" actId="478"/>
+          <ac:cxnSpMkLst>
+            <pc:docMk/>
+            <pc:sldMk cId="1429774494" sldId="268"/>
+            <ac:cxnSpMk id="25" creationId="{3877DC54-879C-A292-DE28-5B726F323F7D}"/>
+          </ac:cxnSpMkLst>
+        </pc:cxnChg>
+        <pc:cxnChg chg="mod">
+          <ac:chgData name="Eubank, Gavin Scott - eubankgs" userId="85c05699-3879-41d9-9fda-42617f9b4485" providerId="ADAL" clId="{0E8F59C3-302A-4CB7-8171-0ED76CEC5410}" dt="2022-04-30T22:44:56.107" v="923" actId="478"/>
+          <ac:cxnSpMkLst>
+            <pc:docMk/>
+            <pc:sldMk cId="1429774494" sldId="268"/>
+            <ac:cxnSpMk id="26" creationId="{9B91889F-94F6-E093-9348-CCED2F05231B}"/>
+          </ac:cxnSpMkLst>
+        </pc:cxnChg>
+        <pc:cxnChg chg="del mod">
+          <ac:chgData name="Eubank, Gavin Scott - eubankgs" userId="85c05699-3879-41d9-9fda-42617f9b4485" providerId="ADAL" clId="{0E8F59C3-302A-4CB7-8171-0ED76CEC5410}" dt="2022-04-30T22:44:56.107" v="923" actId="478"/>
+          <ac:cxnSpMkLst>
+            <pc:docMk/>
+            <pc:sldMk cId="1429774494" sldId="268"/>
+            <ac:cxnSpMk id="42" creationId="{E1A19953-19F7-9B0E-36BC-6104F3BD0D19}"/>
+          </ac:cxnSpMkLst>
+        </pc:cxnChg>
+        <pc:cxnChg chg="del mod">
+          <ac:chgData name="Eubank, Gavin Scott - eubankgs" userId="85c05699-3879-41d9-9fda-42617f9b4485" providerId="ADAL" clId="{0E8F59C3-302A-4CB7-8171-0ED76CEC5410}" dt="2022-04-30T22:44:56.107" v="923" actId="478"/>
+          <ac:cxnSpMkLst>
+            <pc:docMk/>
+            <pc:sldMk cId="1429774494" sldId="268"/>
+            <ac:cxnSpMk id="43" creationId="{8EA0C77C-4465-9FAF-C034-CC113AD3D1B0}"/>
+          </ac:cxnSpMkLst>
+        </pc:cxnChg>
+      </pc:sldChg>
+      <pc:sldChg chg="addSp delSp modSp add mod ord">
+        <pc:chgData name="Eubank, Gavin Scott - eubankgs" userId="85c05699-3879-41d9-9fda-42617f9b4485" providerId="ADAL" clId="{0E8F59C3-302A-4CB7-8171-0ED76CEC5410}" dt="2022-05-01T21:23:28.369" v="1334" actId="1076"/>
+        <pc:sldMkLst>
+          <pc:docMk/>
+          <pc:sldMk cId="1332168371" sldId="269"/>
+        </pc:sldMkLst>
+        <pc:spChg chg="mod">
+          <ac:chgData name="Eubank, Gavin Scott - eubankgs" userId="85c05699-3879-41d9-9fda-42617f9b4485" providerId="ADAL" clId="{0E8F59C3-302A-4CB7-8171-0ED76CEC5410}" dt="2022-04-30T22:46:36.771" v="949" actId="20577"/>
+          <ac:spMkLst>
+            <pc:docMk/>
+            <pc:sldMk cId="1332168371" sldId="269"/>
+            <ac:spMk id="2" creationId="{75945223-524E-48B9-BD6D-0AC5864ACD6D}"/>
+          </ac:spMkLst>
+        </pc:spChg>
+        <pc:spChg chg="del mod">
+          <ac:chgData name="Eubank, Gavin Scott - eubankgs" userId="85c05699-3879-41d9-9fda-42617f9b4485" providerId="ADAL" clId="{0E8F59C3-302A-4CB7-8171-0ED76CEC5410}" dt="2022-05-01T21:23:07.771" v="1329" actId="478"/>
+          <ac:spMkLst>
+            <pc:docMk/>
+            <pc:sldMk cId="1332168371" sldId="269"/>
+            <ac:spMk id="4" creationId="{EEB0CD4D-D99B-EBE8-9E04-178085EB948C}"/>
+          </ac:spMkLst>
+        </pc:spChg>
+        <pc:spChg chg="del mod">
+          <ac:chgData name="Eubank, Gavin Scott - eubankgs" userId="85c05699-3879-41d9-9fda-42617f9b4485" providerId="ADAL" clId="{0E8F59C3-302A-4CB7-8171-0ED76CEC5410}" dt="2022-05-01T21:23:09.288" v="1330" actId="478"/>
+          <ac:spMkLst>
+            <pc:docMk/>
+            <pc:sldMk cId="1332168371" sldId="269"/>
+            <ac:spMk id="5" creationId="{AEDDF7BC-7A39-7FFF-38ED-2D883C89BB28}"/>
+          </ac:spMkLst>
+        </pc:spChg>
+        <pc:picChg chg="add mod">
+          <ac:chgData name="Eubank, Gavin Scott - eubankgs" userId="85c05699-3879-41d9-9fda-42617f9b4485" providerId="ADAL" clId="{0E8F59C3-302A-4CB7-8171-0ED76CEC5410}" dt="2022-05-01T21:23:14.983" v="1332" actId="1076"/>
+          <ac:picMkLst>
+            <pc:docMk/>
+            <pc:sldMk cId="1332168371" sldId="269"/>
+            <ac:picMk id="6" creationId="{66E11904-C36C-7E7C-A878-E4D9B93D75B6}"/>
+          </ac:picMkLst>
+        </pc:picChg>
+        <pc:picChg chg="add del mod">
+          <ac:chgData name="Eubank, Gavin Scott - eubankgs" userId="85c05699-3879-41d9-9fda-42617f9b4485" providerId="ADAL" clId="{0E8F59C3-302A-4CB7-8171-0ED76CEC5410}" dt="2022-05-01T21:00:52.185" v="1328" actId="478"/>
+          <ac:picMkLst>
+            <pc:docMk/>
+            <pc:sldMk cId="1332168371" sldId="269"/>
+            <ac:picMk id="6" creationId="{A199BF5C-56B1-8F0A-7CBA-AA2FFAFF0165}"/>
+          </ac:picMkLst>
+        </pc:picChg>
+        <pc:picChg chg="add mod">
+          <ac:chgData name="Eubank, Gavin Scott - eubankgs" userId="85c05699-3879-41d9-9fda-42617f9b4485" providerId="ADAL" clId="{0E8F59C3-302A-4CB7-8171-0ED76CEC5410}" dt="2022-05-01T21:23:28.369" v="1334" actId="1076"/>
+          <ac:picMkLst>
+            <pc:docMk/>
+            <pc:sldMk cId="1332168371" sldId="269"/>
+            <ac:picMk id="7" creationId="{D853CE75-C943-6708-AFF3-BA1D79DF7D6C}"/>
+          </ac:picMkLst>
+        </pc:picChg>
+      </pc:sldChg>
+      <pc:sldChg chg="add ord">
+        <pc:chgData name="Eubank, Gavin Scott - eubankgs" userId="85c05699-3879-41d9-9fda-42617f9b4485" providerId="ADAL" clId="{0E8F59C3-302A-4CB7-8171-0ED76CEC5410}" dt="2022-05-01T04:44:16.087" v="1323"/>
+        <pc:sldMkLst>
+          <pc:docMk/>
+          <pc:sldMk cId="260078260" sldId="270"/>
+        </pc:sldMkLst>
+      </pc:sldChg>
+      <pc:sldChg chg="addSp delSp modSp add mod ord">
+        <pc:chgData name="Eubank, Gavin Scott - eubankgs" userId="85c05699-3879-41d9-9fda-42617f9b4485" providerId="ADAL" clId="{0E8F59C3-302A-4CB7-8171-0ED76CEC5410}" dt="2022-05-01T22:05:42.588" v="1733" actId="20577"/>
+        <pc:sldMkLst>
+          <pc:docMk/>
+          <pc:sldMk cId="348163363" sldId="271"/>
+        </pc:sldMkLst>
+        <pc:spChg chg="mod">
+          <ac:chgData name="Eubank, Gavin Scott - eubankgs" userId="85c05699-3879-41d9-9fda-42617f9b4485" providerId="ADAL" clId="{0E8F59C3-302A-4CB7-8171-0ED76CEC5410}" dt="2022-05-01T21:24:23.689" v="1339"/>
+          <ac:spMkLst>
+            <pc:docMk/>
+            <pc:sldMk cId="348163363" sldId="271"/>
+            <ac:spMk id="2" creationId="{75945223-524E-48B9-BD6D-0AC5864ACD6D}"/>
+          </ac:spMkLst>
+        </pc:spChg>
+        <pc:spChg chg="mod">
+          <ac:chgData name="Eubank, Gavin Scott - eubankgs" userId="85c05699-3879-41d9-9fda-42617f9b4485" providerId="ADAL" clId="{0E8F59C3-302A-4CB7-8171-0ED76CEC5410}" dt="2022-05-01T21:49:43.037" v="1371" actId="1076"/>
+          <ac:spMkLst>
+            <pc:docMk/>
+            <pc:sldMk cId="348163363" sldId="271"/>
+            <ac:spMk id="4" creationId="{EEB0CD4D-D99B-EBE8-9E04-178085EB948C}"/>
+          </ac:spMkLst>
+        </pc:spChg>
+        <pc:spChg chg="del">
+          <ac:chgData name="Eubank, Gavin Scott - eubankgs" userId="85c05699-3879-41d9-9fda-42617f9b4485" providerId="ADAL" clId="{0E8F59C3-302A-4CB7-8171-0ED76CEC5410}" dt="2022-05-01T21:24:32.238" v="1341" actId="478"/>
+          <ac:spMkLst>
+            <pc:docMk/>
+            <pc:sldMk cId="348163363" sldId="271"/>
+            <ac:spMk id="5" creationId="{AEDDF7BC-7A39-7FFF-38ED-2D883C89BB28}"/>
+          </ac:spMkLst>
+        </pc:spChg>
+        <pc:spChg chg="add del mod">
+          <ac:chgData name="Eubank, Gavin Scott - eubankgs" userId="85c05699-3879-41d9-9fda-42617f9b4485" providerId="ADAL" clId="{0E8F59C3-302A-4CB7-8171-0ED76CEC5410}" dt="2022-05-01T21:47:43.553" v="1351"/>
+          <ac:spMkLst>
+            <pc:docMk/>
+            <pc:sldMk cId="348163363" sldId="271"/>
+            <ac:spMk id="6" creationId="{795D37B1-082C-C8AD-7B30-024190CEBA32}"/>
+          </ac:spMkLst>
+        </pc:spChg>
+        <pc:spChg chg="add del mod">
+          <ac:chgData name="Eubank, Gavin Scott - eubankgs" userId="85c05699-3879-41d9-9fda-42617f9b4485" providerId="ADAL" clId="{0E8F59C3-302A-4CB7-8171-0ED76CEC5410}" dt="2022-05-01T21:48:42.285" v="1364" actId="478"/>
+          <ac:spMkLst>
+            <pc:docMk/>
+            <pc:sldMk cId="348163363" sldId="271"/>
+            <ac:spMk id="9" creationId="{284A0B8E-6DB8-80EF-E354-F6D50A2CD87E}"/>
+          </ac:spMkLst>
+        </pc:spChg>
+        <pc:spChg chg="del">
+          <ac:chgData name="Eubank, Gavin Scott - eubankgs" userId="85c05699-3879-41d9-9fda-42617f9b4485" providerId="ADAL" clId="{0E8F59C3-302A-4CB7-8171-0ED76CEC5410}" dt="2022-05-01T21:24:28.091" v="1340" actId="478"/>
+          <ac:spMkLst>
+            <pc:docMk/>
+            <pc:sldMk cId="348163363" sldId="271"/>
+            <ac:spMk id="20" creationId="{EA185623-0F8D-0856-A859-9C02B3AA76ED}"/>
+          </ac:spMkLst>
+        </pc:spChg>
+        <pc:spChg chg="add mod">
+          <ac:chgData name="Eubank, Gavin Scott - eubankgs" userId="85c05699-3879-41d9-9fda-42617f9b4485" providerId="ADAL" clId="{0E8F59C3-302A-4CB7-8171-0ED76CEC5410}" dt="2022-05-01T22:05:42.588" v="1733" actId="20577"/>
+          <ac:spMkLst>
+            <pc:docMk/>
+            <pc:sldMk cId="348163363" sldId="271"/>
+            <ac:spMk id="44" creationId="{49FAE743-0256-27E9-1D70-0EFC1383142B}"/>
+          </ac:spMkLst>
+        </pc:spChg>
+        <pc:spChg chg="del">
+          <ac:chgData name="Eubank, Gavin Scott - eubankgs" userId="85c05699-3879-41d9-9fda-42617f9b4485" providerId="ADAL" clId="{0E8F59C3-302A-4CB7-8171-0ED76CEC5410}" dt="2022-05-01T21:24:28.091" v="1340" actId="478"/>
+          <ac:spMkLst>
+            <pc:docMk/>
+            <pc:sldMk cId="348163363" sldId="271"/>
+            <ac:spMk id="48" creationId="{225C0B23-E335-B526-A044-6EC5256F4952}"/>
+          </ac:spMkLst>
+        </pc:spChg>
+        <pc:grpChg chg="del">
+          <ac:chgData name="Eubank, Gavin Scott - eubankgs" userId="85c05699-3879-41d9-9fda-42617f9b4485" providerId="ADAL" clId="{0E8F59C3-302A-4CB7-8171-0ED76CEC5410}" dt="2022-05-01T21:24:28.091" v="1340" actId="478"/>
+          <ac:grpSpMkLst>
+            <pc:docMk/>
+            <pc:sldMk cId="348163363" sldId="271"/>
+            <ac:grpSpMk id="21" creationId="{BC72F11B-ECAB-5A14-CE18-AB30034BB11B}"/>
+          </ac:grpSpMkLst>
+        </pc:grpChg>
+        <pc:grpChg chg="del">
+          <ac:chgData name="Eubank, Gavin Scott - eubankgs" userId="85c05699-3879-41d9-9fda-42617f9b4485" providerId="ADAL" clId="{0E8F59C3-302A-4CB7-8171-0ED76CEC5410}" dt="2022-05-01T21:24:28.091" v="1340" actId="478"/>
+          <ac:grpSpMkLst>
+            <pc:docMk/>
+            <pc:sldMk cId="348163363" sldId="271"/>
+            <ac:grpSpMk id="34" creationId="{CDF38ADA-D9B2-05A7-727C-5E67246A7C50}"/>
+          </ac:grpSpMkLst>
+        </pc:grpChg>
+        <pc:graphicFrameChg chg="add del mod modGraphic">
+          <ac:chgData name="Eubank, Gavin Scott - eubankgs" userId="85c05699-3879-41d9-9fda-42617f9b4485" providerId="ADAL" clId="{0E8F59C3-302A-4CB7-8171-0ED76CEC5410}" dt="2022-05-01T21:48:37.548" v="1363" actId="478"/>
+          <ac:graphicFrameMkLst>
+            <pc:docMk/>
+            <pc:sldMk cId="348163363" sldId="271"/>
+            <ac:graphicFrameMk id="7" creationId="{286A8333-9422-7795-E078-A9865FFE6031}"/>
+          </ac:graphicFrameMkLst>
+        </pc:graphicFrameChg>
+        <pc:picChg chg="add mod">
+          <ac:chgData name="Eubank, Gavin Scott - eubankgs" userId="85c05699-3879-41d9-9fda-42617f9b4485" providerId="ADAL" clId="{0E8F59C3-302A-4CB7-8171-0ED76CEC5410}" dt="2022-05-01T21:49:56.030" v="1374" actId="1076"/>
+          <ac:picMkLst>
+            <pc:docMk/>
+            <pc:sldMk cId="348163363" sldId="271"/>
+            <ac:picMk id="11" creationId="{089D7514-BFE4-3077-D732-04C21EE9B5D3}"/>
+          </ac:picMkLst>
+        </pc:picChg>
+        <pc:inkChg chg="del">
+          <ac:chgData name="Eubank, Gavin Scott - eubankgs" userId="85c05699-3879-41d9-9fda-42617f9b4485" providerId="ADAL" clId="{0E8F59C3-302A-4CB7-8171-0ED76CEC5410}" dt="2022-05-01T21:24:28.091" v="1340" actId="478"/>
+          <ac:inkMkLst>
+            <pc:docMk/>
+            <pc:sldMk cId="348163363" sldId="271"/>
+            <ac:inkMk id="52" creationId="{57B985A6-E922-796D-FF33-0F3917BB11DC}"/>
+          </ac:inkMkLst>
+        </pc:inkChg>
+        <pc:inkChg chg="del">
+          <ac:chgData name="Eubank, Gavin Scott - eubankgs" userId="85c05699-3879-41d9-9fda-42617f9b4485" providerId="ADAL" clId="{0E8F59C3-302A-4CB7-8171-0ED76CEC5410}" dt="2022-05-01T21:24:28.091" v="1340" actId="478"/>
+          <ac:inkMkLst>
+            <pc:docMk/>
+            <pc:sldMk cId="348163363" sldId="271"/>
+            <ac:inkMk id="53" creationId="{CAE71615-49FB-F101-8ED0-66D466044C97}"/>
+          </ac:inkMkLst>
+        </pc:inkChg>
+        <pc:inkChg chg="del">
+          <ac:chgData name="Eubank, Gavin Scott - eubankgs" userId="85c05699-3879-41d9-9fda-42617f9b4485" providerId="ADAL" clId="{0E8F59C3-302A-4CB7-8171-0ED76CEC5410}" dt="2022-05-01T21:24:28.091" v="1340" actId="478"/>
+          <ac:inkMkLst>
+            <pc:docMk/>
+            <pc:sldMk cId="348163363" sldId="271"/>
+            <ac:inkMk id="54" creationId="{B711F1C2-B9D8-2FEE-A81E-275E676BE348}"/>
+          </ac:inkMkLst>
+        </pc:inkChg>
+        <pc:inkChg chg="del">
+          <ac:chgData name="Eubank, Gavin Scott - eubankgs" userId="85c05699-3879-41d9-9fda-42617f9b4485" providerId="ADAL" clId="{0E8F59C3-302A-4CB7-8171-0ED76CEC5410}" dt="2022-05-01T21:24:28.091" v="1340" actId="478"/>
+          <ac:inkMkLst>
+            <pc:docMk/>
+            <pc:sldMk cId="348163363" sldId="271"/>
+            <ac:inkMk id="55" creationId="{EFE9E88B-66F6-6856-6345-750895E3F573}"/>
+          </ac:inkMkLst>
+        </pc:inkChg>
+        <pc:cxnChg chg="mod">
+          <ac:chgData name="Eubank, Gavin Scott - eubankgs" userId="85c05699-3879-41d9-9fda-42617f9b4485" providerId="ADAL" clId="{0E8F59C3-302A-4CB7-8171-0ED76CEC5410}" dt="2022-05-01T21:24:28.091" v="1340" actId="478"/>
+          <ac:cxnSpMkLst>
+            <pc:docMk/>
+            <pc:sldMk cId="348163363" sldId="271"/>
+            <ac:cxnSpMk id="23" creationId="{A62DCCB5-1536-0D30-42CC-2DF8A707E4FB}"/>
+          </ac:cxnSpMkLst>
+        </pc:cxnChg>
+        <pc:cxnChg chg="mod">
+          <ac:chgData name="Eubank, Gavin Scott - eubankgs" userId="85c05699-3879-41d9-9fda-42617f9b4485" providerId="ADAL" clId="{0E8F59C3-302A-4CB7-8171-0ED76CEC5410}" dt="2022-05-01T21:24:28.091" v="1340" actId="478"/>
+          <ac:cxnSpMkLst>
+            <pc:docMk/>
+            <pc:sldMk cId="348163363" sldId="271"/>
+            <ac:cxnSpMk id="24" creationId="{D4003D1F-A709-1411-3E83-344DA396AF11}"/>
+          </ac:cxnSpMkLst>
+        </pc:cxnChg>
+        <pc:cxnChg chg="mod">
+          <ac:chgData name="Eubank, Gavin Scott - eubankgs" userId="85c05699-3879-41d9-9fda-42617f9b4485" providerId="ADAL" clId="{0E8F59C3-302A-4CB7-8171-0ED76CEC5410}" dt="2022-05-01T21:24:28.091" v="1340" actId="478"/>
+          <ac:cxnSpMkLst>
+            <pc:docMk/>
+            <pc:sldMk cId="348163363" sldId="271"/>
+            <ac:cxnSpMk id="25" creationId="{3877DC54-879C-A292-DE28-5B726F323F7D}"/>
+          </ac:cxnSpMkLst>
+        </pc:cxnChg>
+        <pc:cxnChg chg="mod">
+          <ac:chgData name="Eubank, Gavin Scott - eubankgs" userId="85c05699-3879-41d9-9fda-42617f9b4485" providerId="ADAL" clId="{0E8F59C3-302A-4CB7-8171-0ED76CEC5410}" dt="2022-05-01T21:24:28.091" v="1340" actId="478"/>
+          <ac:cxnSpMkLst>
+            <pc:docMk/>
+            <pc:sldMk cId="348163363" sldId="271"/>
+            <ac:cxnSpMk id="26" creationId="{9B91889F-94F6-E093-9348-CCED2F05231B}"/>
+          </ac:cxnSpMkLst>
+        </pc:cxnChg>
+        <pc:cxnChg chg="del mod">
+          <ac:chgData name="Eubank, Gavin Scott - eubankgs" userId="85c05699-3879-41d9-9fda-42617f9b4485" providerId="ADAL" clId="{0E8F59C3-302A-4CB7-8171-0ED76CEC5410}" dt="2022-05-01T21:24:28.091" v="1340" actId="478"/>
+          <ac:cxnSpMkLst>
+            <pc:docMk/>
+            <pc:sldMk cId="348163363" sldId="271"/>
+            <ac:cxnSpMk id="42" creationId="{E1A19953-19F7-9B0E-36BC-6104F3BD0D19}"/>
+          </ac:cxnSpMkLst>
+        </pc:cxnChg>
+        <pc:cxnChg chg="del mod">
+          <ac:chgData name="Eubank, Gavin Scott - eubankgs" userId="85c05699-3879-41d9-9fda-42617f9b4485" providerId="ADAL" clId="{0E8F59C3-302A-4CB7-8171-0ED76CEC5410}" dt="2022-05-01T21:24:28.091" v="1340" actId="478"/>
+          <ac:cxnSpMkLst>
+            <pc:docMk/>
+            <pc:sldMk cId="348163363" sldId="271"/>
+            <ac:cxnSpMk id="43" creationId="{8EA0C77C-4465-9FAF-C034-CC113AD3D1B0}"/>
           </ac:cxnSpMkLst>
         </pc:cxnChg>
       </pc:sldChg>
@@ -1144,6 +1589,90 @@
     </inkml:brush>
   </inkml:definitions>
   <inkml:trace contextRef="#ctx0" brushRef="#br0">679 184,'0'3,"0"4,-3 1,-1 3,-4-2,-5 5,-8 3,-3-2,-3 3,-1-1,-5 5,4 3,0 2,2 1,2 7,6 1,0 4,-1 5,1-3,0-3,4-3,3-6,5-5,0-6,-2-4,1-1,-1 4,0 1,-4 7,0 8,2 2,3 1,3-3,0-4,0-1,1 1,1 4,-5 7,-4 4,-1 8,3-2,3-7,2-1,2-2,2 1,1 6,0-2,1-2,-1 3,-9 6,-3-2,1-1,-2-3,2-3,3-2,2-7,3 2,-4 0,-2-4,1 3,3 1,1 4,1 1,2-1,1-1,0 3,0 2,1 7,-1 3,0 0,0-2,1-6,-1-2,0-2,0 1,0 5,0 4,0-1,0-3,0-7,0 2,0 3,0 2,0-3,0-1,0 2,0-2,0 2,0 1,0 6,0-4,0-3,0 1,0 0,0 1,9 1,3-5,0-3,-2-6,-4-7,-1-4,-3 0,-1-2,-1 5,-1 0,1 0,-1-3,1-2,0 1,0-1,-1 6,1 4,0-1,0 0,0 2,0-3,0 0,0-2,0 0,0-1,0-3,0-3,0 2,0-1,0 3,0-1,0 2,0 3,0-1,0 1,0-2,0 2,3 3,1 1,0-1,-1 2,-1-3,0-3,-1-5,-1-2,0 2,3-5,1-1,0-1,-1-1,2 4,1 2,-1-1,4 0,5-1,-1 0,-2 2,-3 1,0 5,5 5,0-1,-1 5,-1 4,-2 2,-2-4,4 2,-1 2,-1-3,1-1,-2-5,5-2,-1-3,-2-4,-2-2,-3-3,-3-1,-1-1,3 3,-1 1,1-1,2 0,3-1,3-3,6 1,3 1,-2 3,-1 1,-1 0,0-1,3 2,2-3,0-6,2-4,1-5,1 0,1-1,4 5,0 3,-2 1,-3 0,1-2,-2-3,1 3,0 2,5 3,-1-2,2 2,-2-1,-3-1,-3-2,1 2,-1-1,-1-3,-2-3,-1-3,2-3,1-1,-1-1,2-1,1 0,-2 1,-1-1,2 1,-1 0,3 0,0 0,-2 0,8 0,2 0,0 0,2 0,6 0,3 0,-3 0,-6 0,-3 0,-4-3,-3-4,-1-8,6-6,3-4,5 0,3-5,-4 2,2 6,0-3,0 0,-5 5,-4 5,-5 5,0-1,4-3,4-8,5-6,2-2,-2 5,-3 6,-3 6,-5 3,-3-1,-7-1,0-2,4-1,13-11,4-4,4-6,2-4,-1 0,1-1,-1 5,2 1,-7 4,-7 1,-3 0,0-5,1-6,5-2,0-6,2-7,2-1,1 4,2 5,1 3,-4 4,-9 6,-3 2,-3 4,-3 1,-2 1,3-3,0 0,0 5,2 1,0 1,2-2,3-2,-3 0,-3 1,-3-1,-4 1,-6 2,0 2,1 4,1 3,-1 0,-3 0,1-4,2-1,2-1,2 3,5-1,-2-1,-3 0,-1 0,3-5,1-2,2 0,3 2,4 3,0 4,-1-1,2 0,-2 0,-5 0,-2 0,1-2,0-2,0 4,3 1,4-1,3-2,0 1,1-4,5-3,-2 0,4 1,-2 5,0 3,-7 2,1-3,1 2,3 0,1 1,4-4,4-5,2 0,-1 0,-2 1,-1 3,-6 3,-1 6,2-5,-1-2,-2 1,2-1,-4 1,3 2,2 0,-2-4,5-1,0-4,5 0,1-2,3 0,-4 5,-6 3,-7 1,-2-1,0-2,-5 0,0-3,8-3,2 0,4 1,2-1,1-2,-4 0,-2 0,-7 1,1-1,-1 2,-2 2,-3 2,4-4,1-1,5-5,0-2,0-3,11-10,0-2,-1-6,2-3,-7 0,-9 7,-5 5,-2 5,-6 4,2 1,3-7,1-4,1-2,2-6,3-5,-4 1,-5 5,0 3,-3 6,-4 9,-5 3,-3 6,1-3,0 1,-2 3,0-7,-2 0,0 2,-1 0,0 0,0 2,0 3,-1 0,1 1,0-1,0 1,-3-1,-1-5,0-7,-3-3,-2 2,-4 3,1 4,0 1,-3 0,3 2,0 1,-2-2,-1 5,2 3,3 3,4 2,-1 0,-2 1,0-1,-1 4,-2 0,-5 0,-3 3,2-1,-2-1,-1-5,0 2,-3-1,-3-3,0-1,1 2,-1-1,1 0,2-1,1 1,-1 4,1 1,0 0,2 3,4 0,-1 3,-4-5,-5-1,0 0,-11-2,0-3,4 4,5 0,4 3,0 4,-5-3,-7-2,-13-8,0-1,4 4,2 2,1 1,3 0,0 2,-1-2,-3 2,-6-4,1 2,4 3,3 1,5 3,3 2,4 3,-2 2,2 1,-5-5,2-2,-4 1,-7 1,-6 2,-4 2,-1 0,1 2,8 0,-1-3,4-1,6 1,7 0,-4 1,-3 1,-7 0,-6 1,0 0,2 0,-10 0,-3 0,-2 0,1 1,2-1,-2 0,1 0,1 0,5 0,2 0,-6 0,-1 0,-3 0,2 0,3 0,-1 0,-1 0,2 0,4 0,4 0,3 0,-1 0,-1 0,-6 0,2 0,-4 0,-1 0,1 0,-4 0,0 0,1 0,5 0,2 0,6 0,6 0,7 0,5 0,6 0,-1 0,1 0,-4 0,-5 0,1 0,-4 0,-6 0,-4 0,-2 0,5 0,3 0,5 0,2 0,0 0,3 0,0 0,1 0,0 0,2 0,1 0,2 0,0 0,-1 0,-1 0,-1 0,-1 0,1 0,-2 0,1 0,-2 3,-1 7,1 2,-1-1,-4 0,-10-1,-2 4,-1-1,2 1,3-2,1 0,6 1,5-2,1-2,3 0,-1-2,-1-1,-3 4,-2 0,-8 2,-6-1,2-3,5-2,6-3,7 2,3 3,7-1</inkml:trace>
+</inkml:ink>
+</file>
+
+<file path=ppt/ink/ink10.xml><?xml version="1.0" encoding="utf-8"?>
+<inkml:ink xmlns:inkml="http://www.w3.org/2003/InkML">
+  <inkml:definitions>
+    <inkml:context xml:id="ctx0">
+      <inkml:inkSource xml:id="inkSrc0">
+        <inkml:traceFormat>
+          <inkml:channel name="X" type="integer" min="-2.14748E9" max="2.14748E9" units="cm"/>
+          <inkml:channel name="Y" type="integer" min="-2.14748E9" max="2.14748E9" units="cm"/>
+        </inkml:traceFormat>
+        <inkml:channelProperties>
+          <inkml:channelProperty channel="X" name="resolution" value="1000" units="1/cm"/>
+          <inkml:channelProperty channel="Y" name="resolution" value="1000" units="1/cm"/>
+        </inkml:channelProperties>
+      </inkml:inkSource>
+      <inkml:timestamp xml:id="ts0" timeString="2022-04-30T01:23:54.086"/>
+    </inkml:context>
+    <inkml:brush xml:id="br0">
+      <inkml:brushProperty name="width" value="0.2" units="cm"/>
+      <inkml:brushProperty name="height" value="1.2" units="cm"/>
+      <inkml:brushProperty name="color" value="#E71224"/>
+      <inkml:brushProperty name="ignorePressure" value="1"/>
+      <inkml:brushProperty name="inkEffects" value="pencil"/>
+    </inkml:brush>
+  </inkml:definitions>
+  <inkml:trace contextRef="#ctx0" brushRef="#br0">1 0,'0'0</inkml:trace>
+</inkml:ink>
+</file>
+
+<file path=ppt/ink/ink11.xml><?xml version="1.0" encoding="utf-8"?>
+<inkml:ink xmlns:inkml="http://www.w3.org/2003/InkML">
+  <inkml:definitions>
+    <inkml:context xml:id="ctx0">
+      <inkml:inkSource xml:id="inkSrc0">
+        <inkml:traceFormat>
+          <inkml:channel name="X" type="integer" min="-2.14748E9" max="2.14748E9" units="cm"/>
+          <inkml:channel name="Y" type="integer" min="-2.14748E9" max="2.14748E9" units="cm"/>
+        </inkml:traceFormat>
+        <inkml:channelProperties>
+          <inkml:channelProperty channel="X" name="resolution" value="1000" units="1/cm"/>
+          <inkml:channelProperty channel="Y" name="resolution" value="1000" units="1/cm"/>
+        </inkml:channelProperties>
+      </inkml:inkSource>
+      <inkml:timestamp xml:id="ts0" timeString="2022-04-30T01:23:54.839"/>
+    </inkml:context>
+    <inkml:brush xml:id="br0">
+      <inkml:brushProperty name="width" value="0.2" units="cm"/>
+      <inkml:brushProperty name="height" value="1.2" units="cm"/>
+      <inkml:brushProperty name="color" value="#E71224"/>
+      <inkml:brushProperty name="ignorePressure" value="1"/>
+      <inkml:brushProperty name="inkEffects" value="pencil"/>
+    </inkml:brush>
+  </inkml:definitions>
+  <inkml:trace contextRef="#ctx0" brushRef="#br0">0 1,'0'0</inkml:trace>
+</inkml:ink>
+</file>
+
+<file path=ppt/ink/ink12.xml><?xml version="1.0" encoding="utf-8"?>
+<inkml:ink xmlns:inkml="http://www.w3.org/2003/InkML">
+  <inkml:definitions>
+    <inkml:context xml:id="ctx0">
+      <inkml:inkSource xml:id="inkSrc0">
+        <inkml:traceFormat>
+          <inkml:channel name="X" type="integer" min="-2.14748E9" max="2.14748E9" units="cm"/>
+          <inkml:channel name="Y" type="integer" min="-2.14748E9" max="2.14748E9" units="cm"/>
+        </inkml:traceFormat>
+        <inkml:channelProperties>
+          <inkml:channelProperty channel="X" name="resolution" value="1000" units="1/cm"/>
+          <inkml:channelProperty channel="Y" name="resolution" value="1000" units="1/cm"/>
+        </inkml:channelProperties>
+      </inkml:inkSource>
+      <inkml:timestamp xml:id="ts0" timeString="2022-04-30T22:40:22.812"/>
+    </inkml:context>
+    <inkml:brush xml:id="br0">
+      <inkml:brushProperty name="width" value="0.2" units="cm"/>
+      <inkml:brushProperty name="height" value="1.2" units="cm"/>
+      <inkml:brushProperty name="color" value="#00A0D7"/>
+      <inkml:brushProperty name="ignorePressure" value="1"/>
+      <inkml:brushProperty name="inkEffects" value="pencil"/>
+    </inkml:brush>
+  </inkml:definitions>
+  <inkml:trace contextRef="#ctx0" brushRef="#br0">3909 166,'-5'0,"-10"0,-8 0,-4 0,-3 0,0 0,-5 0,-1 0,1 0,2 0,2 0,1 0,2 0,-4 0,-11 0,-2 0,-13 0,-9 0,-4 0,2 0,3 0,8 0,9 0,9 0,6 0,-1 0,2 0,1 0,-3 0,0 0,-4 0,1 0,1 5,3 1,-2 4,1 6,1-1,-8 3,-10 7,-15 3,-10 3,-6 5,-7-4,-3 6,1-2,2-4,-2-2,10-1,10-2,12-5,2 3,-2 12,-1 3,5 9,4-3,-9 9,-8 8,-1-1,7-7,14 2,6 4,0 6,-5 6,-5-1,3-2,5 0,-4 11,7 2,-4 5,1 1,-1 10,3-4,4-4,0-8,-9 1,5 0,5-1,9 9,0 3,5 3,6 9,2 0,4-9,4-7,3-10,2-5,2 4,1-3,1-1,0 1,0 2,-1-4,1 8,-1 5,0 5,0-8,0 0,0 0,0-6,0 2,0 11,0 4,0-1,0-3,0 7,0 5,0 8,0 12,0 5,0-2,0-8,0-15,0-12,0-7,0-4,0-2,0-6,0-4,0 3,0-6,0 5,0 4,0-1,0-9,0-1,0-3,0 3,0-6,0 3,0 4,0 0,0 3,0-5,0 0,0-1,0-6,0 1,4 0,2 4,0-3,8 2,2 0,2-5,-1-8,-4-2,-4 1,-4 1,-2-3,7 6,3 3,-2-2,-2-6,-3-1,-2-3,2 0,1-1,-2-4,-1-3,9 2,1 1,-2-3,-2-1,-3-2,-3 8,-2 2,-1-1,8 7,7 5,1-2,-2-4,-5-1,7 1,4 3,-1 2,-4-2,0-1,-3-3,1-9,3-7,-2-2,2 3,2 1,3 1,-3-1,1 4,1 1,6 3,4 6,9 12,4 3,-6-5,-5-7,1-6,0-11,8 0,10-7,16-1,0-5,12-5,7-5,-3 6,-6 0,-2-1,-6-4,0-2,-7-3,-10-2,-4 0,3-1,1-1,-2 0,-6 1,-1 0,0-1,13 1,5-9,1-8,0-1,-7 2,2 0,-5-2,-2-3,-1 2,1 0,1-6,-4-4,4-1,7-1,3 1,9-4,12-5,9-11,-1-5,-6 1,-5 1,8-8,-1-5,-7 1,1-3,2-8,5-5,1-8,4-12,15-11,7-16,2-8,-13 0,-16 9,-9 12,-12 17,-10 20,-4 14,12 13,4-3,-1-1,3-2,2 5,8-12,14-9,4-6,-1 1,-12 5,-16 9,-7 3,-3 6,-9 13,-7 5,-3 3,2-2,-3 1,-2 2,5 6,0 3,3-3,2-3,3-4,-4 3,5-2,-6-1,-2-3,0-1,8 2,-6 3,-1 1,1-2,-3 5,6-3,3 0,16-13,6-9,-5 1,0-1,-3 6,7 0,-11 4,-9 5,-11 5,-6 3,-2 7,0 7,-7 2,-3 0,3 1,3-10,0-1,-1 3,0 1,0 0,-1-2,0-6,-1 2,5 1,6-4,2 2,-3 2,-1 5,1-3,0-2,-3 4,-1 5,2-4,0-3,4-2,-1 4,3-4,-1 2,-8 1,5 0,1-2,-1 0,2-6,9-2,14-4,6-2,6-2,-6 0,-9-1,-6 1,-6 8,-8 4,-10 4,-5 5,-2 6,9 1,4-6,0-15,0-1,-3 5,4 4,-1 1,4-4,-5-3,-4 5,3 3,0 5,-1 1,-1-2,-1 4,-6-1,-2-2,-1 3,1-2,-2-1,-2-3,2 3,-2-1,-1 4,3 0,2-3,11-6,4-5,2 4,2 1,4-4,-1-2,-8-1,-6 1,-2 6,2 6,6-6,6-5,0 4,3-3,2-11,-1 1,0-2,-3 2,1-2,2 1,2 3,-2 3,-4-7,-10 0,-5 1,-2 3,3-10,2-3,0 4,0-6,-1-2,0-1,-1 3,5 6,-4 7,-7 0,-7-7,-6 0,5-2,0 3,2-5,-2-8,-2 1,-5 2,-2-5,7-1,1 5,-2 4,-2-5,-3-10,-2-13,-3-2,0 9,-1 2,-1 0,1-3,-1-2,1 3,-1 4,1 4,0 5,0 7,0 4,0 5,0 6,0 4,-9-1,-8 1,-5 1,0 2,0 6,-5-2,-4-1,-1 0,1 0,1-1,0 1,-3-4,-15-2,-9 1,-4-9,4 4,8 3,6 3,7 7,-1 3,3 1,1-1,-3 3,-8 5,-3 5,-1-5,6-5,-3 0,-3-5,-3-3,-2 2,-10-3,0 3,-2 5,-5 7,-4 0,1 3,0 3,2 3,0 1,-8-2,-3-6,3 0,0 0,0 4,0 2,-5 2,-3 2,0 0,0 2,2-1,-4 0,0 1,-4-1,4 0,5 1,-4-1,5 0,2 0,6 0,11 0,7 0,9 0,3 0,-1 0,-5 0,1 0,-1 0,0 0,-2 0,0 0,-6 0,3 0,-3 0,-5 0,3 0,3 0,2 0,1 0,6 0,6 0,1 0,4 0,2 0,4 0,-7-5,-6-1,-10 0,1 1,-1 1,5 2,2 1,-5 1,1-1,1 2,4-1,1 0,-1 0,3 1,-1-1,4 0,-2 0,-2 0,2 0,-1 0,2 0,-1 0,-3 0,3 0,-7 0,-2 0,1 0,-3 0,-8 0,4 0,1 0,-4 0,0 0,1 0,6 0,-7 0,3 0,7 0,-8 0,-6 0,2 0,8 0,8 0,4 0,3 0,0 0,2 0,-2 0,-3 0,0 0,4 0,-2 0,3 0,2 0,3 0,2 0,-3 0,1 0,-5 0,-4 0,-1 4,-1 7,-3 6,2 0,4-3,4-4,9-3</inkml:trace>
 </inkml:ink>
 </file>
 
@@ -1242,7 +1771,7 @@
           <inkml:channelProperty channel="Y" name="resolution" value="1000" units="1/cm"/>
         </inkml:channelProperties>
       </inkml:inkSource>
-      <inkml:timestamp xml:id="ts0" timeString="2022-04-30T01:23:47.886"/>
+      <inkml:timestamp xml:id="ts0" timeString="2022-04-30T00:51:15.876"/>
     </inkml:context>
     <inkml:brush xml:id="br0">
       <inkml:brushProperty name="width" value="0.2" units="cm"/>
@@ -1252,11 +1781,92 @@
       <inkml:brushProperty name="inkEffects" value="pencil"/>
     </inkml:brush>
   </inkml:definitions>
-  <inkml:trace contextRef="#ctx0" brushRef="#br0">6482 270,'-13'0,"-12"0,-6 0,-6 0,-4 3,-3 7,-12 14,-4 6,-6 7,-4 1,1 2,2 4,2 0,1-1,4-4,-1-4,-2-1,3 0,1-3,-6-1,-1 1,-4 7,1 0,-4 3,-3 3,0 1,3-2,3-4,8-4,0 5,4-1,-1-5,4-1,0-1,2-2,-2 2,6-1,5-6,-3 0,2-3,-5 2,4 0,0 1,2 1,2 0,0 0,-9-1,-5 3,-1 4,-4-1,-1 4,2 4,-5 3,-6 2,-6 3,0 3,5 0,5-4,2-3,6-3,4 1,2 0,1-5,6-2,5-3,1 4,3-3,5-1,6-2,-3-5,-2-1,-2-3,2-1,6-2,0 4,0 3,0 1,-1 0,-9 1,2-1,0 2,-3 2,-4 2,0-1,3 4,0-1,0-1,-1 1,-2 1,-5 4,-2 1,-2 1,2-2,-1 0,9-3,3-3,7 1,-6 5,-2 4,-4 0,-1-1,-9-4,-4 3,-3 2,3-1,2-1,0 2,-2 2,1 1,5-2,-3 4,3 0,-1 2,0 6,2 2,4 2,2 0,0 0,0 2,-1-1,-2 5,2-5,1-1,7 1,3 0,1 5,3-2,-6 6,3 0,6 4,8 2,3 0,-4 6,-3 10,2 1,-4 5,-2 0,4-8,5 1,5 2,5 13,3 13,3 11,0 7,1 6,0-4,0 0,0-3,-1-12,1-9,-1-8,0-11,0-5,0-7,3-1,4-4,7 2,4 1,2-4,1 1,0-5,-1-1,5 1,2 4,2-2,-1 1,5 9,7 6,11 8,14 3,5 1,9 0,0-10,5-1,-2-8,-4-9,-5-11,-1-4,-2-7,-2-6,0-4,1-1,-3-5,-6-2,-1-4,-5-2,1 4,4 3,0 0,5 1,14 9,2 3,9 8,-2 7,6 5,12 8,8 13,8 3,-9-2,-5-1,-5-4,-2-2,-6-5,0-4,-1-9,-5-13,-10-12,-8-7,-5-6,1-2,-2-2,4 3,-1 1,-2 2,-1-2,5 1,-4-1,6 3,-4-1,-1-4,11-2,0 2,5 2,2 0,4 4,3 8,-6-2,-4-4,-8-6,0-4,-1-3,3-2,10 5,8 1,4-1,1 6,-5-1,4 5,1 0,-8-7,-13-7,-13-7,-9-3,-5-3,6-3,10 7,3 2,3 1,-3-1,0 0,3 1,11 1,3-2,6-3,1-1,-1 5,-3 0,3 0,3-2,8 0,3 1,3-1,4-4,1-2,-7 3,-6 4,1 2,-5-1,-4-3,-5-4,-2-2,2-3,4-1,-1-1,2-1,10 0,12 1,13-1,9 1,6 0,-3 0,-1 0,-3-6,3-8,-1-17,0-16,5-14,4-9,12-9,18-8,21-14,23-14,13-12,7-9,-5-5,-3-10,-7-2,-15-1,-15 5,-12 4,-9 1,-7 5,-14 5,-18 6,-13 10,-14 7,-5 1,-7-3,-1 1,-1 4,1 7,-1 7,2-3,-3-3,-9 7,-6 7,-8 8,-4 3,-7 2,-1-2,-5-3,-3-4,-3 0,-1-7,0-4,-4 1,-7 8,-6 6,-6 1,-6-2,-4-5,3-8,-3 7,-2 9,-5 1,-2 5,-3-4,-1 1,-2-2,1 3,-1 4,0 5,1 1,-1 1,1 6,0 6,0-1,0 1,0 1,0-1,-3-7,-1 3,-6-3,-4 4,-6-6,-3 2,0-3,-14-9,-11-2,-2-1,-6-4,-5-4,-10-11,-15-16,-17-16,-9-7,-7-4,-1 0,4-2,4 1,8 8,11 10,8 12,4 10,0 1,-5 2,-2 2,-5-3,-1-1,2 3,3 5,0 1,1 4,-4-1,0-4,-1-1,-2 1,-13-5,-8-5,-4-2,4-2,0-2,1-1,6 7,6 6,14 13,10 9,10 5,13 10,7 7,-3 2,-2-3,2-1,0 3,1-5,-4-2,-7-5,3 4,10 5,2 4,2 7,-1 3,3 4,1 4,1 3,-7 0,-2-6,4 1,5 0,-1 2,-2-2,-5-2,-1-2,2 4,0-2,-4 0,1-1,6 2,-1 0,3 4,7 1,-3-3,-4-2,-10-9,1-1,-2-4,-5 4,1 0,3 5,-3-4,0-3,7 4,3 0,0 2,-1-1,0 0,4 7,-2-3,-3 3,-4-1,-2 1,4 6,10 7,7-1,8 3,1 3,4 4,-6 0,1 0,-2 2,-2 1,-8-5,-1 0,1-3,4 1,-4-4,1 0,4 3,-1 0,3 2,3 2,0 3,-6-5,-1 0,-3-2,-8 1,-1 3,1-8,3 0,-1 1,2 4,-2 1,-1 1,3 3,4 1,4 3,3 0,1 1,2 0,-3 1,-2-1,-4 0,1 1,-6-7,2-2,-1 0,3-1,0 0,-4 3,4 1,4 2,6 2,1 0,3 1,0 1,0-1,-1 0,1 1,-2-1,1 0,-1 0,-3 0,-7 3,-8 1,-1 0,0-1,3 0,2 1,-1 1,-6-1,-3-1,0 2,0 3,3 3,0 0,-4 2,7 0,9-1,6-3,3-3,0 4,1 0,2 2,-1-2,4 0,0 3,-1 1,2 2,0 0,1-1,1-5,3-3</inkml:trace>
+  <inkml:trace contextRef="#ctx0" brushRef="#br0">679 184,'0'3,"0"4,-3 1,-1 3,-4-2,-5 5,-8 3,-3-2,-3 3,-1-1,-5 5,4 3,0 2,2 1,2 7,6 1,0 4,-1 5,1-3,0-3,4-3,3-6,5-5,0-6,-2-4,1-1,-1 4,0 1,-4 7,0 8,2 2,3 1,3-3,0-4,0-1,1 1,1 4,-5 7,-4 4,-1 8,3-2,3-7,2-1,2-2,2 1,1 6,0-2,1-2,-1 3,-9 6,-3-2,1-1,-2-3,2-3,3-2,2-7,3 2,-4 0,-2-4,1 3,3 1,1 4,1 1,2-1,1-1,0 3,0 2,1 7,-1 3,0 0,0-2,1-6,-1-2,0-2,0 1,0 5,0 4,0-1,0-3,0-7,0 2,0 3,0 2,0-3,0-1,0 2,0-2,0 2,0 1,0 6,0-4,0-3,0 1,0 0,0 1,9 1,3-5,0-3,-2-6,-4-7,-1-4,-3 0,-1-2,-1 5,-1 0,1 0,-1-3,1-2,0 1,0-1,-1 6,1 4,0-1,0 0,0 2,0-3,0 0,0-2,0 0,0-1,0-3,0-3,0 2,0-1,0 3,0-1,0 2,0 3,0-1,0 1,0-2,0 2,3 3,1 1,0-1,-1 2,-1-3,0-3,-1-5,-1-2,0 2,3-5,1-1,0-1,-1-1,2 4,1 2,-1-1,4 0,5-1,-1 0,-2 2,-3 1,0 5,5 5,0-1,-1 5,-1 4,-2 2,-2-4,4 2,-1 2,-1-3,1-1,-2-5,5-2,-1-3,-2-4,-2-2,-3-3,-3-1,-1-1,3 3,-1 1,1-1,2 0,3-1,3-3,6 1,3 1,-2 3,-1 1,-1 0,0-1,3 2,2-3,0-6,2-4,1-5,1 0,1-1,4 5,0 3,-2 1,-3 0,1-2,-2-3,1 3,0 2,5 3,-1-2,2 2,-2-1,-3-1,-3-2,1 2,-1-1,-1-3,-2-3,-1-3,2-3,1-1,-1-1,2-1,1 0,-2 1,-1-1,2 1,-1 0,3 0,0 0,-2 0,8 0,2 0,0 0,2 0,6 0,3 0,-3 0,-6 0,-3 0,-4-3,-3-4,-1-8,6-6,3-4,5 0,3-5,-4 2,2 6,0-3,0 0,-5 5,-4 5,-5 5,0-1,4-3,4-8,5-6,2-2,-2 5,-3 6,-3 6,-5 3,-3-1,-7-1,0-2,4-1,13-11,4-4,4-6,2-4,-1 0,1-1,-1 5,2 1,-7 4,-7 1,-3 0,0-5,1-6,5-2,0-6,2-7,2-1,1 4,2 5,1 3,-4 4,-9 6,-3 2,-3 4,-3 1,-2 1,3-3,0 0,0 5,2 1,0 1,2-2,3-2,-3 0,-3 1,-3-1,-4 1,-6 2,0 2,1 4,1 3,-1 0,-3 0,1-4,2-1,2-1,2 3,5-1,-2-1,-3 0,-1 0,3-5,1-2,2 0,3 2,4 3,0 4,-1-1,2 0,-2 0,-5 0,-2 0,1-2,0-2,0 4,3 1,4-1,3-2,0 1,1-4,5-3,-2 0,4 1,-2 5,0 3,-7 2,1-3,1 2,3 0,1 1,4-4,4-5,2 0,-1 0,-2 1,-1 3,-6 3,-1 6,2-5,-1-2,-2 1,2-1,-4 1,3 2,2 0,-2-4,5-1,0-4,5 0,1-2,3 0,-4 5,-6 3,-7 1,-2-1,0-2,-5 0,0-3,8-3,2 0,4 1,2-1,1-2,-4 0,-2 0,-7 1,1-1,-1 2,-2 2,-3 2,4-4,1-1,5-5,0-2,0-3,11-10,0-2,-1-6,2-3,-7 0,-9 7,-5 5,-2 5,-6 4,2 1,3-7,1-4,1-2,2-6,3-5,-4 1,-5 5,0 3,-3 6,-4 9,-5 3,-3 6,1-3,0 1,-2 3,0-7,-2 0,0 2,-1 0,0 0,0 2,0 3,-1 0,1 1,0-1,0 1,-3-1,-1-5,0-7,-3-3,-2 2,-4 3,1 4,0 1,-3 0,3 2,0 1,-2-2,-1 5,2 3,3 3,4 2,-1 0,-2 1,0-1,-1 4,-2 0,-5 0,-3 3,2-1,-2-1,-1-5,0 2,-3-1,-3-3,0-1,1 2,-1-1,1 0,2-1,1 1,-1 4,1 1,0 0,2 3,4 0,-1 3,-4-5,-5-1,0 0,-11-2,0-3,4 4,5 0,4 3,0 4,-5-3,-7-2,-13-8,0-1,4 4,2 2,1 1,3 0,0 2,-1-2,-3 2,-6-4,1 2,4 3,3 1,5 3,3 2,4 3,-2 2,2 1,-5-5,2-2,-4 1,-7 1,-6 2,-4 2,-1 0,1 2,8 0,-1-3,4-1,6 1,7 0,-4 1,-3 1,-7 0,-6 1,0 0,2 0,-10 0,-3 0,-2 0,1 1,2-1,-2 0,1 0,1 0,5 0,2 0,-6 0,-1 0,-3 0,2 0,3 0,-1 0,-1 0,2 0,4 0,4 0,3 0,-1 0,-1 0,-6 0,2 0,-4 0,-1 0,1 0,-4 0,0 0,1 0,5 0,2 0,6 0,6 0,7 0,5 0,6 0,-1 0,1 0,-4 0,-5 0,1 0,-4 0,-6 0,-4 0,-2 0,5 0,3 0,5 0,2 0,0 0,3 0,0 0,1 0,0 0,2 0,1 0,2 0,0 0,-1 0,-1 0,-1 0,-1 0,1 0,-2 0,1 0,-2 3,-1 7,1 2,-1-1,-4 0,-10-1,-2 4,-1-1,2 1,3-2,1 0,6 1,5-2,1-2,3 0,-1-2,-1-1,-3 4,-2 0,-8 2,-6-1,2-3,5-2,6-3,7 2,3 3,7-1</inkml:trace>
 </inkml:ink>
 </file>
 
 <file path=ppt/ink/ink6.xml><?xml version="1.0" encoding="utf-8"?>
+<inkml:ink xmlns:inkml="http://www.w3.org/2003/InkML">
+  <inkml:definitions>
+    <inkml:context xml:id="ctx0">
+      <inkml:inkSource xml:id="inkSrc0">
+        <inkml:traceFormat>
+          <inkml:channel name="X" type="integer" min="-2.14748E9" max="2.14748E9" units="cm"/>
+          <inkml:channel name="Y" type="integer" min="-2.14748E9" max="2.14748E9" units="cm"/>
+          <inkml:channel name="F" type="integer" max="32767" units="dev"/>
+        </inkml:traceFormat>
+        <inkml:channelProperties>
+          <inkml:channelProperty channel="X" name="resolution" value="1000" units="1/cm"/>
+          <inkml:channelProperty channel="Y" name="resolution" value="1000" units="1/cm"/>
+          <inkml:channelProperty channel="F" name="resolution" value="0" units="1/dev"/>
+        </inkml:channelProperties>
+      </inkml:inkSource>
+      <inkml:timestamp xml:id="ts0" timeString="2022-04-30T01:20:21.249"/>
+    </inkml:context>
+    <inkml:brush xml:id="br0">
+      <inkml:brushProperty name="width" value="0.05" units="cm"/>
+      <inkml:brushProperty name="height" value="0.05" units="cm"/>
+    </inkml:brush>
+  </inkml:definitions>
+  <inkml:trace contextRef="#ctx0" brushRef="#br0">0 1 24575</inkml:trace>
+</inkml:ink>
+</file>
+
+<file path=ppt/ink/ink7.xml><?xml version="1.0" encoding="utf-8"?>
+<inkml:ink xmlns:inkml="http://www.w3.org/2003/InkML">
+  <inkml:definitions>
+    <inkml:context xml:id="ctx0">
+      <inkml:inkSource xml:id="inkSrc0">
+        <inkml:traceFormat>
+          <inkml:channel name="X" type="integer" min="-2.14748E9" max="2.14748E9" units="cm"/>
+          <inkml:channel name="Y" type="integer" min="-2.14748E9" max="2.14748E9" units="cm"/>
+          <inkml:channel name="F" type="integer" max="32767" units="dev"/>
+        </inkml:traceFormat>
+        <inkml:channelProperties>
+          <inkml:channelProperty channel="X" name="resolution" value="1000" units="1/cm"/>
+          <inkml:channelProperty channel="Y" name="resolution" value="1000" units="1/cm"/>
+          <inkml:channelProperty channel="F" name="resolution" value="0" units="1/dev"/>
+        </inkml:channelProperties>
+      </inkml:inkSource>
+      <inkml:timestamp xml:id="ts0" timeString="2022-04-30T01:20:21.684"/>
+    </inkml:context>
+    <inkml:brush xml:id="br0">
+      <inkml:brushProperty name="width" value="0.05" units="cm"/>
+      <inkml:brushProperty name="height" value="0.05" units="cm"/>
+    </inkml:brush>
+  </inkml:definitions>
+  <inkml:trace contextRef="#ctx0" brushRef="#br0">0 1 24575,'0'0'-8191</inkml:trace>
+</inkml:ink>
+</file>
+
+<file path=ppt/ink/ink8.xml><?xml version="1.0" encoding="utf-8"?>
+<inkml:ink xmlns:inkml="http://www.w3.org/2003/InkML">
+  <inkml:definitions>
+    <inkml:context xml:id="ctx0">
+      <inkml:inkSource xml:id="inkSrc0">
+        <inkml:traceFormat>
+          <inkml:channel name="X" type="integer" min="-2.14748E9" max="2.14748E9" units="cm"/>
+          <inkml:channel name="Y" type="integer" min="-2.14748E9" max="2.14748E9" units="cm"/>
+          <inkml:channel name="F" type="integer" max="32767" units="dev"/>
+        </inkml:traceFormat>
+        <inkml:channelProperties>
+          <inkml:channelProperty channel="X" name="resolution" value="1000" units="1/cm"/>
+          <inkml:channelProperty channel="Y" name="resolution" value="1000" units="1/cm"/>
+          <inkml:channelProperty channel="F" name="resolution" value="0" units="1/dev"/>
+        </inkml:channelProperties>
+      </inkml:inkSource>
+      <inkml:timestamp xml:id="ts0" timeString="2022-04-30T01:20:24.221"/>
+    </inkml:context>
+    <inkml:brush xml:id="br0">
+      <inkml:brushProperty name="width" value="0.05" units="cm"/>
+      <inkml:brushProperty name="height" value="0.05" units="cm"/>
+    </inkml:brush>
+  </inkml:definitions>
+  <inkml:trace contextRef="#ctx0" brushRef="#br0">1 4 24575,'2'-3'0</inkml:trace>
+</inkml:ink>
+</file>
+
+<file path=ppt/ink/ink9.xml><?xml version="1.0" encoding="utf-8"?>
 <inkml:ink xmlns:inkml="http://www.w3.org/2003/InkML">
   <inkml:definitions>
     <inkml:context xml:id="ctx0">
@@ -1270,7 +1880,7 @@
           <inkml:channelProperty channel="Y" name="resolution" value="1000" units="1/cm"/>
         </inkml:channelProperties>
       </inkml:inkSource>
-      <inkml:timestamp xml:id="ts0" timeString="2022-04-30T01:23:54.086"/>
+      <inkml:timestamp xml:id="ts0" timeString="2022-04-30T01:23:47.886"/>
     </inkml:context>
     <inkml:brush xml:id="br0">
       <inkml:brushProperty name="width" value="0.2" units="cm"/>
@@ -1280,35 +1890,7 @@
       <inkml:brushProperty name="inkEffects" value="pencil"/>
     </inkml:brush>
   </inkml:definitions>
-  <inkml:trace contextRef="#ctx0" brushRef="#br0">1 0,'0'0</inkml:trace>
-</inkml:ink>
-</file>
-
-<file path=ppt/ink/ink7.xml><?xml version="1.0" encoding="utf-8"?>
-<inkml:ink xmlns:inkml="http://www.w3.org/2003/InkML">
-  <inkml:definitions>
-    <inkml:context xml:id="ctx0">
-      <inkml:inkSource xml:id="inkSrc0">
-        <inkml:traceFormat>
-          <inkml:channel name="X" type="integer" min="-2.14748E9" max="2.14748E9" units="cm"/>
-          <inkml:channel name="Y" type="integer" min="-2.14748E9" max="2.14748E9" units="cm"/>
-        </inkml:traceFormat>
-        <inkml:channelProperties>
-          <inkml:channelProperty channel="X" name="resolution" value="1000" units="1/cm"/>
-          <inkml:channelProperty channel="Y" name="resolution" value="1000" units="1/cm"/>
-        </inkml:channelProperties>
-      </inkml:inkSource>
-      <inkml:timestamp xml:id="ts0" timeString="2022-04-30T01:23:54.839"/>
-    </inkml:context>
-    <inkml:brush xml:id="br0">
-      <inkml:brushProperty name="width" value="0.2" units="cm"/>
-      <inkml:brushProperty name="height" value="1.2" units="cm"/>
-      <inkml:brushProperty name="color" value="#E71224"/>
-      <inkml:brushProperty name="ignorePressure" value="1"/>
-      <inkml:brushProperty name="inkEffects" value="pencil"/>
-    </inkml:brush>
-  </inkml:definitions>
-  <inkml:trace contextRef="#ctx0" brushRef="#br0">0 1,'0'0</inkml:trace>
+  <inkml:trace contextRef="#ctx0" brushRef="#br0">6482 270,'-13'0,"-12"0,-6 0,-6 0,-4 3,-3 7,-12 14,-4 6,-6 7,-4 1,1 2,2 4,2 0,1-1,4-4,-1-4,-2-1,3 0,1-3,-6-1,-1 1,-4 7,1 0,-4 3,-3 3,0 1,3-2,3-4,8-4,0 5,4-1,-1-5,4-1,0-1,2-2,-2 2,6-1,5-6,-3 0,2-3,-5 2,4 0,0 1,2 1,2 0,0 0,-9-1,-5 3,-1 4,-4-1,-1 4,2 4,-5 3,-6 2,-6 3,0 3,5 0,5-4,2-3,6-3,4 1,2 0,1-5,6-2,5-3,1 4,3-3,5-1,6-2,-3-5,-2-1,-2-3,2-1,6-2,0 4,0 3,0 1,-1 0,-9 1,2-1,0 2,-3 2,-4 2,0-1,3 4,0-1,0-1,-1 1,-2 1,-5 4,-2 1,-2 1,2-2,-1 0,9-3,3-3,7 1,-6 5,-2 4,-4 0,-1-1,-9-4,-4 3,-3 2,3-1,2-1,0 2,-2 2,1 1,5-2,-3 4,3 0,-1 2,0 6,2 2,4 2,2 0,0 0,0 2,-1-1,-2 5,2-5,1-1,7 1,3 0,1 5,3-2,-6 6,3 0,6 4,8 2,3 0,-4 6,-3 10,2 1,-4 5,-2 0,4-8,5 1,5 2,5 13,3 13,3 11,0 7,1 6,0-4,0 0,0-3,-1-12,1-9,-1-8,0-11,0-5,0-7,3-1,4-4,7 2,4 1,2-4,1 1,0-5,-1-1,5 1,2 4,2-2,-1 1,5 9,7 6,11 8,14 3,5 1,9 0,0-10,5-1,-2-8,-4-9,-5-11,-1-4,-2-7,-2-6,0-4,1-1,-3-5,-6-2,-1-4,-5-2,1 4,4 3,0 0,5 1,14 9,2 3,9 8,-2 7,6 5,12 8,8 13,8 3,-9-2,-5-1,-5-4,-2-2,-6-5,0-4,-1-9,-5-13,-10-12,-8-7,-5-6,1-2,-2-2,4 3,-1 1,-2 2,-1-2,5 1,-4-1,6 3,-4-1,-1-4,11-2,0 2,5 2,2 0,4 4,3 8,-6-2,-4-4,-8-6,0-4,-1-3,3-2,10 5,8 1,4-1,1 6,-5-1,4 5,1 0,-8-7,-13-7,-13-7,-9-3,-5-3,6-3,10 7,3 2,3 1,-3-1,0 0,3 1,11 1,3-2,6-3,1-1,-1 5,-3 0,3 0,3-2,8 0,3 1,3-1,4-4,1-2,-7 3,-6 4,1 2,-5-1,-4-3,-5-4,-2-2,2-3,4-1,-1-1,2-1,10 0,12 1,13-1,9 1,6 0,-3 0,-1 0,-3-6,3-8,-1-17,0-16,5-14,4-9,12-9,18-8,21-14,23-14,13-12,7-9,-5-5,-3-10,-7-2,-15-1,-15 5,-12 4,-9 1,-7 5,-14 5,-18 6,-13 10,-14 7,-5 1,-7-3,-1 1,-1 4,1 7,-1 7,2-3,-3-3,-9 7,-6 7,-8 8,-4 3,-7 2,-1-2,-5-3,-3-4,-3 0,-1-7,0-4,-4 1,-7 8,-6 6,-6 1,-6-2,-4-5,3-8,-3 7,-2 9,-5 1,-2 5,-3-4,-1 1,-2-2,1 3,-1 4,0 5,1 1,-1 1,1 6,0 6,0-1,0 1,0 1,0-1,-3-7,-1 3,-6-3,-4 4,-6-6,-3 2,0-3,-14-9,-11-2,-2-1,-6-4,-5-4,-10-11,-15-16,-17-16,-9-7,-7-4,-1 0,4-2,4 1,8 8,11 10,8 12,4 10,0 1,-5 2,-2 2,-5-3,-1-1,2 3,3 5,0 1,1 4,-4-1,0-4,-1-1,-2 1,-13-5,-8-5,-4-2,4-2,0-2,1-1,6 7,6 6,14 13,10 9,10 5,13 10,7 7,-3 2,-2-3,2-1,0 3,1-5,-4-2,-7-5,3 4,10 5,2 4,2 7,-1 3,3 4,1 4,1 3,-7 0,-2-6,4 1,5 0,-1 2,-2-2,-5-2,-1-2,2 4,0-2,-4 0,1-1,6 2,-1 0,3 4,7 1,-3-3,-4-2,-10-9,1-1,-2-4,-5 4,1 0,3 5,-3-4,0-3,7 4,3 0,0 2,-1-1,0 0,4 7,-2-3,-3 3,-4-1,-2 1,4 6,10 7,7-1,8 3,1 3,4 4,-6 0,1 0,-2 2,-2 1,-8-5,-1 0,1-3,4 1,-4-4,1 0,4 3,-1 0,3 2,3 2,0 3,-6-5,-1 0,-3-2,-8 1,-1 3,1-8,3 0,-1 1,2 4,-2 1,-1 1,3 3,4 1,4 3,3 0,1 1,2 0,-3 1,-2-1,-4 0,1 1,-6-7,2-2,-1 0,3-1,0 0,-4 3,4 1,4 2,6 2,1 0,3 1,0 1,0-1,-1 0,1 1,-2-1,1 0,-1 0,-3 0,-7 3,-8 1,-1 0,0-1,3 0,2 1,-1 1,-6-1,-3-1,0 2,0 3,3 3,0 0,-4 2,7 0,9-1,6-3,3-3,0 4,1 0,2 2,-1-2,4 0,0 3,-1 1,2 2,0 0,1-1,1-5,3-3</inkml:trace>
 </inkml:ink>
 </file>
 
@@ -4666,7 +5248,7 @@
         </p:spPr>
         <p:txBody>
           <a:bodyPr>
-            <a:normAutofit/>
+            <a:normAutofit lnSpcReduction="10000"/>
           </a:bodyPr>
           <a:lstStyle/>
           <a:p>
@@ -4678,7 +5260,7 @@
                 <a:latin typeface="Segoe UI" panose="020B0502040204020203" pitchFamily="34" charset="0"/>
                 <a:cs typeface="Segoe UI" panose="020B0502040204020203" pitchFamily="34" charset="0"/>
               </a:rPr>
-              <a:t>Our approximation works by first finding the complement of the input graph first.</a:t>
+              <a:t>There is no good approximation solution for this problem.</a:t>
             </a:r>
           </a:p>
           <a:p>
@@ -4699,7 +5281,7 @@
                 <a:latin typeface="Segoe UI" panose="020B0502040204020203" pitchFamily="34" charset="0"/>
                 <a:cs typeface="Segoe UI" panose="020B0502040204020203" pitchFamily="34" charset="0"/>
               </a:rPr>
-              <a:t>Then, we find the independent set of the complement.</a:t>
+              <a:t>Our approximation works by first finding the complement of the input graph first.</a:t>
             </a:r>
           </a:p>
           <a:p>
@@ -4720,7 +5302,28 @@
                 <a:latin typeface="Segoe UI" panose="020B0502040204020203" pitchFamily="34" charset="0"/>
                 <a:cs typeface="Segoe UI" panose="020B0502040204020203" pitchFamily="34" charset="0"/>
               </a:rPr>
-              <a:t>This works for a lot of graphs.</a:t>
+              <a:t>Then, we find the independent set of the complement.</a:t>
+            </a:r>
+          </a:p>
+          <a:p>
+            <a:pPr marL="0" indent="0">
+              <a:buNone/>
+            </a:pPr>
+            <a:endParaRPr lang="en-US" sz="2400" dirty="0">
+              <a:latin typeface="Segoe UI" panose="020B0502040204020203" pitchFamily="34" charset="0"/>
+              <a:cs typeface="Segoe UI" panose="020B0502040204020203" pitchFamily="34" charset="0"/>
+            </a:endParaRPr>
+          </a:p>
+          <a:p>
+            <a:pPr marL="0" indent="0">
+              <a:buNone/>
+            </a:pPr>
+            <a:r>
+              <a:rPr lang="en-US" sz="2400" dirty="0">
+                <a:latin typeface="Segoe UI" panose="020B0502040204020203" pitchFamily="34" charset="0"/>
+                <a:cs typeface="Segoe UI" panose="020B0502040204020203" pitchFamily="34" charset="0"/>
+              </a:rPr>
+              <a:t>This works for a couple of graphs.</a:t>
             </a:r>
             <a:endParaRPr lang="hu-HU" sz="2400" dirty="0">
               <a:latin typeface="Segoe UI" panose="020B0502040204020203" pitchFamily="34" charset="0"/>
@@ -6074,6 +6677,1581 @@
     </p:spTree>
     <p:extLst>
       <p:ext uri="{BB962C8B-B14F-4D97-AF65-F5344CB8AC3E}">
+        <p14:creationId xmlns:p14="http://schemas.microsoft.com/office/powerpoint/2010/main" val="260078260"/>
+      </p:ext>
+    </p:extLst>
+  </p:cSld>
+  <p:clrMapOvr>
+    <a:masterClrMapping/>
+  </p:clrMapOvr>
+</p:sld>
+</file>
+
+<file path=ppt/slides/slide2.xml><?xml version="1.0" encoding="utf-8"?>
+<p:sld xmlns:a="http://schemas.openxmlformats.org/drawingml/2006/main" xmlns:r="http://schemas.openxmlformats.org/officeDocument/2006/relationships" xmlns:p="http://schemas.openxmlformats.org/presentationml/2006/main">
+  <p:cSld>
+    <p:spTree>
+      <p:nvGrpSpPr>
+        <p:cNvPr id="1" name=""/>
+        <p:cNvGrpSpPr/>
+        <p:nvPr/>
+      </p:nvGrpSpPr>
+      <p:grpSpPr>
+        <a:xfrm>
+          <a:off x="0" y="0"/>
+          <a:ext cx="0" cy="0"/>
+          <a:chOff x="0" y="0"/>
+          <a:chExt cx="0" cy="0"/>
+        </a:xfrm>
+      </p:grpSpPr>
+      <p:sp>
+        <p:nvSpPr>
+          <p:cNvPr id="2" name="Title 1">
+            <a:extLst>
+              <a:ext uri="{FF2B5EF4-FFF2-40B4-BE49-F238E27FC236}">
+                <a16:creationId xmlns:a16="http://schemas.microsoft.com/office/drawing/2014/main" id="{75945223-524E-48B9-BD6D-0AC5864ACD6D}"/>
+              </a:ext>
+            </a:extLst>
+          </p:cNvPr>
+          <p:cNvSpPr>
+            <a:spLocks noGrp="1"/>
+          </p:cNvSpPr>
+          <p:nvPr>
+            <p:ph type="title"/>
+          </p:nvPr>
+        </p:nvSpPr>
+        <p:spPr>
+          <a:xfrm>
+            <a:off x="838200" y="356442"/>
+            <a:ext cx="10515600" cy="1325563"/>
+          </a:xfrm>
+        </p:spPr>
+        <p:txBody>
+          <a:bodyPr/>
+          <a:lstStyle/>
+          <a:p>
+            <a:r>
+              <a:rPr lang="en-US" dirty="0"/>
+              <a:t>Approximation Solution</a:t>
+            </a:r>
+            <a:endParaRPr lang="hu-HU" dirty="0"/>
+          </a:p>
+        </p:txBody>
+      </p:sp>
+      <p:sp>
+        <p:nvSpPr>
+          <p:cNvPr id="4" name="Rectangle: Rounded Corners 3">
+            <a:extLst>
+              <a:ext uri="{FF2B5EF4-FFF2-40B4-BE49-F238E27FC236}">
+                <a16:creationId xmlns:a16="http://schemas.microsoft.com/office/drawing/2014/main" id="{EEB0CD4D-D99B-EBE8-9E04-178085EB948C}"/>
+              </a:ext>
+            </a:extLst>
+          </p:cNvPr>
+          <p:cNvSpPr/>
+          <p:nvPr/>
+        </p:nvSpPr>
+        <p:spPr>
+          <a:xfrm>
+            <a:off x="628650" y="1494692"/>
+            <a:ext cx="5467350" cy="4682271"/>
+          </a:xfrm>
+          <a:prstGeom prst="roundRect">
+            <a:avLst/>
+          </a:prstGeom>
+          <a:solidFill>
+            <a:schemeClr val="bg1">
+              <a:lumMod val="95000"/>
+            </a:schemeClr>
+          </a:solidFill>
+          <a:ln>
+            <a:noFill/>
+          </a:ln>
+          <a:effectLst>
+            <a:outerShdw blurRad="50800" dist="38100" dir="2700000" algn="tl" rotWithShape="0">
+              <a:prstClr val="black">
+                <a:alpha val="40000"/>
+              </a:prstClr>
+            </a:outerShdw>
+          </a:effectLst>
+        </p:spPr>
+        <p:style>
+          <a:lnRef idx="2">
+            <a:schemeClr val="accent1">
+              <a:shade val="50000"/>
+            </a:schemeClr>
+          </a:lnRef>
+          <a:fillRef idx="1">
+            <a:schemeClr val="accent1"/>
+          </a:fillRef>
+          <a:effectRef idx="0">
+            <a:schemeClr val="accent1"/>
+          </a:effectRef>
+          <a:fontRef idx="minor">
+            <a:schemeClr val="lt1"/>
+          </a:fontRef>
+        </p:style>
+        <p:txBody>
+          <a:bodyPr rtlCol="0" anchor="ctr"/>
+          <a:lstStyle/>
+          <a:p>
+            <a:pPr algn="ctr"/>
+            <a:endParaRPr lang="hu-HU"/>
+          </a:p>
+        </p:txBody>
+      </p:sp>
+      <p:sp>
+        <p:nvSpPr>
+          <p:cNvPr id="5" name="Content Placeholder 2">
+            <a:extLst>
+              <a:ext uri="{FF2B5EF4-FFF2-40B4-BE49-F238E27FC236}">
+                <a16:creationId xmlns:a16="http://schemas.microsoft.com/office/drawing/2014/main" id="{AEDDF7BC-7A39-7FFF-38ED-2D883C89BB28}"/>
+              </a:ext>
+            </a:extLst>
+          </p:cNvPr>
+          <p:cNvSpPr>
+            <a:spLocks noGrp="1"/>
+          </p:cNvSpPr>
+          <p:nvPr>
+            <p:ph idx="1"/>
+          </p:nvPr>
+        </p:nvSpPr>
+        <p:spPr>
+          <a:xfrm>
+            <a:off x="838199" y="1825625"/>
+            <a:ext cx="5257801" cy="4351338"/>
+          </a:xfrm>
+        </p:spPr>
+        <p:txBody>
+          <a:bodyPr>
+            <a:normAutofit lnSpcReduction="10000"/>
+          </a:bodyPr>
+          <a:lstStyle/>
+          <a:p>
+            <a:pPr marL="0" indent="0">
+              <a:buNone/>
+            </a:pPr>
+            <a:r>
+              <a:rPr lang="en-US" sz="2400" dirty="0">
+                <a:latin typeface="Segoe UI" panose="020B0502040204020203" pitchFamily="34" charset="0"/>
+                <a:cs typeface="Segoe UI" panose="020B0502040204020203" pitchFamily="34" charset="0"/>
+              </a:rPr>
+              <a:t>There is no good approximation solution for this problem.</a:t>
+            </a:r>
+          </a:p>
+          <a:p>
+            <a:pPr marL="0" indent="0">
+              <a:buNone/>
+            </a:pPr>
+            <a:endParaRPr lang="en-US" sz="2400" dirty="0">
+              <a:latin typeface="Segoe UI" panose="020B0502040204020203" pitchFamily="34" charset="0"/>
+              <a:cs typeface="Segoe UI" panose="020B0502040204020203" pitchFamily="34" charset="0"/>
+            </a:endParaRPr>
+          </a:p>
+          <a:p>
+            <a:pPr marL="0" indent="0">
+              <a:buNone/>
+            </a:pPr>
+            <a:r>
+              <a:rPr lang="en-US" sz="2400" dirty="0">
+                <a:latin typeface="Segoe UI" panose="020B0502040204020203" pitchFamily="34" charset="0"/>
+                <a:cs typeface="Segoe UI" panose="020B0502040204020203" pitchFamily="34" charset="0"/>
+              </a:rPr>
+              <a:t>Our approximation works by first finding the complement of the input graph first.</a:t>
+            </a:r>
+          </a:p>
+          <a:p>
+            <a:pPr marL="0" indent="0">
+              <a:buNone/>
+            </a:pPr>
+            <a:endParaRPr lang="en-US" sz="2400" dirty="0">
+              <a:latin typeface="Segoe UI" panose="020B0502040204020203" pitchFamily="34" charset="0"/>
+              <a:cs typeface="Segoe UI" panose="020B0502040204020203" pitchFamily="34" charset="0"/>
+            </a:endParaRPr>
+          </a:p>
+          <a:p>
+            <a:pPr marL="0" indent="0">
+              <a:buNone/>
+            </a:pPr>
+            <a:r>
+              <a:rPr lang="en-US" sz="2400" dirty="0">
+                <a:latin typeface="Segoe UI" panose="020B0502040204020203" pitchFamily="34" charset="0"/>
+                <a:cs typeface="Segoe UI" panose="020B0502040204020203" pitchFamily="34" charset="0"/>
+              </a:rPr>
+              <a:t>Then, we find the independent set of the complement.</a:t>
+            </a:r>
+          </a:p>
+          <a:p>
+            <a:pPr marL="0" indent="0">
+              <a:buNone/>
+            </a:pPr>
+            <a:endParaRPr lang="en-US" sz="2400" dirty="0">
+              <a:latin typeface="Segoe UI" panose="020B0502040204020203" pitchFamily="34" charset="0"/>
+              <a:cs typeface="Segoe UI" panose="020B0502040204020203" pitchFamily="34" charset="0"/>
+            </a:endParaRPr>
+          </a:p>
+          <a:p>
+            <a:pPr marL="0" indent="0">
+              <a:buNone/>
+            </a:pPr>
+            <a:r>
+              <a:rPr lang="en-US" sz="2400" dirty="0">
+                <a:latin typeface="Segoe UI" panose="020B0502040204020203" pitchFamily="34" charset="0"/>
+                <a:cs typeface="Segoe UI" panose="020B0502040204020203" pitchFamily="34" charset="0"/>
+              </a:rPr>
+              <a:t>This works for a couple of graphs.</a:t>
+            </a:r>
+            <a:endParaRPr lang="hu-HU" sz="2400" dirty="0">
+              <a:latin typeface="Segoe UI" panose="020B0502040204020203" pitchFamily="34" charset="0"/>
+              <a:cs typeface="Segoe UI" panose="020B0502040204020203" pitchFamily="34" charset="0"/>
+            </a:endParaRPr>
+          </a:p>
+        </p:txBody>
+      </p:sp>
+      <p:sp>
+        <p:nvSpPr>
+          <p:cNvPr id="20" name="Title 1">
+            <a:extLst>
+              <a:ext uri="{FF2B5EF4-FFF2-40B4-BE49-F238E27FC236}">
+                <a16:creationId xmlns:a16="http://schemas.microsoft.com/office/drawing/2014/main" id="{EA185623-0F8D-0856-A859-9C02B3AA76ED}"/>
+              </a:ext>
+            </a:extLst>
+          </p:cNvPr>
+          <p:cNvSpPr txBox="1">
+            <a:spLocks/>
+          </p:cNvSpPr>
+          <p:nvPr/>
+        </p:nvSpPr>
+        <p:spPr>
+          <a:xfrm>
+            <a:off x="10003009" y="1494692"/>
+            <a:ext cx="852298" cy="1325563"/>
+          </a:xfrm>
+          <a:prstGeom prst="rect">
+            <a:avLst/>
+          </a:prstGeom>
+        </p:spPr>
+        <p:txBody>
+          <a:bodyPr vert="horz" lIns="91440" tIns="45720" rIns="91440" bIns="45720" rtlCol="0" anchor="ctr">
+            <a:normAutofit/>
+          </a:bodyPr>
+          <a:lstStyle>
+            <a:lvl1pPr algn="l" defTabSz="914400" rtl="0" eaLnBrk="1" latinLnBrk="0" hangingPunct="1">
+              <a:lnSpc>
+                <a:spcPct val="90000"/>
+              </a:lnSpc>
+              <a:spcBef>
+                <a:spcPct val="0"/>
+              </a:spcBef>
+              <a:buNone/>
+              <a:defRPr sz="4400" kern="1200">
+                <a:solidFill>
+                  <a:schemeClr val="tx1"/>
+                </a:solidFill>
+                <a:latin typeface="+mj-lt"/>
+                <a:ea typeface="+mj-ea"/>
+                <a:cs typeface="+mj-cs"/>
+              </a:defRPr>
+            </a:lvl1pPr>
+          </a:lstStyle>
+          <a:p>
+            <a:pPr algn="ctr"/>
+            <a:r>
+              <a:rPr lang="en-US" dirty="0">
+                <a:latin typeface="Segoe UI Semibold" panose="020B0702040204020203" pitchFamily="34" charset="0"/>
+                <a:cs typeface="Segoe UI Semibold" panose="020B0702040204020203" pitchFamily="34" charset="0"/>
+              </a:rPr>
+              <a:t>G</a:t>
+            </a:r>
+            <a:endParaRPr lang="hu-HU" dirty="0">
+              <a:latin typeface="Segoe UI Semibold" panose="020B0702040204020203" pitchFamily="34" charset="0"/>
+              <a:cs typeface="Segoe UI Semibold" panose="020B0702040204020203" pitchFamily="34" charset="0"/>
+            </a:endParaRPr>
+          </a:p>
+        </p:txBody>
+      </p:sp>
+      <p:grpSp>
+        <p:nvGrpSpPr>
+          <p:cNvPr id="21" name="Group 20">
+            <a:extLst>
+              <a:ext uri="{FF2B5EF4-FFF2-40B4-BE49-F238E27FC236}">
+                <a16:creationId xmlns:a16="http://schemas.microsoft.com/office/drawing/2014/main" id="{BC72F11B-ECAB-5A14-CE18-AB30034BB11B}"/>
+              </a:ext>
+            </a:extLst>
+          </p:cNvPr>
+          <p:cNvGrpSpPr/>
+          <p:nvPr/>
+        </p:nvGrpSpPr>
+        <p:grpSpPr>
+          <a:xfrm>
+            <a:off x="9523164" y="2833600"/>
+            <a:ext cx="1888881" cy="1748990"/>
+            <a:chOff x="901217" y="1483566"/>
+            <a:chExt cx="3072351" cy="2844812"/>
+          </a:xfrm>
+        </p:grpSpPr>
+        <p:grpSp>
+          <p:nvGrpSpPr>
+            <p:cNvPr id="22" name="Group 21">
+              <a:extLst>
+                <a:ext uri="{FF2B5EF4-FFF2-40B4-BE49-F238E27FC236}">
+                  <a16:creationId xmlns:a16="http://schemas.microsoft.com/office/drawing/2014/main" id="{9D843E7E-E143-26D0-ACD4-B9E5410E84ED}"/>
+                </a:ext>
+              </a:extLst>
+            </p:cNvPr>
+            <p:cNvGrpSpPr/>
+            <p:nvPr/>
+          </p:nvGrpSpPr>
+          <p:grpSpPr>
+            <a:xfrm>
+              <a:off x="901217" y="1483566"/>
+              <a:ext cx="3072351" cy="2844812"/>
+              <a:chOff x="901217" y="1483566"/>
+              <a:chExt cx="3072351" cy="2844812"/>
+            </a:xfrm>
+          </p:grpSpPr>
+          <p:sp>
+            <p:nvSpPr>
+              <p:cNvPr id="27" name="Oval 26">
+                <a:extLst>
+                  <a:ext uri="{FF2B5EF4-FFF2-40B4-BE49-F238E27FC236}">
+                    <a16:creationId xmlns:a16="http://schemas.microsoft.com/office/drawing/2014/main" id="{0B39B053-5466-5CAD-62F7-672FFE7105F9}"/>
+                  </a:ext>
+                </a:extLst>
+              </p:cNvPr>
+              <p:cNvSpPr/>
+              <p:nvPr/>
+            </p:nvSpPr>
+            <p:spPr>
+              <a:xfrm>
+                <a:off x="901217" y="1483566"/>
+                <a:ext cx="914400" cy="914400"/>
+              </a:xfrm>
+              <a:prstGeom prst="ellipse">
+                <a:avLst/>
+              </a:prstGeom>
+              <a:solidFill>
+                <a:schemeClr val="bg1">
+                  <a:lumMod val="95000"/>
+                </a:schemeClr>
+              </a:solidFill>
+              <a:ln w="76200">
+                <a:solidFill>
+                  <a:srgbClr val="8409B5"/>
+                </a:solidFill>
+              </a:ln>
+            </p:spPr>
+            <p:style>
+              <a:lnRef idx="2">
+                <a:schemeClr val="accent1">
+                  <a:shade val="50000"/>
+                </a:schemeClr>
+              </a:lnRef>
+              <a:fillRef idx="1">
+                <a:schemeClr val="accent1"/>
+              </a:fillRef>
+              <a:effectRef idx="0">
+                <a:schemeClr val="accent1"/>
+              </a:effectRef>
+              <a:fontRef idx="minor">
+                <a:schemeClr val="lt1"/>
+              </a:fontRef>
+            </p:style>
+            <p:txBody>
+              <a:bodyPr rtlCol="0" anchor="ctr"/>
+              <a:lstStyle/>
+              <a:p>
+                <a:pPr algn="ctr"/>
+                <a:r>
+                  <a:rPr lang="en-US" sz="4000" dirty="0">
+                    <a:solidFill>
+                      <a:schemeClr val="tx1"/>
+                    </a:solidFill>
+                    <a:latin typeface="Segoe UI Semibold" panose="020B0702040204020203" pitchFamily="34" charset="0"/>
+                    <a:cs typeface="Segoe UI Semibold" panose="020B0702040204020203" pitchFamily="34" charset="0"/>
+                  </a:rPr>
+                  <a:t>A</a:t>
+                </a:r>
+                <a:endParaRPr lang="hu-HU" sz="4000" dirty="0">
+                  <a:solidFill>
+                    <a:schemeClr val="tx1"/>
+                  </a:solidFill>
+                  <a:latin typeface="Segoe UI Semibold" panose="020B0702040204020203" pitchFamily="34" charset="0"/>
+                  <a:cs typeface="Segoe UI Semibold" panose="020B0702040204020203" pitchFamily="34" charset="0"/>
+                </a:endParaRPr>
+              </a:p>
+            </p:txBody>
+          </p:sp>
+          <p:sp>
+            <p:nvSpPr>
+              <p:cNvPr id="28" name="Oval 27">
+                <a:extLst>
+                  <a:ext uri="{FF2B5EF4-FFF2-40B4-BE49-F238E27FC236}">
+                    <a16:creationId xmlns:a16="http://schemas.microsoft.com/office/drawing/2014/main" id="{DA7CB1B8-1435-8A31-48D4-B3CD5C16C329}"/>
+                  </a:ext>
+                </a:extLst>
+              </p:cNvPr>
+              <p:cNvSpPr/>
+              <p:nvPr/>
+            </p:nvSpPr>
+            <p:spPr>
+              <a:xfrm>
+                <a:off x="3059168" y="1483566"/>
+                <a:ext cx="914400" cy="914400"/>
+              </a:xfrm>
+              <a:prstGeom prst="ellipse">
+                <a:avLst/>
+              </a:prstGeom>
+              <a:solidFill>
+                <a:schemeClr val="bg1">
+                  <a:lumMod val="95000"/>
+                </a:schemeClr>
+              </a:solidFill>
+              <a:ln w="76200">
+                <a:solidFill>
+                  <a:srgbClr val="8409B5"/>
+                </a:solidFill>
+              </a:ln>
+            </p:spPr>
+            <p:style>
+              <a:lnRef idx="2">
+                <a:schemeClr val="accent1">
+                  <a:shade val="50000"/>
+                </a:schemeClr>
+              </a:lnRef>
+              <a:fillRef idx="1">
+                <a:schemeClr val="accent1"/>
+              </a:fillRef>
+              <a:effectRef idx="0">
+                <a:schemeClr val="accent1"/>
+              </a:effectRef>
+              <a:fontRef idx="minor">
+                <a:schemeClr val="lt1"/>
+              </a:fontRef>
+            </p:style>
+            <p:txBody>
+              <a:bodyPr rtlCol="0" anchor="ctr"/>
+              <a:lstStyle/>
+              <a:p>
+                <a:pPr algn="ctr"/>
+                <a:r>
+                  <a:rPr lang="en-US" sz="4000" dirty="0">
+                    <a:solidFill>
+                      <a:schemeClr val="tx1"/>
+                    </a:solidFill>
+                    <a:latin typeface="Segoe UI Semibold" panose="020B0702040204020203" pitchFamily="34" charset="0"/>
+                    <a:cs typeface="Segoe UI Semibold" panose="020B0702040204020203" pitchFamily="34" charset="0"/>
+                  </a:rPr>
+                  <a:t>B</a:t>
+                </a:r>
+                <a:endParaRPr lang="hu-HU" sz="4000" dirty="0">
+                  <a:solidFill>
+                    <a:schemeClr val="tx1"/>
+                  </a:solidFill>
+                  <a:latin typeface="Segoe UI Semibold" panose="020B0702040204020203" pitchFamily="34" charset="0"/>
+                  <a:cs typeface="Segoe UI Semibold" panose="020B0702040204020203" pitchFamily="34" charset="0"/>
+                </a:endParaRPr>
+              </a:p>
+            </p:txBody>
+          </p:sp>
+          <p:sp>
+            <p:nvSpPr>
+              <p:cNvPr id="29" name="Oval 28">
+                <a:extLst>
+                  <a:ext uri="{FF2B5EF4-FFF2-40B4-BE49-F238E27FC236}">
+                    <a16:creationId xmlns:a16="http://schemas.microsoft.com/office/drawing/2014/main" id="{8EC13D9C-0D31-1FBB-542E-0E420267E431}"/>
+                  </a:ext>
+                </a:extLst>
+              </p:cNvPr>
+              <p:cNvSpPr/>
+              <p:nvPr/>
+            </p:nvSpPr>
+            <p:spPr>
+              <a:xfrm>
+                <a:off x="901217" y="3413978"/>
+                <a:ext cx="914400" cy="914400"/>
+              </a:xfrm>
+              <a:prstGeom prst="ellipse">
+                <a:avLst/>
+              </a:prstGeom>
+              <a:solidFill>
+                <a:schemeClr val="bg1">
+                  <a:lumMod val="95000"/>
+                </a:schemeClr>
+              </a:solidFill>
+              <a:ln w="76200">
+                <a:solidFill>
+                  <a:srgbClr val="8409B5"/>
+                </a:solidFill>
+              </a:ln>
+            </p:spPr>
+            <p:style>
+              <a:lnRef idx="2">
+                <a:schemeClr val="accent1">
+                  <a:shade val="50000"/>
+                </a:schemeClr>
+              </a:lnRef>
+              <a:fillRef idx="1">
+                <a:schemeClr val="accent1"/>
+              </a:fillRef>
+              <a:effectRef idx="0">
+                <a:schemeClr val="accent1"/>
+              </a:effectRef>
+              <a:fontRef idx="minor">
+                <a:schemeClr val="lt1"/>
+              </a:fontRef>
+            </p:style>
+            <p:txBody>
+              <a:bodyPr rtlCol="0" anchor="ctr"/>
+              <a:lstStyle/>
+              <a:p>
+                <a:pPr algn="ctr"/>
+                <a:r>
+                  <a:rPr lang="en-US" sz="4000" dirty="0">
+                    <a:solidFill>
+                      <a:schemeClr val="tx1"/>
+                    </a:solidFill>
+                    <a:latin typeface="Segoe UI Semibold" panose="020B0702040204020203" pitchFamily="34" charset="0"/>
+                    <a:cs typeface="Segoe UI Semibold" panose="020B0702040204020203" pitchFamily="34" charset="0"/>
+                  </a:rPr>
+                  <a:t>C</a:t>
+                </a:r>
+                <a:endParaRPr lang="hu-HU" sz="4000" dirty="0">
+                  <a:solidFill>
+                    <a:schemeClr val="tx1"/>
+                  </a:solidFill>
+                  <a:latin typeface="Segoe UI Semibold" panose="020B0702040204020203" pitchFamily="34" charset="0"/>
+                  <a:cs typeface="Segoe UI Semibold" panose="020B0702040204020203" pitchFamily="34" charset="0"/>
+                </a:endParaRPr>
+              </a:p>
+            </p:txBody>
+          </p:sp>
+          <p:sp>
+            <p:nvSpPr>
+              <p:cNvPr id="30" name="Oval 29">
+                <a:extLst>
+                  <a:ext uri="{FF2B5EF4-FFF2-40B4-BE49-F238E27FC236}">
+                    <a16:creationId xmlns:a16="http://schemas.microsoft.com/office/drawing/2014/main" id="{53917467-D37B-E15E-CF8F-2E8266884273}"/>
+                  </a:ext>
+                </a:extLst>
+              </p:cNvPr>
+              <p:cNvSpPr/>
+              <p:nvPr/>
+            </p:nvSpPr>
+            <p:spPr>
+              <a:xfrm>
+                <a:off x="3059168" y="3409081"/>
+                <a:ext cx="914400" cy="914400"/>
+              </a:xfrm>
+              <a:prstGeom prst="ellipse">
+                <a:avLst/>
+              </a:prstGeom>
+              <a:solidFill>
+                <a:schemeClr val="bg1">
+                  <a:lumMod val="95000"/>
+                </a:schemeClr>
+              </a:solidFill>
+              <a:ln w="76200">
+                <a:solidFill>
+                  <a:srgbClr val="8409B5"/>
+                </a:solidFill>
+              </a:ln>
+            </p:spPr>
+            <p:style>
+              <a:lnRef idx="2">
+                <a:schemeClr val="accent1">
+                  <a:shade val="50000"/>
+                </a:schemeClr>
+              </a:lnRef>
+              <a:fillRef idx="1">
+                <a:schemeClr val="accent1"/>
+              </a:fillRef>
+              <a:effectRef idx="0">
+                <a:schemeClr val="accent1"/>
+              </a:effectRef>
+              <a:fontRef idx="minor">
+                <a:schemeClr val="lt1"/>
+              </a:fontRef>
+            </p:style>
+            <p:txBody>
+              <a:bodyPr rtlCol="0" anchor="ctr"/>
+              <a:lstStyle/>
+              <a:p>
+                <a:pPr algn="ctr"/>
+                <a:r>
+                  <a:rPr lang="en-US" sz="4000" dirty="0">
+                    <a:solidFill>
+                      <a:schemeClr val="tx1"/>
+                    </a:solidFill>
+                    <a:latin typeface="Segoe UI Semibold" panose="020B0702040204020203" pitchFamily="34" charset="0"/>
+                    <a:cs typeface="Segoe UI Semibold" panose="020B0702040204020203" pitchFamily="34" charset="0"/>
+                  </a:rPr>
+                  <a:t>D</a:t>
+                </a:r>
+                <a:endParaRPr lang="hu-HU" sz="4000" dirty="0">
+                  <a:solidFill>
+                    <a:schemeClr val="tx1"/>
+                  </a:solidFill>
+                  <a:latin typeface="Segoe UI Semibold" panose="020B0702040204020203" pitchFamily="34" charset="0"/>
+                  <a:cs typeface="Segoe UI Semibold" panose="020B0702040204020203" pitchFamily="34" charset="0"/>
+                </a:endParaRPr>
+              </a:p>
+            </p:txBody>
+          </p:sp>
+        </p:grpSp>
+        <p:cxnSp>
+          <p:nvCxnSpPr>
+            <p:cNvPr id="23" name="Straight Connector 22">
+              <a:extLst>
+                <a:ext uri="{FF2B5EF4-FFF2-40B4-BE49-F238E27FC236}">
+                  <a16:creationId xmlns:a16="http://schemas.microsoft.com/office/drawing/2014/main" id="{A62DCCB5-1536-0D30-42CC-2DF8A707E4FB}"/>
+                </a:ext>
+              </a:extLst>
+            </p:cNvPr>
+            <p:cNvCxnSpPr>
+              <a:stCxn id="27" idx="6"/>
+              <a:endCxn id="28" idx="2"/>
+            </p:cNvCxnSpPr>
+            <p:nvPr/>
+          </p:nvCxnSpPr>
+          <p:spPr>
+            <a:xfrm>
+              <a:off x="1815617" y="1940766"/>
+              <a:ext cx="1243551" cy="0"/>
+            </a:xfrm>
+            <a:prstGeom prst="line">
+              <a:avLst/>
+            </a:prstGeom>
+            <a:ln w="38100">
+              <a:solidFill>
+                <a:schemeClr val="tx1"/>
+              </a:solidFill>
+            </a:ln>
+          </p:spPr>
+          <p:style>
+            <a:lnRef idx="1">
+              <a:schemeClr val="accent1"/>
+            </a:lnRef>
+            <a:fillRef idx="0">
+              <a:schemeClr val="accent1"/>
+            </a:fillRef>
+            <a:effectRef idx="0">
+              <a:schemeClr val="accent1"/>
+            </a:effectRef>
+            <a:fontRef idx="minor">
+              <a:schemeClr val="tx1"/>
+            </a:fontRef>
+          </p:style>
+        </p:cxnSp>
+        <p:cxnSp>
+          <p:nvCxnSpPr>
+            <p:cNvPr id="24" name="Straight Connector 23">
+              <a:extLst>
+                <a:ext uri="{FF2B5EF4-FFF2-40B4-BE49-F238E27FC236}">
+                  <a16:creationId xmlns:a16="http://schemas.microsoft.com/office/drawing/2014/main" id="{D4003D1F-A709-1411-3E83-344DA396AF11}"/>
+                </a:ext>
+              </a:extLst>
+            </p:cNvPr>
+            <p:cNvCxnSpPr>
+              <a:cxnSpLocks/>
+              <a:stCxn id="28" idx="4"/>
+              <a:endCxn id="30" idx="0"/>
+            </p:cNvCxnSpPr>
+            <p:nvPr/>
+          </p:nvCxnSpPr>
+          <p:spPr>
+            <a:xfrm>
+              <a:off x="3516368" y="2397966"/>
+              <a:ext cx="0" cy="1011115"/>
+            </a:xfrm>
+            <a:prstGeom prst="line">
+              <a:avLst/>
+            </a:prstGeom>
+            <a:ln w="38100">
+              <a:solidFill>
+                <a:schemeClr val="tx1"/>
+              </a:solidFill>
+            </a:ln>
+          </p:spPr>
+          <p:style>
+            <a:lnRef idx="1">
+              <a:schemeClr val="accent1"/>
+            </a:lnRef>
+            <a:fillRef idx="0">
+              <a:schemeClr val="accent1"/>
+            </a:fillRef>
+            <a:effectRef idx="0">
+              <a:schemeClr val="accent1"/>
+            </a:effectRef>
+            <a:fontRef idx="minor">
+              <a:schemeClr val="tx1"/>
+            </a:fontRef>
+          </p:style>
+        </p:cxnSp>
+        <p:cxnSp>
+          <p:nvCxnSpPr>
+            <p:cNvPr id="25" name="Straight Connector 24">
+              <a:extLst>
+                <a:ext uri="{FF2B5EF4-FFF2-40B4-BE49-F238E27FC236}">
+                  <a16:creationId xmlns:a16="http://schemas.microsoft.com/office/drawing/2014/main" id="{3877DC54-879C-A292-DE28-5B726F323F7D}"/>
+                </a:ext>
+              </a:extLst>
+            </p:cNvPr>
+            <p:cNvCxnSpPr>
+              <a:cxnSpLocks/>
+              <a:stCxn id="27" idx="4"/>
+              <a:endCxn id="29" idx="0"/>
+            </p:cNvCxnSpPr>
+            <p:nvPr/>
+          </p:nvCxnSpPr>
+          <p:spPr>
+            <a:xfrm>
+              <a:off x="1358417" y="2397966"/>
+              <a:ext cx="0" cy="1016012"/>
+            </a:xfrm>
+            <a:prstGeom prst="line">
+              <a:avLst/>
+            </a:prstGeom>
+            <a:ln w="38100">
+              <a:solidFill>
+                <a:schemeClr val="tx1"/>
+              </a:solidFill>
+            </a:ln>
+          </p:spPr>
+          <p:style>
+            <a:lnRef idx="1">
+              <a:schemeClr val="accent1"/>
+            </a:lnRef>
+            <a:fillRef idx="0">
+              <a:schemeClr val="accent1"/>
+            </a:fillRef>
+            <a:effectRef idx="0">
+              <a:schemeClr val="accent1"/>
+            </a:effectRef>
+            <a:fontRef idx="minor">
+              <a:schemeClr val="tx1"/>
+            </a:fontRef>
+          </p:style>
+        </p:cxnSp>
+        <p:cxnSp>
+          <p:nvCxnSpPr>
+            <p:cNvPr id="26" name="Straight Connector 25">
+              <a:extLst>
+                <a:ext uri="{FF2B5EF4-FFF2-40B4-BE49-F238E27FC236}">
+                  <a16:creationId xmlns:a16="http://schemas.microsoft.com/office/drawing/2014/main" id="{9B91889F-94F6-E093-9348-CCED2F05231B}"/>
+                </a:ext>
+              </a:extLst>
+            </p:cNvPr>
+            <p:cNvCxnSpPr>
+              <a:cxnSpLocks/>
+              <a:stCxn id="28" idx="3"/>
+              <a:endCxn id="29" idx="7"/>
+            </p:cNvCxnSpPr>
+            <p:nvPr/>
+          </p:nvCxnSpPr>
+          <p:spPr>
+            <a:xfrm flipH="1">
+              <a:off x="1681706" y="2264055"/>
+              <a:ext cx="1511373" cy="1283834"/>
+            </a:xfrm>
+            <a:prstGeom prst="line">
+              <a:avLst/>
+            </a:prstGeom>
+            <a:ln w="38100">
+              <a:solidFill>
+                <a:schemeClr val="tx1"/>
+              </a:solidFill>
+            </a:ln>
+          </p:spPr>
+          <p:style>
+            <a:lnRef idx="1">
+              <a:schemeClr val="accent1"/>
+            </a:lnRef>
+            <a:fillRef idx="0">
+              <a:schemeClr val="accent1"/>
+            </a:fillRef>
+            <a:effectRef idx="0">
+              <a:schemeClr val="accent1"/>
+            </a:effectRef>
+            <a:fontRef idx="minor">
+              <a:schemeClr val="tx1"/>
+            </a:fontRef>
+          </p:style>
+        </p:cxnSp>
+      </p:grpSp>
+      <p:grpSp>
+        <p:nvGrpSpPr>
+          <p:cNvPr id="34" name="Group 33">
+            <a:extLst>
+              <a:ext uri="{FF2B5EF4-FFF2-40B4-BE49-F238E27FC236}">
+                <a16:creationId xmlns:a16="http://schemas.microsoft.com/office/drawing/2014/main" id="{CDF38ADA-D9B2-05A7-727C-5E67246A7C50}"/>
+              </a:ext>
+            </a:extLst>
+          </p:cNvPr>
+          <p:cNvGrpSpPr/>
+          <p:nvPr/>
+        </p:nvGrpSpPr>
+        <p:grpSpPr>
+          <a:xfrm>
+            <a:off x="6787021" y="1675948"/>
+            <a:ext cx="1839988" cy="3258486"/>
+            <a:chOff x="7157216" y="762303"/>
+            <a:chExt cx="3072351" cy="5440912"/>
+          </a:xfrm>
+        </p:grpSpPr>
+        <p:grpSp>
+          <p:nvGrpSpPr>
+            <p:cNvPr id="35" name="Group 34">
+              <a:extLst>
+                <a:ext uri="{FF2B5EF4-FFF2-40B4-BE49-F238E27FC236}">
+                  <a16:creationId xmlns:a16="http://schemas.microsoft.com/office/drawing/2014/main" id="{4D129FAA-CE90-7EF4-BDF4-219709899A79}"/>
+                </a:ext>
+              </a:extLst>
+            </p:cNvPr>
+            <p:cNvGrpSpPr/>
+            <p:nvPr/>
+          </p:nvGrpSpPr>
+          <p:grpSpPr>
+            <a:xfrm>
+              <a:off x="7157216" y="2758445"/>
+              <a:ext cx="3072351" cy="2844812"/>
+              <a:chOff x="901217" y="1483566"/>
+              <a:chExt cx="3072351" cy="2844812"/>
+            </a:xfrm>
+          </p:grpSpPr>
+          <p:sp>
+            <p:nvSpPr>
+              <p:cNvPr id="38" name="Oval 37">
+                <a:extLst>
+                  <a:ext uri="{FF2B5EF4-FFF2-40B4-BE49-F238E27FC236}">
+                    <a16:creationId xmlns:a16="http://schemas.microsoft.com/office/drawing/2014/main" id="{B9D61CA6-ADDC-D421-0CCA-42D17A6967E7}"/>
+                  </a:ext>
+                </a:extLst>
+              </p:cNvPr>
+              <p:cNvSpPr/>
+              <p:nvPr/>
+            </p:nvSpPr>
+            <p:spPr>
+              <a:xfrm>
+                <a:off x="901217" y="1483566"/>
+                <a:ext cx="914400" cy="914400"/>
+              </a:xfrm>
+              <a:prstGeom prst="ellipse">
+                <a:avLst/>
+              </a:prstGeom>
+              <a:solidFill>
+                <a:schemeClr val="bg1">
+                  <a:lumMod val="95000"/>
+                </a:schemeClr>
+              </a:solidFill>
+              <a:ln w="76200">
+                <a:solidFill>
+                  <a:srgbClr val="8409B5"/>
+                </a:solidFill>
+              </a:ln>
+            </p:spPr>
+            <p:style>
+              <a:lnRef idx="2">
+                <a:schemeClr val="accent1">
+                  <a:shade val="50000"/>
+                </a:schemeClr>
+              </a:lnRef>
+              <a:fillRef idx="1">
+                <a:schemeClr val="accent1"/>
+              </a:fillRef>
+              <a:effectRef idx="0">
+                <a:schemeClr val="accent1"/>
+              </a:effectRef>
+              <a:fontRef idx="minor">
+                <a:schemeClr val="lt1"/>
+              </a:fontRef>
+            </p:style>
+            <p:txBody>
+              <a:bodyPr rtlCol="0" anchor="ctr"/>
+              <a:lstStyle/>
+              <a:p>
+                <a:pPr algn="ctr"/>
+                <a:r>
+                  <a:rPr lang="en-US" sz="4000" dirty="0">
+                    <a:solidFill>
+                      <a:schemeClr val="tx1"/>
+                    </a:solidFill>
+                    <a:latin typeface="Segoe UI Semibold" panose="020B0702040204020203" pitchFamily="34" charset="0"/>
+                    <a:cs typeface="Segoe UI Semibold" panose="020B0702040204020203" pitchFamily="34" charset="0"/>
+                  </a:rPr>
+                  <a:t>A</a:t>
+                </a:r>
+                <a:endParaRPr lang="hu-HU" sz="4000" dirty="0">
+                  <a:solidFill>
+                    <a:schemeClr val="tx1"/>
+                  </a:solidFill>
+                  <a:latin typeface="Segoe UI Semibold" panose="020B0702040204020203" pitchFamily="34" charset="0"/>
+                  <a:cs typeface="Segoe UI Semibold" panose="020B0702040204020203" pitchFamily="34" charset="0"/>
+                </a:endParaRPr>
+              </a:p>
+            </p:txBody>
+          </p:sp>
+          <p:sp>
+            <p:nvSpPr>
+              <p:cNvPr id="39" name="Oval 38">
+                <a:extLst>
+                  <a:ext uri="{FF2B5EF4-FFF2-40B4-BE49-F238E27FC236}">
+                    <a16:creationId xmlns:a16="http://schemas.microsoft.com/office/drawing/2014/main" id="{86575C6E-3461-9FC4-F86D-87159A13787E}"/>
+                  </a:ext>
+                </a:extLst>
+              </p:cNvPr>
+              <p:cNvSpPr/>
+              <p:nvPr/>
+            </p:nvSpPr>
+            <p:spPr>
+              <a:xfrm>
+                <a:off x="3059168" y="1483566"/>
+                <a:ext cx="914400" cy="914400"/>
+              </a:xfrm>
+              <a:prstGeom prst="ellipse">
+                <a:avLst/>
+              </a:prstGeom>
+              <a:solidFill>
+                <a:schemeClr val="bg1">
+                  <a:lumMod val="95000"/>
+                </a:schemeClr>
+              </a:solidFill>
+              <a:ln w="76200">
+                <a:solidFill>
+                  <a:srgbClr val="8409B5"/>
+                </a:solidFill>
+              </a:ln>
+            </p:spPr>
+            <p:style>
+              <a:lnRef idx="2">
+                <a:schemeClr val="accent1">
+                  <a:shade val="50000"/>
+                </a:schemeClr>
+              </a:lnRef>
+              <a:fillRef idx="1">
+                <a:schemeClr val="accent1"/>
+              </a:fillRef>
+              <a:effectRef idx="0">
+                <a:schemeClr val="accent1"/>
+              </a:effectRef>
+              <a:fontRef idx="minor">
+                <a:schemeClr val="lt1"/>
+              </a:fontRef>
+            </p:style>
+            <p:txBody>
+              <a:bodyPr rtlCol="0" anchor="ctr"/>
+              <a:lstStyle/>
+              <a:p>
+                <a:pPr algn="ctr"/>
+                <a:r>
+                  <a:rPr lang="en-US" sz="4000" dirty="0">
+                    <a:solidFill>
+                      <a:schemeClr val="tx1"/>
+                    </a:solidFill>
+                    <a:latin typeface="Segoe UI Semibold" panose="020B0702040204020203" pitchFamily="34" charset="0"/>
+                    <a:cs typeface="Segoe UI Semibold" panose="020B0702040204020203" pitchFamily="34" charset="0"/>
+                  </a:rPr>
+                  <a:t>B</a:t>
+                </a:r>
+                <a:endParaRPr lang="hu-HU" sz="4000" dirty="0">
+                  <a:solidFill>
+                    <a:schemeClr val="tx1"/>
+                  </a:solidFill>
+                  <a:latin typeface="Segoe UI Semibold" panose="020B0702040204020203" pitchFamily="34" charset="0"/>
+                  <a:cs typeface="Segoe UI Semibold" panose="020B0702040204020203" pitchFamily="34" charset="0"/>
+                </a:endParaRPr>
+              </a:p>
+            </p:txBody>
+          </p:sp>
+          <p:sp>
+            <p:nvSpPr>
+              <p:cNvPr id="40" name="Oval 39">
+                <a:extLst>
+                  <a:ext uri="{FF2B5EF4-FFF2-40B4-BE49-F238E27FC236}">
+                    <a16:creationId xmlns:a16="http://schemas.microsoft.com/office/drawing/2014/main" id="{DEB62F9B-A4CB-6E33-DE90-D063A807F65C}"/>
+                  </a:ext>
+                </a:extLst>
+              </p:cNvPr>
+              <p:cNvSpPr/>
+              <p:nvPr/>
+            </p:nvSpPr>
+            <p:spPr>
+              <a:xfrm>
+                <a:off x="901217" y="3413978"/>
+                <a:ext cx="914400" cy="914400"/>
+              </a:xfrm>
+              <a:prstGeom prst="ellipse">
+                <a:avLst/>
+              </a:prstGeom>
+              <a:solidFill>
+                <a:schemeClr val="bg1">
+                  <a:lumMod val="95000"/>
+                </a:schemeClr>
+              </a:solidFill>
+              <a:ln w="76200">
+                <a:solidFill>
+                  <a:srgbClr val="8409B5"/>
+                </a:solidFill>
+              </a:ln>
+            </p:spPr>
+            <p:style>
+              <a:lnRef idx="2">
+                <a:schemeClr val="accent1">
+                  <a:shade val="50000"/>
+                </a:schemeClr>
+              </a:lnRef>
+              <a:fillRef idx="1">
+                <a:schemeClr val="accent1"/>
+              </a:fillRef>
+              <a:effectRef idx="0">
+                <a:schemeClr val="accent1"/>
+              </a:effectRef>
+              <a:fontRef idx="minor">
+                <a:schemeClr val="lt1"/>
+              </a:fontRef>
+            </p:style>
+            <p:txBody>
+              <a:bodyPr rtlCol="0" anchor="ctr"/>
+              <a:lstStyle/>
+              <a:p>
+                <a:pPr algn="ctr"/>
+                <a:r>
+                  <a:rPr lang="en-US" sz="4000" dirty="0">
+                    <a:solidFill>
+                      <a:schemeClr val="tx1"/>
+                    </a:solidFill>
+                    <a:latin typeface="Segoe UI Semibold" panose="020B0702040204020203" pitchFamily="34" charset="0"/>
+                    <a:cs typeface="Segoe UI Semibold" panose="020B0702040204020203" pitchFamily="34" charset="0"/>
+                  </a:rPr>
+                  <a:t>C</a:t>
+                </a:r>
+                <a:endParaRPr lang="hu-HU" sz="4000" dirty="0">
+                  <a:solidFill>
+                    <a:schemeClr val="tx1"/>
+                  </a:solidFill>
+                  <a:latin typeface="Segoe UI Semibold" panose="020B0702040204020203" pitchFamily="34" charset="0"/>
+                  <a:cs typeface="Segoe UI Semibold" panose="020B0702040204020203" pitchFamily="34" charset="0"/>
+                </a:endParaRPr>
+              </a:p>
+            </p:txBody>
+          </p:sp>
+          <p:sp>
+            <p:nvSpPr>
+              <p:cNvPr id="41" name="Oval 40">
+                <a:extLst>
+                  <a:ext uri="{FF2B5EF4-FFF2-40B4-BE49-F238E27FC236}">
+                    <a16:creationId xmlns:a16="http://schemas.microsoft.com/office/drawing/2014/main" id="{C6C327FF-F6AC-4A3B-A2E2-60D68D05736C}"/>
+                  </a:ext>
+                </a:extLst>
+              </p:cNvPr>
+              <p:cNvSpPr/>
+              <p:nvPr/>
+            </p:nvSpPr>
+            <p:spPr>
+              <a:xfrm>
+                <a:off x="3059168" y="3409081"/>
+                <a:ext cx="914400" cy="914400"/>
+              </a:xfrm>
+              <a:prstGeom prst="ellipse">
+                <a:avLst/>
+              </a:prstGeom>
+              <a:solidFill>
+                <a:schemeClr val="bg1">
+                  <a:lumMod val="95000"/>
+                </a:schemeClr>
+              </a:solidFill>
+              <a:ln w="76200">
+                <a:solidFill>
+                  <a:srgbClr val="8409B5"/>
+                </a:solidFill>
+              </a:ln>
+            </p:spPr>
+            <p:style>
+              <a:lnRef idx="2">
+                <a:schemeClr val="accent1">
+                  <a:shade val="50000"/>
+                </a:schemeClr>
+              </a:lnRef>
+              <a:fillRef idx="1">
+                <a:schemeClr val="accent1"/>
+              </a:fillRef>
+              <a:effectRef idx="0">
+                <a:schemeClr val="accent1"/>
+              </a:effectRef>
+              <a:fontRef idx="minor">
+                <a:schemeClr val="lt1"/>
+              </a:fontRef>
+            </p:style>
+            <p:txBody>
+              <a:bodyPr rtlCol="0" anchor="ctr"/>
+              <a:lstStyle/>
+              <a:p>
+                <a:pPr algn="ctr"/>
+                <a:r>
+                  <a:rPr lang="en-US" sz="4000" dirty="0">
+                    <a:solidFill>
+                      <a:schemeClr val="tx1"/>
+                    </a:solidFill>
+                    <a:latin typeface="Segoe UI Semibold" panose="020B0702040204020203" pitchFamily="34" charset="0"/>
+                    <a:cs typeface="Segoe UI Semibold" panose="020B0702040204020203" pitchFamily="34" charset="0"/>
+                  </a:rPr>
+                  <a:t>D</a:t>
+                </a:r>
+                <a:endParaRPr lang="hu-HU" sz="4000" dirty="0">
+                  <a:solidFill>
+                    <a:schemeClr val="tx1"/>
+                  </a:solidFill>
+                  <a:latin typeface="Segoe UI Semibold" panose="020B0702040204020203" pitchFamily="34" charset="0"/>
+                  <a:cs typeface="Segoe UI Semibold" panose="020B0702040204020203" pitchFamily="34" charset="0"/>
+                </a:endParaRPr>
+              </a:p>
+            </p:txBody>
+          </p:sp>
+        </p:grpSp>
+        <p:sp>
+          <p:nvSpPr>
+            <p:cNvPr id="36" name="Title 1">
+              <a:extLst>
+                <a:ext uri="{FF2B5EF4-FFF2-40B4-BE49-F238E27FC236}">
+                  <a16:creationId xmlns:a16="http://schemas.microsoft.com/office/drawing/2014/main" id="{B80AFA02-88F5-4A59-1F00-E13B739A6348}"/>
+                </a:ext>
+              </a:extLst>
+            </p:cNvPr>
+            <p:cNvSpPr txBox="1">
+              <a:spLocks/>
+            </p:cNvSpPr>
+            <p:nvPr/>
+          </p:nvSpPr>
+          <p:spPr>
+            <a:xfrm>
+              <a:off x="8076875" y="762303"/>
+              <a:ext cx="1423139" cy="1325563"/>
+            </a:xfrm>
+            <a:prstGeom prst="rect">
+              <a:avLst/>
+            </a:prstGeom>
+          </p:spPr>
+          <p:txBody>
+            <a:bodyPr vert="horz" lIns="91440" tIns="45720" rIns="91440" bIns="45720" rtlCol="0" anchor="ctr">
+              <a:normAutofit/>
+            </a:bodyPr>
+            <a:lstStyle>
+              <a:lvl1pPr algn="l" defTabSz="914400" rtl="0" eaLnBrk="1" latinLnBrk="0" hangingPunct="1">
+                <a:lnSpc>
+                  <a:spcPct val="90000"/>
+                </a:lnSpc>
+                <a:spcBef>
+                  <a:spcPct val="0"/>
+                </a:spcBef>
+                <a:buNone/>
+                <a:defRPr sz="4400" kern="1200">
+                  <a:solidFill>
+                    <a:schemeClr val="tx1"/>
+                  </a:solidFill>
+                  <a:latin typeface="+mj-lt"/>
+                  <a:ea typeface="+mj-ea"/>
+                  <a:cs typeface="+mj-cs"/>
+                </a:defRPr>
+              </a:lvl1pPr>
+            </a:lstStyle>
+            <a:p>
+              <a:pPr algn="ctr"/>
+              <a:r>
+                <a:rPr lang="en-US" dirty="0">
+                  <a:latin typeface="Segoe UI Semibold" panose="020B0702040204020203" pitchFamily="34" charset="0"/>
+                  <a:cs typeface="Segoe UI Semibold" panose="020B0702040204020203" pitchFamily="34" charset="0"/>
+                </a:rPr>
+                <a:t>G’</a:t>
+              </a:r>
+              <a:endParaRPr lang="hu-HU" dirty="0">
+                <a:latin typeface="Segoe UI Semibold" panose="020B0702040204020203" pitchFamily="34" charset="0"/>
+                <a:cs typeface="Segoe UI Semibold" panose="020B0702040204020203" pitchFamily="34" charset="0"/>
+              </a:endParaRPr>
+            </a:p>
+          </p:txBody>
+        </p:sp>
+        <p:sp>
+          <p:nvSpPr>
+            <p:cNvPr id="37" name="TextBox 36">
+              <a:extLst>
+                <a:ext uri="{FF2B5EF4-FFF2-40B4-BE49-F238E27FC236}">
+                  <a16:creationId xmlns:a16="http://schemas.microsoft.com/office/drawing/2014/main" id="{2B3F2ED8-5969-2A80-52EB-11637DAE6FE3}"/>
+                </a:ext>
+              </a:extLst>
+            </p:cNvPr>
+            <p:cNvSpPr txBox="1"/>
+            <p:nvPr/>
+          </p:nvSpPr>
+          <p:spPr>
+            <a:xfrm>
+              <a:off x="7242660" y="5833883"/>
+              <a:ext cx="2901462" cy="369332"/>
+            </a:xfrm>
+            <a:prstGeom prst="rect">
+              <a:avLst/>
+            </a:prstGeom>
+            <a:noFill/>
+          </p:spPr>
+          <p:txBody>
+            <a:bodyPr wrap="square" rtlCol="0">
+              <a:spAutoFit/>
+            </a:bodyPr>
+            <a:lstStyle/>
+            <a:p>
+              <a:pPr algn="ctr"/>
+              <a:r>
+                <a:rPr lang="en-US" dirty="0">
+                  <a:latin typeface="Segoe UI" panose="020B0502040204020203" pitchFamily="34" charset="0"/>
+                  <a:cs typeface="Segoe UI" panose="020B0502040204020203" pitchFamily="34" charset="0"/>
+                </a:rPr>
+                <a:t>Independent Set of size 3</a:t>
+              </a:r>
+              <a:endParaRPr lang="hu-HU" dirty="0">
+                <a:latin typeface="Segoe UI" panose="020B0502040204020203" pitchFamily="34" charset="0"/>
+                <a:cs typeface="Segoe UI" panose="020B0502040204020203" pitchFamily="34" charset="0"/>
+              </a:endParaRPr>
+            </a:p>
+          </p:txBody>
+        </p:sp>
+      </p:grpSp>
+      <p:cxnSp>
+        <p:nvCxnSpPr>
+          <p:cNvPr id="42" name="Straight Connector 41">
+            <a:extLst>
+              <a:ext uri="{FF2B5EF4-FFF2-40B4-BE49-F238E27FC236}">
+                <a16:creationId xmlns:a16="http://schemas.microsoft.com/office/drawing/2014/main" id="{E1A19953-19F7-9B0E-36BC-6104F3BD0D19}"/>
+              </a:ext>
+            </a:extLst>
+          </p:cNvPr>
+          <p:cNvCxnSpPr>
+            <a:cxnSpLocks/>
+            <a:stCxn id="38" idx="5"/>
+            <a:endCxn id="41" idx="1"/>
+          </p:cNvCxnSpPr>
+          <p:nvPr/>
+        </p:nvCxnSpPr>
+        <p:spPr>
+          <a:xfrm>
+            <a:off x="7254445" y="3338833"/>
+            <a:ext cx="905140" cy="765937"/>
+          </a:xfrm>
+          <a:prstGeom prst="line">
+            <a:avLst/>
+          </a:prstGeom>
+          <a:ln w="38100">
+            <a:solidFill>
+              <a:schemeClr val="tx1"/>
+            </a:solidFill>
+          </a:ln>
+        </p:spPr>
+        <p:style>
+          <a:lnRef idx="1">
+            <a:schemeClr val="accent1"/>
+          </a:lnRef>
+          <a:fillRef idx="0">
+            <a:schemeClr val="accent1"/>
+          </a:fillRef>
+          <a:effectRef idx="0">
+            <a:schemeClr val="accent1"/>
+          </a:effectRef>
+          <a:fontRef idx="minor">
+            <a:schemeClr val="tx1"/>
+          </a:fontRef>
+        </p:style>
+      </p:cxnSp>
+      <p:cxnSp>
+        <p:nvCxnSpPr>
+          <p:cNvPr id="43" name="Straight Connector 42">
+            <a:extLst>
+              <a:ext uri="{FF2B5EF4-FFF2-40B4-BE49-F238E27FC236}">
+                <a16:creationId xmlns:a16="http://schemas.microsoft.com/office/drawing/2014/main" id="{8EA0C77C-4465-9FAF-C034-CC113AD3D1B0}"/>
+              </a:ext>
+            </a:extLst>
+          </p:cNvPr>
+          <p:cNvCxnSpPr>
+            <a:cxnSpLocks/>
+            <a:stCxn id="40" idx="6"/>
+            <a:endCxn id="41" idx="2"/>
+          </p:cNvCxnSpPr>
+          <p:nvPr/>
+        </p:nvCxnSpPr>
+        <p:spPr>
+          <a:xfrm flipV="1">
+            <a:off x="7334642" y="4298384"/>
+            <a:ext cx="744746" cy="2933"/>
+          </a:xfrm>
+          <a:prstGeom prst="line">
+            <a:avLst/>
+          </a:prstGeom>
+          <a:ln w="38100">
+            <a:solidFill>
+              <a:schemeClr val="tx1"/>
+            </a:solidFill>
+          </a:ln>
+        </p:spPr>
+        <p:style>
+          <a:lnRef idx="1">
+            <a:schemeClr val="accent1"/>
+          </a:lnRef>
+          <a:fillRef idx="0">
+            <a:schemeClr val="accent1"/>
+          </a:fillRef>
+          <a:effectRef idx="0">
+            <a:schemeClr val="accent1"/>
+          </a:effectRef>
+          <a:fontRef idx="minor">
+            <a:schemeClr val="tx1"/>
+          </a:fontRef>
+        </p:style>
+      </p:cxnSp>
+      <p:sp>
+        <p:nvSpPr>
+          <p:cNvPr id="48" name="TextBox 47">
+            <a:extLst>
+              <a:ext uri="{FF2B5EF4-FFF2-40B4-BE49-F238E27FC236}">
+                <a16:creationId xmlns:a16="http://schemas.microsoft.com/office/drawing/2014/main" id="{225C0B23-E335-B526-A044-6EC5256F4952}"/>
+              </a:ext>
+            </a:extLst>
+          </p:cNvPr>
+          <p:cNvSpPr txBox="1"/>
+          <p:nvPr/>
+        </p:nvSpPr>
+        <p:spPr>
+          <a:xfrm>
+            <a:off x="9572986" y="4890603"/>
+            <a:ext cx="1789235" cy="369332"/>
+          </a:xfrm>
+          <a:prstGeom prst="rect">
+            <a:avLst/>
+          </a:prstGeom>
+          <a:noFill/>
+        </p:spPr>
+        <p:txBody>
+          <a:bodyPr wrap="square" rtlCol="0">
+            <a:spAutoFit/>
+          </a:bodyPr>
+          <a:lstStyle/>
+          <a:p>
+            <a:r>
+              <a:rPr lang="en-US" dirty="0">
+                <a:latin typeface="Segoe UI" panose="020B0502040204020203" pitchFamily="34" charset="0"/>
+                <a:cs typeface="Segoe UI" panose="020B0502040204020203" pitchFamily="34" charset="0"/>
+              </a:rPr>
+              <a:t>Clique of size 3</a:t>
+            </a:r>
+            <a:endParaRPr lang="hu-HU" dirty="0">
+              <a:latin typeface="Segoe UI" panose="020B0502040204020203" pitchFamily="34" charset="0"/>
+              <a:cs typeface="Segoe UI" panose="020B0502040204020203" pitchFamily="34" charset="0"/>
+            </a:endParaRPr>
+          </a:p>
+        </p:txBody>
+      </p:sp>
+      <mc:AlternateContent xmlns:mc="http://schemas.openxmlformats.org/markup-compatibility/2006" xmlns:p14="http://schemas.microsoft.com/office/powerpoint/2010/main" xmlns:aink="http://schemas.microsoft.com/office/drawing/2016/ink">
+        <mc:Choice Requires="p14 aink">
+          <p:contentPart p14:bwMode="auto" r:id="rId2">
+            <p14:nvContentPartPr>
+              <p14:cNvPr id="52" name="Ink 51">
+                <a:extLst>
+                  <a:ext uri="{FF2B5EF4-FFF2-40B4-BE49-F238E27FC236}">
+                    <a16:creationId xmlns:a16="http://schemas.microsoft.com/office/drawing/2014/main" id="{57B985A6-E922-796D-FF33-0F3917BB11DC}"/>
+                  </a:ext>
+                </a:extLst>
+              </p14:cNvPr>
+              <p14:cNvContentPartPr/>
+              <p14:nvPr/>
+            </p14:nvContentPartPr>
+            <p14:xfrm>
+              <a:off x="9261391" y="2486025"/>
+              <a:ext cx="2494440" cy="2356560"/>
+            </p14:xfrm>
+          </p:contentPart>
+        </mc:Choice>
+        <mc:Fallback xmlns="">
+          <p:pic>
+            <p:nvPicPr>
+              <p:cNvPr id="52" name="Ink 51">
+                <a:extLst>
+                  <a:ext uri="{FF2B5EF4-FFF2-40B4-BE49-F238E27FC236}">
+                    <a16:creationId xmlns:a16="http://schemas.microsoft.com/office/drawing/2014/main" id="{57B985A6-E922-796D-FF33-0F3917BB11DC}"/>
+                  </a:ext>
+                </a:extLst>
+              </p:cNvPr>
+              <p:cNvPicPr/>
+              <p:nvPr/>
+            </p:nvPicPr>
+            <p:blipFill>
+              <a:blip r:embed="rId3"/>
+              <a:stretch>
+                <a:fillRect/>
+              </a:stretch>
+            </p:blipFill>
+            <p:spPr>
+              <a:xfrm>
+                <a:off x="9225751" y="2270385"/>
+                <a:ext cx="2566080" cy="2788200"/>
+              </a:xfrm>
+              <a:prstGeom prst="rect">
+                <a:avLst/>
+              </a:prstGeom>
+            </p:spPr>
+          </p:pic>
+        </mc:Fallback>
+      </mc:AlternateContent>
+      <mc:AlternateContent xmlns:mc="http://schemas.openxmlformats.org/markup-compatibility/2006" xmlns:p14="http://schemas.microsoft.com/office/powerpoint/2010/main">
+        <mc:Choice Requires="p14">
+          <p:contentPart p14:bwMode="auto" r:id="rId4">
+            <p14:nvContentPartPr>
+              <p14:cNvPr id="53" name="Ink 52">
+                <a:extLst>
+                  <a:ext uri="{FF2B5EF4-FFF2-40B4-BE49-F238E27FC236}">
+                    <a16:creationId xmlns:a16="http://schemas.microsoft.com/office/drawing/2014/main" id="{CAE71615-49FB-F101-8ED0-66D466044C97}"/>
+                  </a:ext>
+                </a:extLst>
+              </p14:cNvPr>
+              <p14:cNvContentPartPr/>
+              <p14:nvPr/>
+            </p14:nvContentPartPr>
+            <p14:xfrm>
+              <a:off x="7682111" y="3592810"/>
+              <a:ext cx="360" cy="360"/>
+            </p14:xfrm>
+          </p:contentPart>
+        </mc:Choice>
+        <mc:Fallback xmlns="">
+          <p:pic>
+            <p:nvPicPr>
+              <p:cNvPr id="53" name="Ink 52">
+                <a:extLst>
+                  <a:ext uri="{FF2B5EF4-FFF2-40B4-BE49-F238E27FC236}">
+                    <a16:creationId xmlns:a16="http://schemas.microsoft.com/office/drawing/2014/main" id="{CAE71615-49FB-F101-8ED0-66D466044C97}"/>
+                  </a:ext>
+                </a:extLst>
+              </p:cNvPr>
+              <p:cNvPicPr/>
+              <p:nvPr/>
+            </p:nvPicPr>
+            <p:blipFill>
+              <a:blip r:embed="rId5"/>
+              <a:stretch>
+                <a:fillRect/>
+              </a:stretch>
+            </p:blipFill>
+            <p:spPr>
+              <a:xfrm>
+                <a:off x="7673111" y="3584170"/>
+                <a:ext cx="18000" cy="18000"/>
+              </a:xfrm>
+              <a:prstGeom prst="rect">
+                <a:avLst/>
+              </a:prstGeom>
+            </p:spPr>
+          </p:pic>
+        </mc:Fallback>
+      </mc:AlternateContent>
+      <mc:AlternateContent xmlns:mc="http://schemas.openxmlformats.org/markup-compatibility/2006" xmlns:p14="http://schemas.microsoft.com/office/powerpoint/2010/main">
+        <mc:Choice Requires="p14">
+          <p:contentPart p14:bwMode="auto" r:id="rId6">
+            <p14:nvContentPartPr>
+              <p14:cNvPr id="54" name="Ink 53">
+                <a:extLst>
+                  <a:ext uri="{FF2B5EF4-FFF2-40B4-BE49-F238E27FC236}">
+                    <a16:creationId xmlns:a16="http://schemas.microsoft.com/office/drawing/2014/main" id="{B711F1C2-B9D8-2FEE-A81E-275E676BE348}"/>
+                  </a:ext>
+                </a:extLst>
+              </p14:cNvPr>
+              <p14:cNvContentPartPr/>
+              <p14:nvPr/>
+            </p14:nvContentPartPr>
+            <p14:xfrm>
+              <a:off x="7682111" y="3676330"/>
+              <a:ext cx="360" cy="360"/>
+            </p14:xfrm>
+          </p:contentPart>
+        </mc:Choice>
+        <mc:Fallback xmlns="">
+          <p:pic>
+            <p:nvPicPr>
+              <p:cNvPr id="54" name="Ink 53">
+                <a:extLst>
+                  <a:ext uri="{FF2B5EF4-FFF2-40B4-BE49-F238E27FC236}">
+                    <a16:creationId xmlns:a16="http://schemas.microsoft.com/office/drawing/2014/main" id="{B711F1C2-B9D8-2FEE-A81E-275E676BE348}"/>
+                  </a:ext>
+                </a:extLst>
+              </p:cNvPr>
+              <p:cNvPicPr/>
+              <p:nvPr/>
+            </p:nvPicPr>
+            <p:blipFill>
+              <a:blip r:embed="rId5"/>
+              <a:stretch>
+                <a:fillRect/>
+              </a:stretch>
+            </p:blipFill>
+            <p:spPr>
+              <a:xfrm>
+                <a:off x="7673111" y="3667690"/>
+                <a:ext cx="18000" cy="18000"/>
+              </a:xfrm>
+              <a:prstGeom prst="rect">
+                <a:avLst/>
+              </a:prstGeom>
+            </p:spPr>
+          </p:pic>
+        </mc:Fallback>
+      </mc:AlternateContent>
+      <mc:AlternateContent xmlns:mc="http://schemas.openxmlformats.org/markup-compatibility/2006" xmlns:p14="http://schemas.microsoft.com/office/powerpoint/2010/main">
+        <mc:Choice Requires="p14">
+          <p:contentPart p14:bwMode="auto" r:id="rId7">
+            <p14:nvContentPartPr>
+              <p14:cNvPr id="55" name="Ink 54">
+                <a:extLst>
+                  <a:ext uri="{FF2B5EF4-FFF2-40B4-BE49-F238E27FC236}">
+                    <a16:creationId xmlns:a16="http://schemas.microsoft.com/office/drawing/2014/main" id="{EFE9E88B-66F6-6856-6345-750895E3F573}"/>
+                  </a:ext>
+                </a:extLst>
+              </p14:cNvPr>
+              <p14:cNvContentPartPr/>
+              <p14:nvPr/>
+            </p14:nvContentPartPr>
+            <p14:xfrm>
+              <a:off x="7559711" y="3617290"/>
+              <a:ext cx="1440" cy="1440"/>
+            </p14:xfrm>
+          </p:contentPart>
+        </mc:Choice>
+        <mc:Fallback xmlns="">
+          <p:pic>
+            <p:nvPicPr>
+              <p:cNvPr id="55" name="Ink 54">
+                <a:extLst>
+                  <a:ext uri="{FF2B5EF4-FFF2-40B4-BE49-F238E27FC236}">
+                    <a16:creationId xmlns:a16="http://schemas.microsoft.com/office/drawing/2014/main" id="{EFE9E88B-66F6-6856-6345-750895E3F573}"/>
+                  </a:ext>
+                </a:extLst>
+              </p:cNvPr>
+              <p:cNvPicPr/>
+              <p:nvPr/>
+            </p:nvPicPr>
+            <p:blipFill>
+              <a:blip r:embed="rId5"/>
+              <a:stretch>
+                <a:fillRect/>
+              </a:stretch>
+            </p:blipFill>
+            <p:spPr>
+              <a:xfrm>
+                <a:off x="7551071" y="3608650"/>
+                <a:ext cx="19080" cy="19080"/>
+              </a:xfrm>
+              <a:prstGeom prst="rect">
+                <a:avLst/>
+              </a:prstGeom>
+            </p:spPr>
+          </p:pic>
+        </mc:Fallback>
+      </mc:AlternateContent>
+    </p:spTree>
+    <p:extLst>
+      <p:ext uri="{BB962C8B-B14F-4D97-AF65-F5344CB8AC3E}">
         <p14:creationId xmlns:p14="http://schemas.microsoft.com/office/powerpoint/2010/main" val="3175013801"/>
       </p:ext>
     </p:extLst>
@@ -6084,7 +8262,7 @@
 </p:sld>
 </file>
 
-<file path=ppt/slides/slide2.xml><?xml version="1.0" encoding="utf-8"?>
+<file path=ppt/slides/slide3.xml><?xml version="1.0" encoding="utf-8"?>
 <p:sld xmlns:a="http://schemas.openxmlformats.org/drawingml/2006/main" xmlns:r="http://schemas.openxmlformats.org/officeDocument/2006/relationships" xmlns:p="http://schemas.openxmlformats.org/presentationml/2006/main">
   <p:cSld>
     <p:spTree>
@@ -6232,7 +8410,49 @@
                 <a:latin typeface="Segoe UI" panose="020B0502040204020203" pitchFamily="34" charset="0"/>
                 <a:cs typeface="Segoe UI" panose="020B0502040204020203" pitchFamily="34" charset="0"/>
               </a:rPr>
-              <a:t>It doesn’t work when there are 2 cliques within the solution and the smaller clique is obtained first.</a:t>
+              <a:t>This solution falls apart quickly.</a:t>
+            </a:r>
+          </a:p>
+          <a:p>
+            <a:pPr marL="0" indent="0">
+              <a:buNone/>
+            </a:pPr>
+            <a:endParaRPr lang="en-US" sz="2400" dirty="0">
+              <a:latin typeface="Segoe UI" panose="020B0502040204020203" pitchFamily="34" charset="0"/>
+              <a:cs typeface="Segoe UI" panose="020B0502040204020203" pitchFamily="34" charset="0"/>
+            </a:endParaRPr>
+          </a:p>
+          <a:p>
+            <a:pPr marL="0" indent="0">
+              <a:buNone/>
+            </a:pPr>
+            <a:r>
+              <a:rPr lang="en-US" sz="2400" dirty="0">
+                <a:latin typeface="Segoe UI" panose="020B0502040204020203" pitchFamily="34" charset="0"/>
+                <a:cs typeface="Segoe UI" panose="020B0502040204020203" pitchFamily="34" charset="0"/>
+              </a:rPr>
+              <a:t>It doesn’t work when there are 2 or more independent sets within complement graph.</a:t>
+            </a:r>
+          </a:p>
+          <a:p>
+            <a:pPr marL="0" indent="0">
+              <a:buNone/>
+            </a:pPr>
+            <a:endParaRPr lang="en-US" sz="2400" dirty="0">
+              <a:latin typeface="Segoe UI" panose="020B0502040204020203" pitchFamily="34" charset="0"/>
+              <a:cs typeface="Segoe UI" panose="020B0502040204020203" pitchFamily="34" charset="0"/>
+            </a:endParaRPr>
+          </a:p>
+          <a:p>
+            <a:pPr marL="0" indent="0">
+              <a:buNone/>
+            </a:pPr>
+            <a:r>
+              <a:rPr lang="en-US" sz="2400" dirty="0">
+                <a:latin typeface="Segoe UI" panose="020B0502040204020203" pitchFamily="34" charset="0"/>
+                <a:cs typeface="Segoe UI" panose="020B0502040204020203" pitchFamily="34" charset="0"/>
+              </a:rPr>
+              <a:t>Most of the time, it doesn’t work.</a:t>
             </a:r>
             <a:endParaRPr lang="hu-HU" sz="2400" dirty="0">
               <a:latin typeface="Segoe UI" panose="020B0502040204020203" pitchFamily="34" charset="0"/>
@@ -7222,7 +9442,7 @@
 </p:sld>
 </file>
 
-<file path=ppt/slides/slide3.xml><?xml version="1.0" encoding="utf-8"?>
+<file path=ppt/slides/slide4.xml><?xml version="1.0" encoding="utf-8"?>
 <p:sld xmlns:a="http://schemas.openxmlformats.org/drawingml/2006/main" xmlns:r="http://schemas.openxmlformats.org/officeDocument/2006/relationships" xmlns:p="http://schemas.openxmlformats.org/presentationml/2006/main">
   <p:cSld>
     <p:spTree>
@@ -7685,7 +9905,7 @@
         </p:nvSpPr>
         <p:spPr>
           <a:xfrm>
-            <a:off x="7946633" y="3818584"/>
+            <a:off x="8056053" y="3818584"/>
             <a:ext cx="765926" cy="820007"/>
           </a:xfrm>
           <a:prstGeom prst="ellipse">
@@ -8032,7 +10252,7 @@
         <p:spPr>
           <a:xfrm flipH="1">
             <a:off x="4421748" y="4228588"/>
-            <a:ext cx="3524885" cy="1"/>
+            <a:ext cx="3634305" cy="1"/>
           </a:xfrm>
           <a:prstGeom prst="line">
             <a:avLst/>
@@ -8077,7 +10297,7 @@
         <p:spPr>
           <a:xfrm flipH="1" flipV="1">
             <a:off x="6584848" y="2690727"/>
-            <a:ext cx="1473952" cy="1247944"/>
+            <a:ext cx="1583372" cy="1247944"/>
           </a:xfrm>
           <a:prstGeom prst="line">
             <a:avLst/>
@@ -8122,7 +10342,7 @@
         <p:spPr>
           <a:xfrm flipV="1">
             <a:off x="6697015" y="4518504"/>
-            <a:ext cx="1361785" cy="1247945"/>
+            <a:ext cx="1471205" cy="1247945"/>
           </a:xfrm>
           <a:prstGeom prst="line">
             <a:avLst/>
@@ -8166,7 +10386,7 @@
         </p:nvSpPr>
         <p:spPr>
           <a:xfrm>
-            <a:off x="838200" y="251862"/>
+            <a:off x="785456" y="122093"/>
             <a:ext cx="10515600" cy="1325563"/>
           </a:xfrm>
         </p:spPr>
@@ -8335,100 +10555,294 @@
           </p:pic>
         </mc:Fallback>
       </mc:AlternateContent>
+      <mc:AlternateContent xmlns:mc="http://schemas.openxmlformats.org/markup-compatibility/2006" xmlns:p14="http://schemas.microsoft.com/office/powerpoint/2010/main" xmlns:aink="http://schemas.microsoft.com/office/drawing/2016/ink">
+        <mc:Choice Requires="p14 aink">
+          <p:contentPart p14:bwMode="auto" r:id="rId8">
+            <p14:nvContentPartPr>
+              <p14:cNvPr id="2" name="Ink 1">
+                <a:extLst>
+                  <a:ext uri="{FF2B5EF4-FFF2-40B4-BE49-F238E27FC236}">
+                    <a16:creationId xmlns:a16="http://schemas.microsoft.com/office/drawing/2014/main" id="{A71EB002-5AB5-45BD-F9D4-7015555A390D}"/>
+                  </a:ext>
+                </a:extLst>
+              </p14:cNvPr>
+              <p14:cNvContentPartPr/>
+              <p14:nvPr/>
+            </p14:nvContentPartPr>
+            <p14:xfrm>
+              <a:off x="637626" y="1414781"/>
+              <a:ext cx="4131720" cy="3629880"/>
+            </p14:xfrm>
+          </p:contentPart>
+        </mc:Choice>
+        <mc:Fallback xmlns="">
+          <p:pic>
+            <p:nvPicPr>
+              <p:cNvPr id="2" name="Ink 1">
+                <a:extLst>
+                  <a:ext uri="{FF2B5EF4-FFF2-40B4-BE49-F238E27FC236}">
+                    <a16:creationId xmlns:a16="http://schemas.microsoft.com/office/drawing/2014/main" id="{A71EB002-5AB5-45BD-F9D4-7015555A390D}"/>
+                  </a:ext>
+                </a:extLst>
+              </p:cNvPr>
+              <p:cNvPicPr/>
+              <p:nvPr/>
+            </p:nvPicPr>
+            <p:blipFill>
+              <a:blip r:embed="rId9"/>
+              <a:stretch>
+                <a:fillRect/>
+              </a:stretch>
+            </p:blipFill>
+            <p:spPr>
+              <a:xfrm>
+                <a:off x="601626" y="1198781"/>
+                <a:ext cx="4203360" cy="4061520"/>
+              </a:xfrm>
+              <a:prstGeom prst="rect">
+                <a:avLst/>
+              </a:prstGeom>
+            </p:spPr>
+          </p:pic>
+        </mc:Fallback>
+      </mc:AlternateContent>
+      <p:sp>
+        <p:nvSpPr>
+          <p:cNvPr id="23" name="TextBox 22">
+            <a:extLst>
+              <a:ext uri="{FF2B5EF4-FFF2-40B4-BE49-F238E27FC236}">
+                <a16:creationId xmlns:a16="http://schemas.microsoft.com/office/drawing/2014/main" id="{4EBA25F2-88CA-9462-2AFE-C3ABBC832E6A}"/>
+              </a:ext>
+            </a:extLst>
+          </p:cNvPr>
+          <p:cNvSpPr txBox="1"/>
+          <p:nvPr/>
+        </p:nvSpPr>
+        <p:spPr>
+          <a:xfrm>
+            <a:off x="369677" y="5224800"/>
+            <a:ext cx="2431125" cy="369332"/>
+          </a:xfrm>
+          <a:prstGeom prst="rect">
+            <a:avLst/>
+          </a:prstGeom>
+          <a:noFill/>
+        </p:spPr>
+        <p:txBody>
+          <a:bodyPr wrap="square" rtlCol="0">
+            <a:spAutoFit/>
+          </a:bodyPr>
+          <a:lstStyle/>
+          <a:p>
+            <a:pPr algn="ctr"/>
+            <a:r>
+              <a:rPr lang="en-US" dirty="0">
+                <a:solidFill>
+                  <a:schemeClr val="accent5">
+                    <a:lumMod val="75000"/>
+                  </a:schemeClr>
+                </a:solidFill>
+                <a:latin typeface="Segoe UI" panose="020B0502040204020203" pitchFamily="34" charset="0"/>
+                <a:cs typeface="Segoe UI" panose="020B0502040204020203" pitchFamily="34" charset="0"/>
+              </a:rPr>
+              <a:t>Returned max clique</a:t>
+            </a:r>
+            <a:endParaRPr lang="hu-HU" dirty="0">
+              <a:solidFill>
+                <a:schemeClr val="accent5">
+                  <a:lumMod val="75000"/>
+                </a:schemeClr>
+              </a:solidFill>
+              <a:latin typeface="Segoe UI" panose="020B0502040204020203" pitchFamily="34" charset="0"/>
+              <a:cs typeface="Segoe UI" panose="020B0502040204020203" pitchFamily="34" charset="0"/>
+            </a:endParaRPr>
+          </a:p>
+        </p:txBody>
+      </p:sp>
+      <p:sp>
+        <p:nvSpPr>
+          <p:cNvPr id="24" name="TextBox 23">
+            <a:extLst>
+              <a:ext uri="{FF2B5EF4-FFF2-40B4-BE49-F238E27FC236}">
+                <a16:creationId xmlns:a16="http://schemas.microsoft.com/office/drawing/2014/main" id="{26146C68-270F-43DC-4258-0AF2F8BE18B9}"/>
+              </a:ext>
+            </a:extLst>
+          </p:cNvPr>
+          <p:cNvSpPr txBox="1"/>
+          <p:nvPr/>
+        </p:nvSpPr>
+        <p:spPr>
+          <a:xfrm>
+            <a:off x="7930498" y="2413138"/>
+            <a:ext cx="2317500" cy="369332"/>
+          </a:xfrm>
+          <a:prstGeom prst="rect">
+            <a:avLst/>
+          </a:prstGeom>
+          <a:noFill/>
+        </p:spPr>
+        <p:txBody>
+          <a:bodyPr wrap="square" rtlCol="0">
+            <a:spAutoFit/>
+          </a:bodyPr>
+          <a:lstStyle/>
+          <a:p>
+            <a:pPr algn="ctr"/>
+            <a:r>
+              <a:rPr lang="en-US" dirty="0">
+                <a:solidFill>
+                  <a:srgbClr val="C00000"/>
+                </a:solidFill>
+                <a:latin typeface="Segoe UI" panose="020B0502040204020203" pitchFamily="34" charset="0"/>
+                <a:cs typeface="Segoe UI" panose="020B0502040204020203" pitchFamily="34" charset="0"/>
+              </a:rPr>
+              <a:t>Actual max clique</a:t>
+            </a:r>
+            <a:endParaRPr lang="hu-HU" dirty="0">
+              <a:solidFill>
+                <a:srgbClr val="C00000"/>
+              </a:solidFill>
+              <a:latin typeface="Segoe UI" panose="020B0502040204020203" pitchFamily="34" charset="0"/>
+              <a:cs typeface="Segoe UI" panose="020B0502040204020203" pitchFamily="34" charset="0"/>
+            </a:endParaRPr>
+          </a:p>
+        </p:txBody>
+      </p:sp>
+      <p:cxnSp>
+        <p:nvCxnSpPr>
+          <p:cNvPr id="25" name="Straight Connector 24">
+            <a:extLst>
+              <a:ext uri="{FF2B5EF4-FFF2-40B4-BE49-F238E27FC236}">
+                <a16:creationId xmlns:a16="http://schemas.microsoft.com/office/drawing/2014/main" id="{EB1CBA93-7B4E-248D-1735-62651B6EFED0}"/>
+              </a:ext>
+            </a:extLst>
+          </p:cNvPr>
+          <p:cNvCxnSpPr>
+            <a:cxnSpLocks/>
+            <a:stCxn id="43" idx="0"/>
+            <a:endCxn id="33" idx="4"/>
+          </p:cNvCxnSpPr>
+          <p:nvPr/>
+        </p:nvCxnSpPr>
+        <p:spPr>
+          <a:xfrm flipV="1">
+            <a:off x="6314052" y="2810814"/>
+            <a:ext cx="0" cy="2545631"/>
+          </a:xfrm>
+          <a:prstGeom prst="line">
+            <a:avLst/>
+          </a:prstGeom>
+          <a:ln w="38100">
+            <a:solidFill>
+              <a:schemeClr val="tx1"/>
+            </a:solidFill>
+          </a:ln>
+        </p:spPr>
+        <p:style>
+          <a:lnRef idx="1">
+            <a:schemeClr val="accent1"/>
+          </a:lnRef>
+          <a:fillRef idx="0">
+            <a:schemeClr val="accent1"/>
+          </a:fillRef>
+          <a:effectRef idx="0">
+            <a:schemeClr val="accent1"/>
+          </a:effectRef>
+          <a:fontRef idx="minor">
+            <a:schemeClr val="tx1"/>
+          </a:fontRef>
+        </p:style>
+      </p:cxnSp>
+      <p:sp>
+        <p:nvSpPr>
+          <p:cNvPr id="31" name="TextBox 30">
+            <a:extLst>
+              <a:ext uri="{FF2B5EF4-FFF2-40B4-BE49-F238E27FC236}">
+                <a16:creationId xmlns:a16="http://schemas.microsoft.com/office/drawing/2014/main" id="{2EBD0F89-BEFE-E3B6-DA98-FDC234A0C1CA}"/>
+              </a:ext>
+            </a:extLst>
+          </p:cNvPr>
+          <p:cNvSpPr txBox="1"/>
+          <p:nvPr/>
+        </p:nvSpPr>
+        <p:spPr>
+          <a:xfrm>
+            <a:off x="970825" y="1506610"/>
+            <a:ext cx="2317500" cy="369332"/>
+          </a:xfrm>
+          <a:prstGeom prst="rect">
+            <a:avLst/>
+          </a:prstGeom>
+          <a:noFill/>
+        </p:spPr>
+        <p:txBody>
+          <a:bodyPr wrap="square" rtlCol="0">
+            <a:spAutoFit/>
+          </a:bodyPr>
+          <a:lstStyle/>
+          <a:p>
+            <a:pPr algn="ctr"/>
+            <a:r>
+              <a:rPr lang="en-US" dirty="0">
+                <a:latin typeface="Segoe UI" panose="020B0502040204020203" pitchFamily="34" charset="0"/>
+                <a:cs typeface="Segoe UI" panose="020B0502040204020203" pitchFamily="34" charset="0"/>
+              </a:rPr>
+              <a:t>Starting node</a:t>
+            </a:r>
+            <a:endParaRPr lang="hu-HU" dirty="0">
+              <a:latin typeface="Segoe UI" panose="020B0502040204020203" pitchFamily="34" charset="0"/>
+              <a:cs typeface="Segoe UI" panose="020B0502040204020203" pitchFamily="34" charset="0"/>
+            </a:endParaRPr>
+          </a:p>
+        </p:txBody>
+      </p:sp>
+      <p:sp>
+        <p:nvSpPr>
+          <p:cNvPr id="34" name="TextBox 33">
+            <a:extLst>
+              <a:ext uri="{FF2B5EF4-FFF2-40B4-BE49-F238E27FC236}">
+                <a16:creationId xmlns:a16="http://schemas.microsoft.com/office/drawing/2014/main" id="{F7DA0B12-2F84-6D17-C43C-075B59A1A3AB}"/>
+              </a:ext>
+            </a:extLst>
+          </p:cNvPr>
+          <p:cNvSpPr txBox="1"/>
+          <p:nvPr/>
+        </p:nvSpPr>
+        <p:spPr>
+          <a:xfrm>
+            <a:off x="9022267" y="4526101"/>
+            <a:ext cx="2317500" cy="646331"/>
+          </a:xfrm>
+          <a:prstGeom prst="rect">
+            <a:avLst/>
+          </a:prstGeom>
+          <a:noFill/>
+        </p:spPr>
+        <p:txBody>
+          <a:bodyPr wrap="square" rtlCol="0">
+            <a:spAutoFit/>
+          </a:bodyPr>
+          <a:lstStyle/>
+          <a:p>
+            <a:pPr algn="ctr"/>
+            <a:r>
+              <a:rPr lang="en-US" dirty="0">
+                <a:latin typeface="Segoe UI" panose="020B0502040204020203" pitchFamily="34" charset="0"/>
+                <a:cs typeface="Segoe UI" panose="020B0502040204020203" pitchFamily="34" charset="0"/>
+              </a:rPr>
+              <a:t>Second graph starts here</a:t>
+            </a:r>
+            <a:endParaRPr lang="hu-HU" dirty="0">
+              <a:latin typeface="Segoe UI" panose="020B0502040204020203" pitchFamily="34" charset="0"/>
+              <a:cs typeface="Segoe UI" panose="020B0502040204020203" pitchFamily="34" charset="0"/>
+            </a:endParaRPr>
+          </a:p>
+        </p:txBody>
+      </p:sp>
     </p:spTree>
     <p:extLst>
       <p:ext uri="{BB962C8B-B14F-4D97-AF65-F5344CB8AC3E}">
         <p14:creationId xmlns:p14="http://schemas.microsoft.com/office/powerpoint/2010/main" val="3438745225"/>
-      </p:ext>
-    </p:extLst>
-  </p:cSld>
-  <p:clrMapOvr>
-    <a:masterClrMapping/>
-  </p:clrMapOvr>
-</p:sld>
-</file>
-
-<file path=ppt/slides/slide4.xml><?xml version="1.0" encoding="utf-8"?>
-<p:sld xmlns:a="http://schemas.openxmlformats.org/drawingml/2006/main" xmlns:r="http://schemas.openxmlformats.org/officeDocument/2006/relationships" xmlns:p="http://schemas.openxmlformats.org/presentationml/2006/main">
-  <p:cSld>
-    <p:spTree>
-      <p:nvGrpSpPr>
-        <p:cNvPr id="1" name=""/>
-        <p:cNvGrpSpPr/>
-        <p:nvPr/>
-      </p:nvGrpSpPr>
-      <p:grpSpPr>
-        <a:xfrm>
-          <a:off x="0" y="0"/>
-          <a:ext cx="0" cy="0"/>
-          <a:chOff x="0" y="0"/>
-          <a:chExt cx="0" cy="0"/>
-        </a:xfrm>
-      </p:grpSpPr>
-      <p:sp>
-        <p:nvSpPr>
-          <p:cNvPr id="2" name="Title 1">
-            <a:extLst>
-              <a:ext uri="{FF2B5EF4-FFF2-40B4-BE49-F238E27FC236}">
-                <a16:creationId xmlns:a16="http://schemas.microsoft.com/office/drawing/2014/main" id="{4EB68C10-F2B4-00BD-7539-ED88604DDC5B}"/>
-              </a:ext>
-            </a:extLst>
-          </p:cNvPr>
-          <p:cNvSpPr>
-            <a:spLocks noGrp="1"/>
-          </p:cNvSpPr>
-          <p:nvPr>
-            <p:ph type="title"/>
-          </p:nvPr>
-        </p:nvSpPr>
-        <p:spPr/>
-        <p:txBody>
-          <a:bodyPr/>
-          <a:lstStyle/>
-          <a:p>
-            <a:endParaRPr lang="en-US"/>
-          </a:p>
-        </p:txBody>
-      </p:sp>
-      <p:pic>
-        <p:nvPicPr>
-          <p:cNvPr id="5" name="Content Placeholder 4" descr="Chart, line chart&#10;&#10;Description automatically generated">
-            <a:extLst>
-              <a:ext uri="{FF2B5EF4-FFF2-40B4-BE49-F238E27FC236}">
-                <a16:creationId xmlns:a16="http://schemas.microsoft.com/office/drawing/2014/main" id="{142985E6-C0E1-D4F2-0B2B-ABBA1DE8A774}"/>
-              </a:ext>
-            </a:extLst>
-          </p:cNvPr>
-          <p:cNvPicPr>
-            <a:picLocks noGrp="1" noChangeAspect="1"/>
-          </p:cNvPicPr>
-          <p:nvPr>
-            <p:ph idx="1"/>
-          </p:nvPr>
-        </p:nvPicPr>
-        <p:blipFill>
-          <a:blip r:embed="rId2">
-            <a:extLst>
-              <a:ext uri="{28A0092B-C50C-407E-A947-70E740481C1C}">
-                <a14:useLocalDpi xmlns:a14="http://schemas.microsoft.com/office/drawing/2010/main" val="0"/>
-              </a:ext>
-            </a:extLst>
-          </a:blip>
-          <a:stretch>
-            <a:fillRect/>
-          </a:stretch>
-        </p:blipFill>
-        <p:spPr>
-          <a:xfrm>
-            <a:off x="612933" y="1825625"/>
-            <a:ext cx="6267523" cy="4351338"/>
-          </a:xfrm>
-        </p:spPr>
-      </p:pic>
-    </p:spTree>
-    <p:extLst>
-      <p:ext uri="{BB962C8B-B14F-4D97-AF65-F5344CB8AC3E}">
-        <p14:creationId xmlns:p14="http://schemas.microsoft.com/office/powerpoint/2010/main" val="3138273804"/>
       </p:ext>
     </p:extLst>
   </p:cSld>
@@ -8460,7 +10874,7 @@
           <p:cNvPr id="2" name="Title 1">
             <a:extLst>
               <a:ext uri="{FF2B5EF4-FFF2-40B4-BE49-F238E27FC236}">
-                <a16:creationId xmlns:a16="http://schemas.microsoft.com/office/drawing/2014/main" id="{D755265E-6F8B-3AEB-3ABA-5DE996D49472}"/>
+                <a16:creationId xmlns:a16="http://schemas.microsoft.com/office/drawing/2014/main" id="{75945223-524E-48B9-BD6D-0AC5864ACD6D}"/>
               </a:ext>
             </a:extLst>
           </p:cNvPr>
@@ -8471,21 +10885,457 @@
             <p:ph type="title"/>
           </p:nvPr>
         </p:nvSpPr>
-        <p:spPr/>
+        <p:spPr>
+          <a:xfrm>
+            <a:off x="838200" y="356442"/>
+            <a:ext cx="10515600" cy="1325563"/>
+          </a:xfrm>
+        </p:spPr>
         <p:txBody>
           <a:bodyPr/>
           <a:lstStyle/>
           <a:p>
-            <a:endParaRPr lang="en-US"/>
+            <a:r>
+              <a:rPr lang="en-US" dirty="0"/>
+              <a:t>Analysis</a:t>
+            </a:r>
+            <a:endParaRPr lang="hu-HU" dirty="0"/>
+          </a:p>
+        </p:txBody>
+      </p:sp>
+      <p:sp>
+        <p:nvSpPr>
+          <p:cNvPr id="4" name="Rectangle: Rounded Corners 3">
+            <a:extLst>
+              <a:ext uri="{FF2B5EF4-FFF2-40B4-BE49-F238E27FC236}">
+                <a16:creationId xmlns:a16="http://schemas.microsoft.com/office/drawing/2014/main" id="{EEB0CD4D-D99B-EBE8-9E04-178085EB948C}"/>
+              </a:ext>
+            </a:extLst>
+          </p:cNvPr>
+          <p:cNvSpPr/>
+          <p:nvPr/>
+        </p:nvSpPr>
+        <p:spPr>
+          <a:xfrm>
+            <a:off x="390391" y="1494692"/>
+            <a:ext cx="4819114" cy="4682271"/>
+          </a:xfrm>
+          <a:prstGeom prst="roundRect">
+            <a:avLst/>
+          </a:prstGeom>
+          <a:solidFill>
+            <a:schemeClr val="bg1">
+              <a:lumMod val="95000"/>
+            </a:schemeClr>
+          </a:solidFill>
+          <a:ln>
+            <a:noFill/>
+          </a:ln>
+          <a:effectLst>
+            <a:outerShdw blurRad="50800" dist="38100" dir="2700000" algn="tl" rotWithShape="0">
+              <a:prstClr val="black">
+                <a:alpha val="40000"/>
+              </a:prstClr>
+            </a:outerShdw>
+          </a:effectLst>
+        </p:spPr>
+        <p:style>
+          <a:lnRef idx="2">
+            <a:schemeClr val="accent1">
+              <a:shade val="50000"/>
+            </a:schemeClr>
+          </a:lnRef>
+          <a:fillRef idx="1">
+            <a:schemeClr val="accent1"/>
+          </a:fillRef>
+          <a:effectRef idx="0">
+            <a:schemeClr val="accent1"/>
+          </a:effectRef>
+          <a:fontRef idx="minor">
+            <a:schemeClr val="lt1"/>
+          </a:fontRef>
+        </p:style>
+        <p:txBody>
+          <a:bodyPr rtlCol="0" anchor="ctr"/>
+          <a:lstStyle/>
+          <a:p>
+            <a:pPr algn="ctr"/>
+            <a:endParaRPr lang="hu-HU"/>
+          </a:p>
+        </p:txBody>
+      </p:sp>
+      <p:sp>
+        <p:nvSpPr>
+          <p:cNvPr id="44" name="Content Placeholder 2">
+            <a:extLst>
+              <a:ext uri="{FF2B5EF4-FFF2-40B4-BE49-F238E27FC236}">
+                <a16:creationId xmlns:a16="http://schemas.microsoft.com/office/drawing/2014/main" id="{49FAE743-0256-27E9-1D70-0EFC1383142B}"/>
+              </a:ext>
+            </a:extLst>
+          </p:cNvPr>
+          <p:cNvSpPr txBox="1">
+            <a:spLocks/>
+          </p:cNvSpPr>
+          <p:nvPr/>
+        </p:nvSpPr>
+        <p:spPr>
+          <a:xfrm>
+            <a:off x="495166" y="1825625"/>
+            <a:ext cx="4609564" cy="4351338"/>
+          </a:xfrm>
+          <a:prstGeom prst="rect">
+            <a:avLst/>
+          </a:prstGeom>
+        </p:spPr>
+        <p:txBody>
+          <a:bodyPr vert="horz" lIns="91440" tIns="45720" rIns="91440" bIns="45720" rtlCol="0">
+            <a:normAutofit/>
+          </a:bodyPr>
+          <a:lstStyle>
+            <a:lvl1pPr marL="228600" indent="-228600" algn="l" defTabSz="914400" rtl="0" eaLnBrk="1" latinLnBrk="0" hangingPunct="1">
+              <a:lnSpc>
+                <a:spcPct val="90000"/>
+              </a:lnSpc>
+              <a:spcBef>
+                <a:spcPts val="1000"/>
+              </a:spcBef>
+              <a:buFont typeface="Arial" panose="020B0604020202020204" pitchFamily="34" charset="0"/>
+              <a:buChar char="•"/>
+              <a:defRPr sz="2800" kern="1200">
+                <a:solidFill>
+                  <a:schemeClr val="tx1"/>
+                </a:solidFill>
+                <a:latin typeface="+mn-lt"/>
+                <a:ea typeface="+mn-ea"/>
+                <a:cs typeface="+mn-cs"/>
+              </a:defRPr>
+            </a:lvl1pPr>
+            <a:lvl2pPr marL="685800" indent="-228600" algn="l" defTabSz="914400" rtl="0" eaLnBrk="1" latinLnBrk="0" hangingPunct="1">
+              <a:lnSpc>
+                <a:spcPct val="90000"/>
+              </a:lnSpc>
+              <a:spcBef>
+                <a:spcPts val="500"/>
+              </a:spcBef>
+              <a:buFont typeface="Arial" panose="020B0604020202020204" pitchFamily="34" charset="0"/>
+              <a:buChar char="•"/>
+              <a:defRPr sz="2400" kern="1200">
+                <a:solidFill>
+                  <a:schemeClr val="tx1"/>
+                </a:solidFill>
+                <a:latin typeface="+mn-lt"/>
+                <a:ea typeface="+mn-ea"/>
+                <a:cs typeface="+mn-cs"/>
+              </a:defRPr>
+            </a:lvl2pPr>
+            <a:lvl3pPr marL="1143000" indent="-228600" algn="l" defTabSz="914400" rtl="0" eaLnBrk="1" latinLnBrk="0" hangingPunct="1">
+              <a:lnSpc>
+                <a:spcPct val="90000"/>
+              </a:lnSpc>
+              <a:spcBef>
+                <a:spcPts val="500"/>
+              </a:spcBef>
+              <a:buFont typeface="Arial" panose="020B0604020202020204" pitchFamily="34" charset="0"/>
+              <a:buChar char="•"/>
+              <a:defRPr sz="2000" kern="1200">
+                <a:solidFill>
+                  <a:schemeClr val="tx1"/>
+                </a:solidFill>
+                <a:latin typeface="+mn-lt"/>
+                <a:ea typeface="+mn-ea"/>
+                <a:cs typeface="+mn-cs"/>
+              </a:defRPr>
+            </a:lvl3pPr>
+            <a:lvl4pPr marL="1600200" indent="-228600" algn="l" defTabSz="914400" rtl="0" eaLnBrk="1" latinLnBrk="0" hangingPunct="1">
+              <a:lnSpc>
+                <a:spcPct val="90000"/>
+              </a:lnSpc>
+              <a:spcBef>
+                <a:spcPts val="500"/>
+              </a:spcBef>
+              <a:buFont typeface="Arial" panose="020B0604020202020204" pitchFamily="34" charset="0"/>
+              <a:buChar char="•"/>
+              <a:defRPr sz="1800" kern="1200">
+                <a:solidFill>
+                  <a:schemeClr val="tx1"/>
+                </a:solidFill>
+                <a:latin typeface="+mn-lt"/>
+                <a:ea typeface="+mn-ea"/>
+                <a:cs typeface="+mn-cs"/>
+              </a:defRPr>
+            </a:lvl4pPr>
+            <a:lvl5pPr marL="2057400" indent="-228600" algn="l" defTabSz="914400" rtl="0" eaLnBrk="1" latinLnBrk="0" hangingPunct="1">
+              <a:lnSpc>
+                <a:spcPct val="90000"/>
+              </a:lnSpc>
+              <a:spcBef>
+                <a:spcPts val="500"/>
+              </a:spcBef>
+              <a:buFont typeface="Arial" panose="020B0604020202020204" pitchFamily="34" charset="0"/>
+              <a:buChar char="•"/>
+              <a:defRPr sz="1800" kern="1200">
+                <a:solidFill>
+                  <a:schemeClr val="tx1"/>
+                </a:solidFill>
+                <a:latin typeface="+mn-lt"/>
+                <a:ea typeface="+mn-ea"/>
+                <a:cs typeface="+mn-cs"/>
+              </a:defRPr>
+            </a:lvl5pPr>
+            <a:lvl6pPr marL="2514600" indent="-228600" algn="l" defTabSz="914400" rtl="0" eaLnBrk="1" latinLnBrk="0" hangingPunct="1">
+              <a:lnSpc>
+                <a:spcPct val="90000"/>
+              </a:lnSpc>
+              <a:spcBef>
+                <a:spcPts val="500"/>
+              </a:spcBef>
+              <a:buFont typeface="Arial" panose="020B0604020202020204" pitchFamily="34" charset="0"/>
+              <a:buChar char="•"/>
+              <a:defRPr sz="1800" kern="1200">
+                <a:solidFill>
+                  <a:schemeClr val="tx1"/>
+                </a:solidFill>
+                <a:latin typeface="+mn-lt"/>
+                <a:ea typeface="+mn-ea"/>
+                <a:cs typeface="+mn-cs"/>
+              </a:defRPr>
+            </a:lvl6pPr>
+            <a:lvl7pPr marL="2971800" indent="-228600" algn="l" defTabSz="914400" rtl="0" eaLnBrk="1" latinLnBrk="0" hangingPunct="1">
+              <a:lnSpc>
+                <a:spcPct val="90000"/>
+              </a:lnSpc>
+              <a:spcBef>
+                <a:spcPts val="500"/>
+              </a:spcBef>
+              <a:buFont typeface="Arial" panose="020B0604020202020204" pitchFamily="34" charset="0"/>
+              <a:buChar char="•"/>
+              <a:defRPr sz="1800" kern="1200">
+                <a:solidFill>
+                  <a:schemeClr val="tx1"/>
+                </a:solidFill>
+                <a:latin typeface="+mn-lt"/>
+                <a:ea typeface="+mn-ea"/>
+                <a:cs typeface="+mn-cs"/>
+              </a:defRPr>
+            </a:lvl7pPr>
+            <a:lvl8pPr marL="3429000" indent="-228600" algn="l" defTabSz="914400" rtl="0" eaLnBrk="1" latinLnBrk="0" hangingPunct="1">
+              <a:lnSpc>
+                <a:spcPct val="90000"/>
+              </a:lnSpc>
+              <a:spcBef>
+                <a:spcPts val="500"/>
+              </a:spcBef>
+              <a:buFont typeface="Arial" panose="020B0604020202020204" pitchFamily="34" charset="0"/>
+              <a:buChar char="•"/>
+              <a:defRPr sz="1800" kern="1200">
+                <a:solidFill>
+                  <a:schemeClr val="tx1"/>
+                </a:solidFill>
+                <a:latin typeface="+mn-lt"/>
+                <a:ea typeface="+mn-ea"/>
+                <a:cs typeface="+mn-cs"/>
+              </a:defRPr>
+            </a:lvl8pPr>
+            <a:lvl9pPr marL="3886200" indent="-228600" algn="l" defTabSz="914400" rtl="0" eaLnBrk="1" latinLnBrk="0" hangingPunct="1">
+              <a:lnSpc>
+                <a:spcPct val="90000"/>
+              </a:lnSpc>
+              <a:spcBef>
+                <a:spcPts val="500"/>
+              </a:spcBef>
+              <a:buFont typeface="Arial" panose="020B0604020202020204" pitchFamily="34" charset="0"/>
+              <a:buChar char="•"/>
+              <a:defRPr sz="1800" kern="1200">
+                <a:solidFill>
+                  <a:schemeClr val="tx1"/>
+                </a:solidFill>
+                <a:latin typeface="+mn-lt"/>
+                <a:ea typeface="+mn-ea"/>
+                <a:cs typeface="+mn-cs"/>
+              </a:defRPr>
+            </a:lvl9pPr>
+          </a:lstStyle>
+          <a:p>
+            <a:pPr marL="0" indent="0">
+              <a:buFont typeface="Arial" panose="020B0604020202020204" pitchFamily="34" charset="0"/>
+              <a:buNone/>
+            </a:pPr>
+            <a:r>
+              <a:rPr lang="en-US" sz="2400" dirty="0">
+                <a:latin typeface="Segoe UI" panose="020B0502040204020203" pitchFamily="34" charset="0"/>
+                <a:cs typeface="Segoe UI" panose="020B0502040204020203" pitchFamily="34" charset="0"/>
+              </a:rPr>
+              <a:t>As you can see, it’s only correct 1/3 of the time, hitting the mark on 5 out of 15 tests.</a:t>
+            </a:r>
+          </a:p>
+          <a:p>
+            <a:pPr marL="0" indent="0">
+              <a:buFont typeface="Arial" panose="020B0604020202020204" pitchFamily="34" charset="0"/>
+              <a:buNone/>
+            </a:pPr>
+            <a:endParaRPr lang="en-US" sz="2400" dirty="0">
+              <a:latin typeface="Segoe UI" panose="020B0502040204020203" pitchFamily="34" charset="0"/>
+              <a:cs typeface="Segoe UI" panose="020B0502040204020203" pitchFamily="34" charset="0"/>
+            </a:endParaRPr>
+          </a:p>
+          <a:p>
+            <a:pPr marL="0" indent="0">
+              <a:buFont typeface="Arial" panose="020B0604020202020204" pitchFamily="34" charset="0"/>
+              <a:buNone/>
+            </a:pPr>
+            <a:r>
+              <a:rPr lang="en-US" sz="2400" dirty="0">
+                <a:latin typeface="Segoe UI" panose="020B0502040204020203" pitchFamily="34" charset="0"/>
+                <a:cs typeface="Segoe UI" panose="020B0502040204020203" pitchFamily="34" charset="0"/>
+              </a:rPr>
+              <a:t>For larger and more complex graphs, the algorithm is more likely to fail.</a:t>
+            </a:r>
+          </a:p>
+          <a:p>
+            <a:pPr marL="0" indent="0">
+              <a:buFont typeface="Arial" panose="020B0604020202020204" pitchFamily="34" charset="0"/>
+              <a:buNone/>
+            </a:pPr>
+            <a:endParaRPr lang="en-US" sz="2400" dirty="0">
+              <a:latin typeface="Segoe UI" panose="020B0502040204020203" pitchFamily="34" charset="0"/>
+              <a:cs typeface="Segoe UI" panose="020B0502040204020203" pitchFamily="34" charset="0"/>
+            </a:endParaRPr>
+          </a:p>
+          <a:p>
+            <a:pPr marL="0" indent="0">
+              <a:buFont typeface="Arial" panose="020B0604020202020204" pitchFamily="34" charset="0"/>
+              <a:buNone/>
+            </a:pPr>
+            <a:r>
+              <a:rPr lang="en-US" sz="2400" dirty="0">
+                <a:latin typeface="Segoe UI" panose="020B0502040204020203" pitchFamily="34" charset="0"/>
+                <a:cs typeface="Segoe UI" panose="020B0502040204020203" pitchFamily="34" charset="0"/>
+              </a:rPr>
+              <a:t>However, it runs very quickly, consistently.</a:t>
+            </a:r>
+          </a:p>
+          <a:p>
+            <a:pPr marL="0" indent="0">
+              <a:buFont typeface="Arial" panose="020B0604020202020204" pitchFamily="34" charset="0"/>
+              <a:buNone/>
+            </a:pPr>
+            <a:endParaRPr lang="en-US" sz="2400" dirty="0">
+              <a:latin typeface="Segoe UI" panose="020B0502040204020203" pitchFamily="34" charset="0"/>
+              <a:cs typeface="Segoe UI" panose="020B0502040204020203" pitchFamily="34" charset="0"/>
+            </a:endParaRPr>
+          </a:p>
+          <a:p>
+            <a:pPr marL="0" indent="0">
+              <a:buFont typeface="Arial" panose="020B0604020202020204" pitchFamily="34" charset="0"/>
+              <a:buNone/>
+            </a:pPr>
+            <a:endParaRPr lang="hu-HU" sz="2400" dirty="0">
+              <a:latin typeface="Segoe UI" panose="020B0502040204020203" pitchFamily="34" charset="0"/>
+              <a:cs typeface="Segoe UI" panose="020B0502040204020203" pitchFamily="34" charset="0"/>
+            </a:endParaRPr>
           </a:p>
         </p:txBody>
       </p:sp>
       <p:pic>
         <p:nvPicPr>
-          <p:cNvPr id="4" name="Content Placeholder 3" descr="Chart, line chart&#10;&#10;Description automatically generated">
+          <p:cNvPr id="11" name="Picture 10">
             <a:extLst>
               <a:ext uri="{FF2B5EF4-FFF2-40B4-BE49-F238E27FC236}">
-                <a16:creationId xmlns:a16="http://schemas.microsoft.com/office/drawing/2014/main" id="{44DE6154-4BB5-9C87-479A-48541D42D349}"/>
+                <a16:creationId xmlns:a16="http://schemas.microsoft.com/office/drawing/2014/main" id="{089D7514-BFE4-3077-D732-04C21EE9B5D3}"/>
+              </a:ext>
+            </a:extLst>
+          </p:cNvPr>
+          <p:cNvPicPr>
+            <a:picLocks noChangeAspect="1"/>
+          </p:cNvPicPr>
+          <p:nvPr/>
+        </p:nvPicPr>
+        <p:blipFill>
+          <a:blip r:embed="rId2"/>
+          <a:stretch>
+            <a:fillRect/>
+          </a:stretch>
+        </p:blipFill>
+        <p:spPr>
+          <a:xfrm>
+            <a:off x="5314280" y="1957287"/>
+            <a:ext cx="6760646" cy="3574189"/>
+          </a:xfrm>
+          <a:prstGeom prst="rect">
+            <a:avLst/>
+          </a:prstGeom>
+        </p:spPr>
+      </p:pic>
+    </p:spTree>
+    <p:extLst>
+      <p:ext uri="{BB962C8B-B14F-4D97-AF65-F5344CB8AC3E}">
+        <p14:creationId xmlns:p14="http://schemas.microsoft.com/office/powerpoint/2010/main" val="348163363"/>
+      </p:ext>
+    </p:extLst>
+  </p:cSld>
+  <p:clrMapOvr>
+    <a:masterClrMapping/>
+  </p:clrMapOvr>
+</p:sld>
+</file>
+
+<file path=ppt/slides/slide6.xml><?xml version="1.0" encoding="utf-8"?>
+<p:sld xmlns:a="http://schemas.openxmlformats.org/drawingml/2006/main" xmlns:r="http://schemas.openxmlformats.org/officeDocument/2006/relationships" xmlns:p="http://schemas.openxmlformats.org/presentationml/2006/main">
+  <p:cSld>
+    <p:spTree>
+      <p:nvGrpSpPr>
+        <p:cNvPr id="1" name=""/>
+        <p:cNvGrpSpPr/>
+        <p:nvPr/>
+      </p:nvGrpSpPr>
+      <p:grpSpPr>
+        <a:xfrm>
+          <a:off x="0" y="0"/>
+          <a:ext cx="0" cy="0"/>
+          <a:chOff x="0" y="0"/>
+          <a:chExt cx="0" cy="0"/>
+        </a:xfrm>
+      </p:grpSpPr>
+      <p:sp>
+        <p:nvSpPr>
+          <p:cNvPr id="2" name="Title 1">
+            <a:extLst>
+              <a:ext uri="{FF2B5EF4-FFF2-40B4-BE49-F238E27FC236}">
+                <a16:creationId xmlns:a16="http://schemas.microsoft.com/office/drawing/2014/main" id="{75945223-524E-48B9-BD6D-0AC5864ACD6D}"/>
+              </a:ext>
+            </a:extLst>
+          </p:cNvPr>
+          <p:cNvSpPr>
+            <a:spLocks noGrp="1"/>
+          </p:cNvSpPr>
+          <p:nvPr>
+            <p:ph type="title"/>
+          </p:nvPr>
+        </p:nvSpPr>
+        <p:spPr>
+          <a:xfrm>
+            <a:off x="838200" y="356442"/>
+            <a:ext cx="10515600" cy="1325563"/>
+          </a:xfrm>
+        </p:spPr>
+        <p:txBody>
+          <a:bodyPr/>
+          <a:lstStyle/>
+          <a:p>
+            <a:r>
+              <a:rPr lang="en-US" dirty="0"/>
+              <a:t>Analysis</a:t>
+            </a:r>
+            <a:endParaRPr lang="hu-HU" dirty="0"/>
+          </a:p>
+        </p:txBody>
+      </p:sp>
+      <p:pic>
+        <p:nvPicPr>
+          <p:cNvPr id="6" name="Content Placeholder 4" descr="Chart, line chart&#10;&#10;Description automatically generated">
+            <a:extLst>
+              <a:ext uri="{FF2B5EF4-FFF2-40B4-BE49-F238E27FC236}">
+                <a16:creationId xmlns:a16="http://schemas.microsoft.com/office/drawing/2014/main" id="{66E11904-C36C-7E7C-A878-E4D9B93D75B6}"/>
               </a:ext>
             </a:extLst>
           </p:cNvPr>
@@ -8510,7 +11360,40 @@
         </p:blipFill>
         <p:spPr>
           <a:xfrm>
-            <a:off x="2754253" y="1825625"/>
+            <a:off x="316719" y="1786988"/>
+            <a:ext cx="6267523" cy="4351338"/>
+          </a:xfrm>
+        </p:spPr>
+      </p:pic>
+      <p:pic>
+        <p:nvPicPr>
+          <p:cNvPr id="7" name="Content Placeholder 3" descr="Chart, line chart&#10;&#10;Description automatically generated">
+            <a:extLst>
+              <a:ext uri="{FF2B5EF4-FFF2-40B4-BE49-F238E27FC236}">
+                <a16:creationId xmlns:a16="http://schemas.microsoft.com/office/drawing/2014/main" id="{D853CE75-C943-6708-AFF3-BA1D79DF7D6C}"/>
+              </a:ext>
+            </a:extLst>
+          </p:cNvPr>
+          <p:cNvPicPr>
+            <a:picLocks noChangeAspect="1"/>
+          </p:cNvPicPr>
+          <p:nvPr/>
+        </p:nvPicPr>
+        <p:blipFill>
+          <a:blip r:embed="rId3">
+            <a:extLst>
+              <a:ext uri="{28A0092B-C50C-407E-A947-70E740481C1C}">
+                <a14:useLocalDpi xmlns:a14="http://schemas.microsoft.com/office/drawing/2010/main" val="0"/>
+              </a:ext>
+            </a:extLst>
+          </a:blip>
+          <a:stretch>
+            <a:fillRect/>
+          </a:stretch>
+        </p:blipFill>
+        <p:spPr>
+          <a:xfrm>
+            <a:off x="5623096" y="1786988"/>
             <a:ext cx="6683493" cy="4351338"/>
           </a:xfrm>
           <a:prstGeom prst="rect">
@@ -8521,7 +11404,242 @@
     </p:spTree>
     <p:extLst>
       <p:ext uri="{BB962C8B-B14F-4D97-AF65-F5344CB8AC3E}">
-        <p14:creationId xmlns:p14="http://schemas.microsoft.com/office/powerpoint/2010/main" val="2511058419"/>
+        <p14:creationId xmlns:p14="http://schemas.microsoft.com/office/powerpoint/2010/main" val="1332168371"/>
+      </p:ext>
+    </p:extLst>
+  </p:cSld>
+  <p:clrMapOvr>
+    <a:masterClrMapping/>
+  </p:clrMapOvr>
+</p:sld>
+</file>
+
+<file path=ppt/slides/slide7.xml><?xml version="1.0" encoding="utf-8"?>
+<p:sld xmlns:a="http://schemas.openxmlformats.org/drawingml/2006/main" xmlns:r="http://schemas.openxmlformats.org/officeDocument/2006/relationships" xmlns:p="http://schemas.openxmlformats.org/presentationml/2006/main">
+  <p:cSld>
+    <p:spTree>
+      <p:nvGrpSpPr>
+        <p:cNvPr id="1" name=""/>
+        <p:cNvGrpSpPr/>
+        <p:nvPr/>
+      </p:nvGrpSpPr>
+      <p:grpSpPr>
+        <a:xfrm>
+          <a:off x="0" y="0"/>
+          <a:ext cx="0" cy="0"/>
+          <a:chOff x="0" y="0"/>
+          <a:chExt cx="0" cy="0"/>
+        </a:xfrm>
+      </p:grpSpPr>
+      <p:sp>
+        <p:nvSpPr>
+          <p:cNvPr id="2" name="Title 1">
+            <a:extLst>
+              <a:ext uri="{FF2B5EF4-FFF2-40B4-BE49-F238E27FC236}">
+                <a16:creationId xmlns:a16="http://schemas.microsoft.com/office/drawing/2014/main" id="{75945223-524E-48B9-BD6D-0AC5864ACD6D}"/>
+              </a:ext>
+            </a:extLst>
+          </p:cNvPr>
+          <p:cNvSpPr>
+            <a:spLocks noGrp="1"/>
+          </p:cNvSpPr>
+          <p:nvPr>
+            <p:ph type="title"/>
+          </p:nvPr>
+        </p:nvSpPr>
+        <p:spPr>
+          <a:xfrm>
+            <a:off x="838200" y="356442"/>
+            <a:ext cx="10515600" cy="1325563"/>
+          </a:xfrm>
+        </p:spPr>
+        <p:txBody>
+          <a:bodyPr/>
+          <a:lstStyle/>
+          <a:p>
+            <a:r>
+              <a:rPr lang="en-US" dirty="0"/>
+              <a:t>Bounds</a:t>
+            </a:r>
+            <a:endParaRPr lang="hu-HU" dirty="0"/>
+          </a:p>
+        </p:txBody>
+      </p:sp>
+      <p:sp>
+        <p:nvSpPr>
+          <p:cNvPr id="4" name="Rectangle: Rounded Corners 3">
+            <a:extLst>
+              <a:ext uri="{FF2B5EF4-FFF2-40B4-BE49-F238E27FC236}">
+                <a16:creationId xmlns:a16="http://schemas.microsoft.com/office/drawing/2014/main" id="{EEB0CD4D-D99B-EBE8-9E04-178085EB948C}"/>
+              </a:ext>
+            </a:extLst>
+          </p:cNvPr>
+          <p:cNvSpPr/>
+          <p:nvPr/>
+        </p:nvSpPr>
+        <p:spPr>
+          <a:xfrm>
+            <a:off x="628649" y="1494692"/>
+            <a:ext cx="10725151" cy="4682271"/>
+          </a:xfrm>
+          <a:prstGeom prst="roundRect">
+            <a:avLst/>
+          </a:prstGeom>
+          <a:solidFill>
+            <a:schemeClr val="bg1">
+              <a:lumMod val="95000"/>
+            </a:schemeClr>
+          </a:solidFill>
+          <a:ln>
+            <a:noFill/>
+          </a:ln>
+          <a:effectLst>
+            <a:outerShdw blurRad="50800" dist="38100" dir="2700000" algn="tl" rotWithShape="0">
+              <a:prstClr val="black">
+                <a:alpha val="40000"/>
+              </a:prstClr>
+            </a:outerShdw>
+          </a:effectLst>
+        </p:spPr>
+        <p:style>
+          <a:lnRef idx="2">
+            <a:schemeClr val="accent1">
+              <a:shade val="50000"/>
+            </a:schemeClr>
+          </a:lnRef>
+          <a:fillRef idx="1">
+            <a:schemeClr val="accent1"/>
+          </a:fillRef>
+          <a:effectRef idx="0">
+            <a:schemeClr val="accent1"/>
+          </a:effectRef>
+          <a:fontRef idx="minor">
+            <a:schemeClr val="lt1"/>
+          </a:fontRef>
+        </p:style>
+        <p:txBody>
+          <a:bodyPr rtlCol="0" anchor="ctr"/>
+          <a:lstStyle/>
+          <a:p>
+            <a:pPr algn="ctr"/>
+            <a:endParaRPr lang="hu-HU"/>
+          </a:p>
+        </p:txBody>
+      </p:sp>
+      <p:sp>
+        <p:nvSpPr>
+          <p:cNvPr id="5" name="Content Placeholder 2">
+            <a:extLst>
+              <a:ext uri="{FF2B5EF4-FFF2-40B4-BE49-F238E27FC236}">
+                <a16:creationId xmlns:a16="http://schemas.microsoft.com/office/drawing/2014/main" id="{AEDDF7BC-7A39-7FFF-38ED-2D883C89BB28}"/>
+              </a:ext>
+            </a:extLst>
+          </p:cNvPr>
+          <p:cNvSpPr>
+            <a:spLocks noGrp="1"/>
+          </p:cNvSpPr>
+          <p:nvPr>
+            <p:ph idx="1"/>
+          </p:nvPr>
+        </p:nvSpPr>
+        <p:spPr>
+          <a:xfrm>
+            <a:off x="838199" y="1825625"/>
+            <a:ext cx="10515600" cy="4351338"/>
+          </a:xfrm>
+        </p:spPr>
+        <p:txBody>
+          <a:bodyPr>
+            <a:normAutofit/>
+          </a:bodyPr>
+          <a:lstStyle/>
+          <a:p>
+            <a:pPr marL="0" indent="0">
+              <a:buNone/>
+            </a:pPr>
+            <a:r>
+              <a:rPr lang="en-US" sz="2400" dirty="0">
+                <a:latin typeface="Segoe UI" panose="020B0502040204020203" pitchFamily="34" charset="0"/>
+                <a:cs typeface="Segoe UI" panose="020B0502040204020203" pitchFamily="34" charset="0"/>
+              </a:rPr>
+              <a:t>While the approximation is quicker, it’s not necessarily quick. </a:t>
+            </a:r>
+          </a:p>
+          <a:p>
+            <a:pPr marL="0" indent="0">
+              <a:buNone/>
+            </a:pPr>
+            <a:endParaRPr lang="en-US" sz="2400" dirty="0">
+              <a:latin typeface="Segoe UI" panose="020B0502040204020203" pitchFamily="34" charset="0"/>
+              <a:cs typeface="Segoe UI" panose="020B0502040204020203" pitchFamily="34" charset="0"/>
+            </a:endParaRPr>
+          </a:p>
+          <a:p>
+            <a:pPr marL="0" indent="0">
+              <a:buNone/>
+            </a:pPr>
+            <a:r>
+              <a:rPr lang="en-US" sz="2400" dirty="0">
+                <a:latin typeface="Segoe UI" panose="020B0502040204020203" pitchFamily="34" charset="0"/>
+                <a:cs typeface="Segoe UI" panose="020B0502040204020203" pitchFamily="34" charset="0"/>
+              </a:rPr>
+              <a:t>If n = number of nodes in the graph, and e(n) = number of edges at a node n, the bounds for our approximation are.</a:t>
+            </a:r>
+          </a:p>
+          <a:p>
+            <a:pPr marL="0" indent="0">
+              <a:buNone/>
+            </a:pPr>
+            <a:endParaRPr lang="en-US" sz="2400" dirty="0">
+              <a:latin typeface="Segoe UI" panose="020B0502040204020203" pitchFamily="34" charset="0"/>
+              <a:cs typeface="Segoe UI" panose="020B0502040204020203" pitchFamily="34" charset="0"/>
+            </a:endParaRPr>
+          </a:p>
+          <a:p>
+            <a:pPr marL="0" indent="0">
+              <a:buNone/>
+            </a:pPr>
+            <a:r>
+              <a:rPr lang="en-US" sz="4000" dirty="0">
+                <a:latin typeface="Segoe UI" panose="020B0502040204020203" pitchFamily="34" charset="0"/>
+                <a:cs typeface="Segoe UI" panose="020B0502040204020203" pitchFamily="34" charset="0"/>
+              </a:rPr>
+              <a:t>Upper Bound: O</a:t>
+            </a:r>
+            <a:r>
+              <a:rPr lang="en-US" sz="4000">
+                <a:latin typeface="Segoe UI" panose="020B0502040204020203" pitchFamily="34" charset="0"/>
+                <a:cs typeface="Segoe UI" panose="020B0502040204020203" pitchFamily="34" charset="0"/>
+              </a:rPr>
+              <a:t>(n e</a:t>
+            </a:r>
+            <a:r>
+              <a:rPr lang="en-US" sz="4000" dirty="0">
+                <a:latin typeface="Segoe UI" panose="020B0502040204020203" pitchFamily="34" charset="0"/>
+                <a:cs typeface="Segoe UI" panose="020B0502040204020203" pitchFamily="34" charset="0"/>
+              </a:rPr>
+              <a:t>(n))</a:t>
+            </a:r>
+            <a:endParaRPr lang="en-US" sz="4000" baseline="30000" dirty="0">
+              <a:latin typeface="Segoe UI" panose="020B0502040204020203" pitchFamily="34" charset="0"/>
+              <a:cs typeface="Segoe UI" panose="020B0502040204020203" pitchFamily="34" charset="0"/>
+            </a:endParaRPr>
+          </a:p>
+          <a:p>
+            <a:pPr marL="0" indent="0">
+              <a:buNone/>
+            </a:pPr>
+            <a:endParaRPr lang="hu-HU" sz="2400" dirty="0">
+              <a:latin typeface="Segoe UI" panose="020B0502040204020203" pitchFamily="34" charset="0"/>
+              <a:cs typeface="Segoe UI" panose="020B0502040204020203" pitchFamily="34" charset="0"/>
+            </a:endParaRPr>
+          </a:p>
+        </p:txBody>
+      </p:sp>
+    </p:spTree>
+    <p:extLst>
+      <p:ext uri="{BB962C8B-B14F-4D97-AF65-F5344CB8AC3E}">
+        <p14:creationId xmlns:p14="http://schemas.microsoft.com/office/powerpoint/2010/main" val="1429774494"/>
       </p:ext>
     </p:extLst>
   </p:cSld>
